--- a/plane_crash_presenation_Rob.pptx
+++ b/plane_crash_presenation_Rob.pptx
@@ -2,7 +2,7 @@
 <file path=ppt/presentation.xml><?xml version="1.0" encoding="utf-8"?>
 <p:presentation xmlns:a="http://schemas.openxmlformats.org/drawingml/2006/main" xmlns:r="http://schemas.openxmlformats.org/officeDocument/2006/relationships" xmlns:p="http://schemas.openxmlformats.org/presentationml/2006/main" saveSubsetFonts="1">
   <p:sldMasterIdLst>
-    <p:sldMasterId id="2147483648" r:id="rId1"/>
+    <p:sldMasterId id="2147483713" r:id="rId1"/>
   </p:sldMasterIdLst>
   <p:sldIdLst>
     <p:sldId id="256" r:id="rId2"/>
@@ -11,6 +11,7 @@
     <p:sldId id="260" r:id="rId5"/>
     <p:sldId id="262" r:id="rId6"/>
     <p:sldId id="263" r:id="rId7"/>
+    <p:sldId id="264" r:id="rId8"/>
   </p:sldIdLst>
   <p:sldSz cx="12192000" cy="6858000"/>
   <p:notesSz cx="6858000" cy="9144000"/>
@@ -18,7 +19,7 @@
     <a:defPPr>
       <a:defRPr lang="en-US"/>
     </a:defPPr>
-    <a:lvl1pPr marL="0" algn="l" defTabSz="914400" rtl="0" eaLnBrk="1" latinLnBrk="0" hangingPunct="1">
+    <a:lvl1pPr marL="0" algn="l" defTabSz="457200" rtl="0" eaLnBrk="1" latinLnBrk="0" hangingPunct="1">
       <a:defRPr sz="1800" kern="1200">
         <a:solidFill>
           <a:schemeClr val="tx1"/>
@@ -28,7 +29,7 @@
         <a:cs typeface="+mn-cs"/>
       </a:defRPr>
     </a:lvl1pPr>
-    <a:lvl2pPr marL="457200" algn="l" defTabSz="914400" rtl="0" eaLnBrk="1" latinLnBrk="0" hangingPunct="1">
+    <a:lvl2pPr marL="457200" algn="l" defTabSz="457200" rtl="0" eaLnBrk="1" latinLnBrk="0" hangingPunct="1">
       <a:defRPr sz="1800" kern="1200">
         <a:solidFill>
           <a:schemeClr val="tx1"/>
@@ -38,7 +39,7 @@
         <a:cs typeface="+mn-cs"/>
       </a:defRPr>
     </a:lvl2pPr>
-    <a:lvl3pPr marL="914400" algn="l" defTabSz="914400" rtl="0" eaLnBrk="1" latinLnBrk="0" hangingPunct="1">
+    <a:lvl3pPr marL="914400" algn="l" defTabSz="457200" rtl="0" eaLnBrk="1" latinLnBrk="0" hangingPunct="1">
       <a:defRPr sz="1800" kern="1200">
         <a:solidFill>
           <a:schemeClr val="tx1"/>
@@ -48,7 +49,7 @@
         <a:cs typeface="+mn-cs"/>
       </a:defRPr>
     </a:lvl3pPr>
-    <a:lvl4pPr marL="1371600" algn="l" defTabSz="914400" rtl="0" eaLnBrk="1" latinLnBrk="0" hangingPunct="1">
+    <a:lvl4pPr marL="1371600" algn="l" defTabSz="457200" rtl="0" eaLnBrk="1" latinLnBrk="0" hangingPunct="1">
       <a:defRPr sz="1800" kern="1200">
         <a:solidFill>
           <a:schemeClr val="tx1"/>
@@ -58,7 +59,7 @@
         <a:cs typeface="+mn-cs"/>
       </a:defRPr>
     </a:lvl4pPr>
-    <a:lvl5pPr marL="1828800" algn="l" defTabSz="914400" rtl="0" eaLnBrk="1" latinLnBrk="0" hangingPunct="1">
+    <a:lvl5pPr marL="1828800" algn="l" defTabSz="457200" rtl="0" eaLnBrk="1" latinLnBrk="0" hangingPunct="1">
       <a:defRPr sz="1800" kern="1200">
         <a:solidFill>
           <a:schemeClr val="tx1"/>
@@ -68,7 +69,7 @@
         <a:cs typeface="+mn-cs"/>
       </a:defRPr>
     </a:lvl5pPr>
-    <a:lvl6pPr marL="2286000" algn="l" defTabSz="914400" rtl="0" eaLnBrk="1" latinLnBrk="0" hangingPunct="1">
+    <a:lvl6pPr marL="2286000" algn="l" defTabSz="457200" rtl="0" eaLnBrk="1" latinLnBrk="0" hangingPunct="1">
       <a:defRPr sz="1800" kern="1200">
         <a:solidFill>
           <a:schemeClr val="tx1"/>
@@ -78,7 +79,7 @@
         <a:cs typeface="+mn-cs"/>
       </a:defRPr>
     </a:lvl6pPr>
-    <a:lvl7pPr marL="2743200" algn="l" defTabSz="914400" rtl="0" eaLnBrk="1" latinLnBrk="0" hangingPunct="1">
+    <a:lvl7pPr marL="2743200" algn="l" defTabSz="457200" rtl="0" eaLnBrk="1" latinLnBrk="0" hangingPunct="1">
       <a:defRPr sz="1800" kern="1200">
         <a:solidFill>
           <a:schemeClr val="tx1"/>
@@ -88,7 +89,7 @@
         <a:cs typeface="+mn-cs"/>
       </a:defRPr>
     </a:lvl7pPr>
-    <a:lvl8pPr marL="3200400" algn="l" defTabSz="914400" rtl="0" eaLnBrk="1" latinLnBrk="0" hangingPunct="1">
+    <a:lvl8pPr marL="3200400" algn="l" defTabSz="457200" rtl="0" eaLnBrk="1" latinLnBrk="0" hangingPunct="1">
       <a:defRPr sz="1800" kern="1200">
         <a:solidFill>
           <a:schemeClr val="tx1"/>
@@ -98,7 +99,7 @@
         <a:cs typeface="+mn-cs"/>
       </a:defRPr>
     </a:lvl8pPr>
-    <a:lvl9pPr marL="3657600" algn="l" defTabSz="914400" rtl="0" eaLnBrk="1" latinLnBrk="0" hangingPunct="1">
+    <a:lvl9pPr marL="3657600" algn="l" defTabSz="457200" rtl="0" eaLnBrk="1" latinLnBrk="0" hangingPunct="1">
       <a:defRPr sz="1800" kern="1200">
         <a:solidFill>
           <a:schemeClr val="tx1"/>
@@ -130,7 +131,7 @@
 </file>
 
 <file path=ppt/slideLayouts/slideLayout1.xml><?xml version="1.0" encoding="utf-8"?>
-<p:sldLayout xmlns:a="http://schemas.openxmlformats.org/drawingml/2006/main" xmlns:r="http://schemas.openxmlformats.org/officeDocument/2006/relationships" xmlns:p="http://schemas.openxmlformats.org/presentationml/2006/main" type="title" preserve="1">
+<p:sldLayout xmlns:a="http://schemas.openxmlformats.org/drawingml/2006/main" xmlns:r="http://schemas.openxmlformats.org/officeDocument/2006/relationships" xmlns:p="http://schemas.openxmlformats.org/presentationml/2006/main" showMasterSp="0" type="title" preserve="1">
   <p:cSld name="Title Slide">
     <p:spTree>
       <p:nvGrpSpPr>
@@ -146,15 +147,539 @@
           <a:chExt cx="0" cy="0"/>
         </a:xfrm>
       </p:grpSpPr>
-      <p:sp>
-        <p:nvSpPr>
-          <p:cNvPr id="2" name="Title 1">
-            <a:extLst>
-              <a:ext uri="{FF2B5EF4-FFF2-40B4-BE49-F238E27FC236}">
-                <a16:creationId xmlns:a16="http://schemas.microsoft.com/office/drawing/2014/main" id="{2A4C0374-00B6-86C7-9895-431AC1CF7263}"/>
-              </a:ext>
-            </a:extLst>
-          </p:cNvPr>
+      <p:grpSp>
+        <p:nvGrpSpPr>
+          <p:cNvPr id="7" name="Group 6"/>
+          <p:cNvGrpSpPr/>
+          <p:nvPr/>
+        </p:nvGrpSpPr>
+        <p:grpSpPr>
+          <a:xfrm>
+            <a:off x="0" y="-8467"/>
+            <a:ext cx="12192000" cy="6866467"/>
+            <a:chOff x="0" y="-8467"/>
+            <a:chExt cx="12192000" cy="6866467"/>
+          </a:xfrm>
+        </p:grpSpPr>
+        <p:cxnSp>
+          <p:nvCxnSpPr>
+            <p:cNvPr id="32" name="Straight Connector 31"/>
+            <p:cNvCxnSpPr/>
+            <p:nvPr/>
+          </p:nvCxnSpPr>
+          <p:spPr>
+            <a:xfrm>
+              <a:off x="9371012" y="0"/>
+              <a:ext cx="1219200" cy="6858000"/>
+            </a:xfrm>
+            <a:prstGeom prst="line">
+              <a:avLst/>
+            </a:prstGeom>
+            <a:ln w="9525">
+              <a:solidFill>
+                <a:schemeClr val="bg1">
+                  <a:lumMod val="75000"/>
+                </a:schemeClr>
+              </a:solidFill>
+            </a:ln>
+          </p:spPr>
+          <p:style>
+            <a:lnRef idx="2">
+              <a:schemeClr val="accent1"/>
+            </a:lnRef>
+            <a:fillRef idx="0">
+              <a:schemeClr val="accent1"/>
+            </a:fillRef>
+            <a:effectRef idx="1">
+              <a:schemeClr val="accent1"/>
+            </a:effectRef>
+            <a:fontRef idx="minor">
+              <a:schemeClr val="tx1"/>
+            </a:fontRef>
+          </p:style>
+        </p:cxnSp>
+        <p:cxnSp>
+          <p:nvCxnSpPr>
+            <p:cNvPr id="21" name="Straight Connector 20"/>
+            <p:cNvCxnSpPr/>
+            <p:nvPr/>
+          </p:nvCxnSpPr>
+          <p:spPr>
+            <a:xfrm flipH="1">
+              <a:off x="7425267" y="3681413"/>
+              <a:ext cx="4763558" cy="3176587"/>
+            </a:xfrm>
+            <a:prstGeom prst="line">
+              <a:avLst/>
+            </a:prstGeom>
+            <a:ln w="9525">
+              <a:solidFill>
+                <a:schemeClr val="bg1">
+                  <a:lumMod val="85000"/>
+                </a:schemeClr>
+              </a:solidFill>
+            </a:ln>
+          </p:spPr>
+          <p:style>
+            <a:lnRef idx="2">
+              <a:schemeClr val="accent1"/>
+            </a:lnRef>
+            <a:fillRef idx="0">
+              <a:schemeClr val="accent1"/>
+            </a:fillRef>
+            <a:effectRef idx="1">
+              <a:schemeClr val="accent1"/>
+            </a:effectRef>
+            <a:fontRef idx="minor">
+              <a:schemeClr val="tx1"/>
+            </a:fontRef>
+          </p:style>
+        </p:cxnSp>
+        <p:sp>
+          <p:nvSpPr>
+            <p:cNvPr id="24" name="Rectangle 23"/>
+            <p:cNvSpPr/>
+            <p:nvPr/>
+          </p:nvSpPr>
+          <p:spPr>
+            <a:xfrm>
+              <a:off x="9181476" y="-8467"/>
+              <a:ext cx="3007349" cy="6866467"/>
+            </a:xfrm>
+            <a:custGeom>
+              <a:avLst/>
+              <a:gdLst/>
+              <a:ahLst/>
+              <a:cxnLst/>
+              <a:rect l="l" t="t" r="r" b="b"/>
+              <a:pathLst>
+                <a:path w="3007349" h="6866467">
+                  <a:moveTo>
+                    <a:pt x="2045532" y="0"/>
+                  </a:moveTo>
+                  <a:lnTo>
+                    <a:pt x="3007349" y="0"/>
+                  </a:lnTo>
+                  <a:lnTo>
+                    <a:pt x="3007349" y="6866467"/>
+                  </a:lnTo>
+                  <a:lnTo>
+                    <a:pt x="0" y="6866467"/>
+                  </a:lnTo>
+                  <a:lnTo>
+                    <a:pt x="2045532" y="0"/>
+                  </a:lnTo>
+                  <a:close/>
+                </a:path>
+              </a:pathLst>
+            </a:custGeom>
+            <a:solidFill>
+              <a:schemeClr val="accent1">
+                <a:alpha val="30000"/>
+              </a:schemeClr>
+            </a:solidFill>
+            <a:ln>
+              <a:noFill/>
+            </a:ln>
+            <a:effectLst/>
+          </p:spPr>
+          <p:style>
+            <a:lnRef idx="1">
+              <a:schemeClr val="accent1"/>
+            </a:lnRef>
+            <a:fillRef idx="3">
+              <a:schemeClr val="accent1"/>
+            </a:fillRef>
+            <a:effectRef idx="2">
+              <a:schemeClr val="accent1"/>
+            </a:effectRef>
+            <a:fontRef idx="minor">
+              <a:schemeClr val="lt1"/>
+            </a:fontRef>
+          </p:style>
+        </p:sp>
+        <p:sp>
+          <p:nvSpPr>
+            <p:cNvPr id="26" name="Rectangle 25"/>
+            <p:cNvSpPr/>
+            <p:nvPr/>
+          </p:nvSpPr>
+          <p:spPr>
+            <a:xfrm>
+              <a:off x="9603442" y="-8467"/>
+              <a:ext cx="2588558" cy="6866467"/>
+            </a:xfrm>
+            <a:custGeom>
+              <a:avLst/>
+              <a:gdLst/>
+              <a:ahLst/>
+              <a:cxnLst/>
+              <a:rect l="l" t="t" r="r" b="b"/>
+              <a:pathLst>
+                <a:path w="2573311" h="6866467">
+                  <a:moveTo>
+                    <a:pt x="0" y="0"/>
+                  </a:moveTo>
+                  <a:lnTo>
+                    <a:pt x="2573311" y="0"/>
+                  </a:lnTo>
+                  <a:lnTo>
+                    <a:pt x="2573311" y="6866467"/>
+                  </a:lnTo>
+                  <a:lnTo>
+                    <a:pt x="1202336" y="6866467"/>
+                  </a:lnTo>
+                  <a:lnTo>
+                    <a:pt x="0" y="0"/>
+                  </a:lnTo>
+                  <a:close/>
+                </a:path>
+              </a:pathLst>
+            </a:custGeom>
+            <a:solidFill>
+              <a:schemeClr val="accent1">
+                <a:alpha val="20000"/>
+              </a:schemeClr>
+            </a:solidFill>
+            <a:ln>
+              <a:noFill/>
+            </a:ln>
+            <a:effectLst/>
+          </p:spPr>
+          <p:style>
+            <a:lnRef idx="1">
+              <a:schemeClr val="accent1"/>
+            </a:lnRef>
+            <a:fillRef idx="3">
+              <a:schemeClr val="accent1"/>
+            </a:fillRef>
+            <a:effectRef idx="2">
+              <a:schemeClr val="accent1"/>
+            </a:effectRef>
+            <a:fontRef idx="minor">
+              <a:schemeClr val="lt1"/>
+            </a:fontRef>
+          </p:style>
+        </p:sp>
+        <p:sp>
+          <p:nvSpPr>
+            <p:cNvPr id="27" name="Isosceles Triangle 26"/>
+            <p:cNvSpPr/>
+            <p:nvPr/>
+          </p:nvSpPr>
+          <p:spPr>
+            <a:xfrm>
+              <a:off x="8932333" y="3048000"/>
+              <a:ext cx="3259667" cy="3810000"/>
+            </a:xfrm>
+            <a:prstGeom prst="triangle">
+              <a:avLst>
+                <a:gd name="adj" fmla="val 100000"/>
+              </a:avLst>
+            </a:prstGeom>
+            <a:solidFill>
+              <a:schemeClr val="accent2">
+                <a:alpha val="72000"/>
+              </a:schemeClr>
+            </a:solidFill>
+            <a:ln>
+              <a:noFill/>
+            </a:ln>
+            <a:effectLst/>
+          </p:spPr>
+          <p:style>
+            <a:lnRef idx="1">
+              <a:schemeClr val="accent1"/>
+            </a:lnRef>
+            <a:fillRef idx="3">
+              <a:schemeClr val="accent1"/>
+            </a:fillRef>
+            <a:effectRef idx="2">
+              <a:schemeClr val="accent1"/>
+            </a:effectRef>
+            <a:fontRef idx="minor">
+              <a:schemeClr val="lt1"/>
+            </a:fontRef>
+          </p:style>
+        </p:sp>
+        <p:sp>
+          <p:nvSpPr>
+            <p:cNvPr id="28" name="Rectangle 27"/>
+            <p:cNvSpPr/>
+            <p:nvPr/>
+          </p:nvSpPr>
+          <p:spPr>
+            <a:xfrm>
+              <a:off x="9334500" y="-8467"/>
+              <a:ext cx="2854326" cy="6866467"/>
+            </a:xfrm>
+            <a:custGeom>
+              <a:avLst/>
+              <a:gdLst/>
+              <a:ahLst/>
+              <a:cxnLst/>
+              <a:rect l="l" t="t" r="r" b="b"/>
+              <a:pathLst>
+                <a:path w="2858013" h="6866467">
+                  <a:moveTo>
+                    <a:pt x="0" y="0"/>
+                  </a:moveTo>
+                  <a:lnTo>
+                    <a:pt x="2858013" y="0"/>
+                  </a:lnTo>
+                  <a:lnTo>
+                    <a:pt x="2858013" y="6866467"/>
+                  </a:lnTo>
+                  <a:lnTo>
+                    <a:pt x="2473942" y="6866467"/>
+                  </a:lnTo>
+                  <a:lnTo>
+                    <a:pt x="0" y="0"/>
+                  </a:lnTo>
+                  <a:close/>
+                </a:path>
+              </a:pathLst>
+            </a:custGeom>
+            <a:solidFill>
+              <a:schemeClr val="accent2">
+                <a:lumMod val="75000"/>
+                <a:alpha val="70000"/>
+              </a:schemeClr>
+            </a:solidFill>
+            <a:ln>
+              <a:noFill/>
+            </a:ln>
+            <a:effectLst/>
+          </p:spPr>
+          <p:style>
+            <a:lnRef idx="1">
+              <a:schemeClr val="accent1"/>
+            </a:lnRef>
+            <a:fillRef idx="3">
+              <a:schemeClr val="accent1"/>
+            </a:fillRef>
+            <a:effectRef idx="2">
+              <a:schemeClr val="accent1"/>
+            </a:effectRef>
+            <a:fontRef idx="minor">
+              <a:schemeClr val="lt1"/>
+            </a:fontRef>
+          </p:style>
+        </p:sp>
+        <p:sp>
+          <p:nvSpPr>
+            <p:cNvPr id="29" name="Rectangle 28"/>
+            <p:cNvSpPr/>
+            <p:nvPr/>
+          </p:nvSpPr>
+          <p:spPr>
+            <a:xfrm>
+              <a:off x="10898730" y="-8467"/>
+              <a:ext cx="1290094" cy="6866467"/>
+            </a:xfrm>
+            <a:custGeom>
+              <a:avLst/>
+              <a:gdLst/>
+              <a:ahLst/>
+              <a:cxnLst/>
+              <a:rect l="l" t="t" r="r" b="b"/>
+              <a:pathLst>
+                <a:path w="1290094" h="6858000">
+                  <a:moveTo>
+                    <a:pt x="1019735" y="0"/>
+                  </a:moveTo>
+                  <a:lnTo>
+                    <a:pt x="1290094" y="0"/>
+                  </a:lnTo>
+                  <a:lnTo>
+                    <a:pt x="1290094" y="6858000"/>
+                  </a:lnTo>
+                  <a:lnTo>
+                    <a:pt x="0" y="6858000"/>
+                  </a:lnTo>
+                  <a:lnTo>
+                    <a:pt x="1019735" y="0"/>
+                  </a:lnTo>
+                  <a:close/>
+                </a:path>
+              </a:pathLst>
+            </a:custGeom>
+            <a:solidFill>
+              <a:schemeClr val="accent1">
+                <a:lumMod val="60000"/>
+                <a:lumOff val="40000"/>
+                <a:alpha val="70000"/>
+              </a:schemeClr>
+            </a:solidFill>
+            <a:ln>
+              <a:noFill/>
+            </a:ln>
+            <a:effectLst/>
+          </p:spPr>
+          <p:style>
+            <a:lnRef idx="1">
+              <a:schemeClr val="accent1"/>
+            </a:lnRef>
+            <a:fillRef idx="3">
+              <a:schemeClr val="accent1"/>
+            </a:fillRef>
+            <a:effectRef idx="2">
+              <a:schemeClr val="accent1"/>
+            </a:effectRef>
+            <a:fontRef idx="minor">
+              <a:schemeClr val="lt1"/>
+            </a:fontRef>
+          </p:style>
+        </p:sp>
+        <p:sp>
+          <p:nvSpPr>
+            <p:cNvPr id="30" name="Rectangle 29"/>
+            <p:cNvSpPr/>
+            <p:nvPr/>
+          </p:nvSpPr>
+          <p:spPr>
+            <a:xfrm>
+              <a:off x="10938999" y="-8467"/>
+              <a:ext cx="1249825" cy="6866467"/>
+            </a:xfrm>
+            <a:custGeom>
+              <a:avLst/>
+              <a:gdLst/>
+              <a:ahLst/>
+              <a:cxnLst/>
+              <a:rect l="l" t="t" r="r" b="b"/>
+              <a:pathLst>
+                <a:path w="1249825" h="6858000">
+                  <a:moveTo>
+                    <a:pt x="0" y="0"/>
+                  </a:moveTo>
+                  <a:lnTo>
+                    <a:pt x="1249825" y="0"/>
+                  </a:lnTo>
+                  <a:lnTo>
+                    <a:pt x="1249825" y="6858000"/>
+                  </a:lnTo>
+                  <a:lnTo>
+                    <a:pt x="1109382" y="6858000"/>
+                  </a:lnTo>
+                  <a:lnTo>
+                    <a:pt x="0" y="0"/>
+                  </a:lnTo>
+                  <a:close/>
+                </a:path>
+              </a:pathLst>
+            </a:custGeom>
+            <a:solidFill>
+              <a:schemeClr val="accent1">
+                <a:alpha val="65000"/>
+              </a:schemeClr>
+            </a:solidFill>
+            <a:ln>
+              <a:noFill/>
+            </a:ln>
+            <a:effectLst/>
+          </p:spPr>
+          <p:style>
+            <a:lnRef idx="1">
+              <a:schemeClr val="accent1"/>
+            </a:lnRef>
+            <a:fillRef idx="3">
+              <a:schemeClr val="accent1"/>
+            </a:fillRef>
+            <a:effectRef idx="2">
+              <a:schemeClr val="accent1"/>
+            </a:effectRef>
+            <a:fontRef idx="minor">
+              <a:schemeClr val="lt1"/>
+            </a:fontRef>
+          </p:style>
+        </p:sp>
+        <p:sp>
+          <p:nvSpPr>
+            <p:cNvPr id="31" name="Isosceles Triangle 30"/>
+            <p:cNvSpPr/>
+            <p:nvPr/>
+          </p:nvSpPr>
+          <p:spPr>
+            <a:xfrm>
+              <a:off x="10371666" y="3589867"/>
+              <a:ext cx="1817159" cy="3268133"/>
+            </a:xfrm>
+            <a:prstGeom prst="triangle">
+              <a:avLst>
+                <a:gd name="adj" fmla="val 100000"/>
+              </a:avLst>
+            </a:prstGeom>
+            <a:solidFill>
+              <a:schemeClr val="accent1">
+                <a:alpha val="80000"/>
+              </a:schemeClr>
+            </a:solidFill>
+            <a:ln>
+              <a:noFill/>
+            </a:ln>
+            <a:effectLst/>
+          </p:spPr>
+          <p:style>
+            <a:lnRef idx="1">
+              <a:schemeClr val="accent1"/>
+            </a:lnRef>
+            <a:fillRef idx="3">
+              <a:schemeClr val="accent1"/>
+            </a:fillRef>
+            <a:effectRef idx="2">
+              <a:schemeClr val="accent1"/>
+            </a:effectRef>
+            <a:fontRef idx="minor">
+              <a:schemeClr val="lt1"/>
+            </a:fontRef>
+          </p:style>
+        </p:sp>
+        <p:sp>
+          <p:nvSpPr>
+            <p:cNvPr id="19" name="Isosceles Triangle 18"/>
+            <p:cNvSpPr/>
+            <p:nvPr/>
+          </p:nvSpPr>
+          <p:spPr>
+            <a:xfrm rot="10800000">
+              <a:off x="0" y="0"/>
+              <a:ext cx="842596" cy="5666154"/>
+            </a:xfrm>
+            <a:prstGeom prst="triangle">
+              <a:avLst>
+                <a:gd name="adj" fmla="val 100000"/>
+              </a:avLst>
+            </a:prstGeom>
+            <a:solidFill>
+              <a:schemeClr val="accent1">
+                <a:alpha val="85000"/>
+              </a:schemeClr>
+            </a:solidFill>
+            <a:ln>
+              <a:noFill/>
+            </a:ln>
+            <a:effectLst/>
+          </p:spPr>
+          <p:style>
+            <a:lnRef idx="1">
+              <a:schemeClr val="accent1"/>
+            </a:lnRef>
+            <a:fillRef idx="3">
+              <a:schemeClr val="accent1"/>
+            </a:fillRef>
+            <a:effectRef idx="2">
+              <a:schemeClr val="accent1"/>
+            </a:effectRef>
+            <a:fontRef idx="minor">
+              <a:schemeClr val="lt1"/>
+            </a:fontRef>
+          </p:style>
+        </p:sp>
+      </p:grpSp>
+      <p:sp>
+        <p:nvSpPr>
+          <p:cNvPr id="2" name="Title 1"/>
           <p:cNvSpPr>
             <a:spLocks noGrp="1"/>
           </p:cNvSpPr>
@@ -164,15 +689,21 @@
         </p:nvSpPr>
         <p:spPr>
           <a:xfrm>
-            <a:off x="1524000" y="1122363"/>
-            <a:ext cx="9144000" cy="2387600"/>
+            <a:off x="1507067" y="2404534"/>
+            <a:ext cx="7766936" cy="1646302"/>
           </a:xfrm>
         </p:spPr>
         <p:txBody>
-          <a:bodyPr anchor="b"/>
+          <a:bodyPr anchor="b">
+            <a:noAutofit/>
+          </a:bodyPr>
           <a:lstStyle>
-            <a:lvl1pPr algn="ctr">
-              <a:defRPr sz="6000"/>
+            <a:lvl1pPr algn="r">
+              <a:defRPr sz="5400">
+                <a:solidFill>
+                  <a:schemeClr val="accent1"/>
+                </a:solidFill>
+              </a:defRPr>
             </a:lvl1pPr>
           </a:lstStyle>
           <a:p>
@@ -180,19 +711,13 @@
               <a:rPr lang="en-US"/>
               <a:t>Click to edit Master title style</a:t>
             </a:r>
-            <a:endParaRPr lang="en-AU"/>
-          </a:p>
-        </p:txBody>
-      </p:sp>
-      <p:sp>
-        <p:nvSpPr>
-          <p:cNvPr id="3" name="Subtitle 2">
-            <a:extLst>
-              <a:ext uri="{FF2B5EF4-FFF2-40B4-BE49-F238E27FC236}">
-                <a16:creationId xmlns:a16="http://schemas.microsoft.com/office/drawing/2014/main" id="{19311403-DB13-D7AE-66D4-93B7F5BD877C}"/>
-              </a:ext>
-            </a:extLst>
-          </p:cNvPr>
+            <a:endParaRPr lang="en-US" dirty="0"/>
+          </a:p>
+        </p:txBody>
+      </p:sp>
+      <p:sp>
+        <p:nvSpPr>
+          <p:cNvPr id="3" name="Subtitle 2"/>
           <p:cNvSpPr>
             <a:spLocks noGrp="1"/>
           </p:cNvSpPr>
@@ -202,48 +727,103 @@
         </p:nvSpPr>
         <p:spPr>
           <a:xfrm>
-            <a:off x="1524000" y="3602038"/>
-            <a:ext cx="9144000" cy="1655762"/>
+            <a:off x="1507067" y="4050833"/>
+            <a:ext cx="7766936" cy="1096899"/>
           </a:xfrm>
         </p:spPr>
         <p:txBody>
-          <a:bodyPr/>
+          <a:bodyPr anchor="t"/>
           <a:lstStyle>
-            <a:lvl1pPr marL="0" indent="0" algn="ctr">
-              <a:buNone/>
-              <a:defRPr sz="2400"/>
+            <a:lvl1pPr marL="0" indent="0" algn="r">
+              <a:buNone/>
+              <a:defRPr>
+                <a:solidFill>
+                  <a:schemeClr val="tx1">
+                    <a:lumMod val="50000"/>
+                    <a:lumOff val="50000"/>
+                  </a:schemeClr>
+                </a:solidFill>
+              </a:defRPr>
             </a:lvl1pPr>
             <a:lvl2pPr marL="457200" indent="0" algn="ctr">
               <a:buNone/>
-              <a:defRPr sz="2000"/>
+              <a:defRPr>
+                <a:solidFill>
+                  <a:schemeClr val="tx1">
+                    <a:tint val="75000"/>
+                  </a:schemeClr>
+                </a:solidFill>
+              </a:defRPr>
             </a:lvl2pPr>
             <a:lvl3pPr marL="914400" indent="0" algn="ctr">
               <a:buNone/>
-              <a:defRPr sz="1800"/>
+              <a:defRPr>
+                <a:solidFill>
+                  <a:schemeClr val="tx1">
+                    <a:tint val="75000"/>
+                  </a:schemeClr>
+                </a:solidFill>
+              </a:defRPr>
             </a:lvl3pPr>
             <a:lvl4pPr marL="1371600" indent="0" algn="ctr">
               <a:buNone/>
-              <a:defRPr sz="1600"/>
+              <a:defRPr>
+                <a:solidFill>
+                  <a:schemeClr val="tx1">
+                    <a:tint val="75000"/>
+                  </a:schemeClr>
+                </a:solidFill>
+              </a:defRPr>
             </a:lvl4pPr>
             <a:lvl5pPr marL="1828800" indent="0" algn="ctr">
               <a:buNone/>
-              <a:defRPr sz="1600"/>
+              <a:defRPr>
+                <a:solidFill>
+                  <a:schemeClr val="tx1">
+                    <a:tint val="75000"/>
+                  </a:schemeClr>
+                </a:solidFill>
+              </a:defRPr>
             </a:lvl5pPr>
             <a:lvl6pPr marL="2286000" indent="0" algn="ctr">
               <a:buNone/>
-              <a:defRPr sz="1600"/>
+              <a:defRPr>
+                <a:solidFill>
+                  <a:schemeClr val="tx1">
+                    <a:tint val="75000"/>
+                  </a:schemeClr>
+                </a:solidFill>
+              </a:defRPr>
             </a:lvl6pPr>
             <a:lvl7pPr marL="2743200" indent="0" algn="ctr">
               <a:buNone/>
-              <a:defRPr sz="1600"/>
+              <a:defRPr>
+                <a:solidFill>
+                  <a:schemeClr val="tx1">
+                    <a:tint val="75000"/>
+                  </a:schemeClr>
+                </a:solidFill>
+              </a:defRPr>
             </a:lvl7pPr>
             <a:lvl8pPr marL="3200400" indent="0" algn="ctr">
               <a:buNone/>
-              <a:defRPr sz="1600"/>
+              <a:defRPr>
+                <a:solidFill>
+                  <a:schemeClr val="tx1">
+                    <a:tint val="75000"/>
+                  </a:schemeClr>
+                </a:solidFill>
+              </a:defRPr>
             </a:lvl8pPr>
             <a:lvl9pPr marL="3657600" indent="0" algn="ctr">
               <a:buNone/>
-              <a:defRPr sz="1600"/>
+              <a:defRPr>
+                <a:solidFill>
+                  <a:schemeClr val="tx1">
+                    <a:tint val="75000"/>
+                  </a:schemeClr>
+                </a:solidFill>
+              </a:defRPr>
             </a:lvl9pPr>
           </a:lstStyle>
           <a:p>
@@ -251,19 +831,13 @@
               <a:rPr lang="en-US"/>
               <a:t>Click to edit Master subtitle style</a:t>
             </a:r>
-            <a:endParaRPr lang="en-AU"/>
-          </a:p>
-        </p:txBody>
-      </p:sp>
-      <p:sp>
-        <p:nvSpPr>
-          <p:cNvPr id="4" name="Date Placeholder 3">
-            <a:extLst>
-              <a:ext uri="{FF2B5EF4-FFF2-40B4-BE49-F238E27FC236}">
-                <a16:creationId xmlns:a16="http://schemas.microsoft.com/office/drawing/2014/main" id="{FB0DD042-4387-4CE1-00E6-3F531D689A28}"/>
-              </a:ext>
-            </a:extLst>
-          </p:cNvPr>
+            <a:endParaRPr lang="en-US" dirty="0"/>
+          </a:p>
+        </p:txBody>
+      </p:sp>
+      <p:sp>
+        <p:nvSpPr>
+          <p:cNvPr id="4" name="Date Placeholder 3"/>
           <p:cNvSpPr>
             <a:spLocks noGrp="1"/>
           </p:cNvSpPr>
@@ -278,7 +852,7 @@
           <a:p>
             <a:fld id="{AD579C85-AEB8-458A-8F52-6C2E60381BFF}" type="datetimeFigureOut">
               <a:rPr lang="en-AU" smtClean="0"/>
-              <a:t>22/06/2022</a:t>
+              <a:t>23/06/2022</a:t>
             </a:fld>
             <a:endParaRPr lang="en-AU"/>
           </a:p>
@@ -286,13 +860,7 @@
       </p:sp>
       <p:sp>
         <p:nvSpPr>
-          <p:cNvPr id="5" name="Footer Placeholder 4">
-            <a:extLst>
-              <a:ext uri="{FF2B5EF4-FFF2-40B4-BE49-F238E27FC236}">
-                <a16:creationId xmlns:a16="http://schemas.microsoft.com/office/drawing/2014/main" id="{B5750965-A11C-0662-E718-61598BC4EC73}"/>
-              </a:ext>
-            </a:extLst>
-          </p:cNvPr>
+          <p:cNvPr id="5" name="Footer Placeholder 4"/>
           <p:cNvSpPr>
             <a:spLocks noGrp="1"/>
           </p:cNvSpPr>
@@ -311,13 +879,7 @@
       </p:sp>
       <p:sp>
         <p:nvSpPr>
-          <p:cNvPr id="6" name="Slide Number Placeholder 5">
-            <a:extLst>
-              <a:ext uri="{FF2B5EF4-FFF2-40B4-BE49-F238E27FC236}">
-                <a16:creationId xmlns:a16="http://schemas.microsoft.com/office/drawing/2014/main" id="{8BC29328-F711-9EE6-1864-6E30568DC18A}"/>
-              </a:ext>
-            </a:extLst>
-          </p:cNvPr>
+          <p:cNvPr id="6" name="Slide Number Placeholder 5"/>
           <p:cNvSpPr>
             <a:spLocks noGrp="1"/>
           </p:cNvSpPr>
@@ -341,7 +903,7 @@
     </p:spTree>
     <p:extLst>
       <p:ext uri="{BB962C8B-B14F-4D97-AF65-F5344CB8AC3E}">
-        <p14:creationId xmlns:p14="http://schemas.microsoft.com/office/powerpoint/2010/main" val="311574635"/>
+        <p14:creationId xmlns:p14="http://schemas.microsoft.com/office/powerpoint/2010/main" val="3871353161"/>
       </p:ext>
     </p:extLst>
   </p:cSld>
@@ -352,6 +914,1619 @@
 </file>
 
 <file path=ppt/slideLayouts/slideLayout10.xml><?xml version="1.0" encoding="utf-8"?>
+<p:sldLayout xmlns:a="http://schemas.openxmlformats.org/drawingml/2006/main" xmlns:r="http://schemas.openxmlformats.org/officeDocument/2006/relationships" xmlns:p="http://schemas.openxmlformats.org/presentationml/2006/main" preserve="1">
+  <p:cSld name="Title and Caption">
+    <p:spTree>
+      <p:nvGrpSpPr>
+        <p:cNvPr id="1" name=""/>
+        <p:cNvGrpSpPr/>
+        <p:nvPr/>
+      </p:nvGrpSpPr>
+      <p:grpSpPr>
+        <a:xfrm>
+          <a:off x="0" y="0"/>
+          <a:ext cx="0" cy="0"/>
+          <a:chOff x="0" y="0"/>
+          <a:chExt cx="0" cy="0"/>
+        </a:xfrm>
+      </p:grpSpPr>
+      <p:sp>
+        <p:nvSpPr>
+          <p:cNvPr id="2" name="Title 1"/>
+          <p:cNvSpPr>
+            <a:spLocks noGrp="1"/>
+          </p:cNvSpPr>
+          <p:nvPr>
+            <p:ph type="title"/>
+          </p:nvPr>
+        </p:nvSpPr>
+        <p:spPr>
+          <a:xfrm>
+            <a:off x="677335" y="609600"/>
+            <a:ext cx="8596668" cy="3403600"/>
+          </a:xfrm>
+        </p:spPr>
+        <p:txBody>
+          <a:bodyPr anchor="ctr">
+            <a:normAutofit/>
+          </a:bodyPr>
+          <a:lstStyle>
+            <a:lvl1pPr algn="l">
+              <a:defRPr sz="4400" b="0" cap="none"/>
+            </a:lvl1pPr>
+          </a:lstStyle>
+          <a:p>
+            <a:r>
+              <a:rPr lang="en-US"/>
+              <a:t>Click to edit Master title style</a:t>
+            </a:r>
+            <a:endParaRPr lang="en-US" dirty="0"/>
+          </a:p>
+        </p:txBody>
+      </p:sp>
+      <p:sp>
+        <p:nvSpPr>
+          <p:cNvPr id="3" name="Text Placeholder 2"/>
+          <p:cNvSpPr>
+            <a:spLocks noGrp="1"/>
+          </p:cNvSpPr>
+          <p:nvPr>
+            <p:ph type="body" idx="1"/>
+          </p:nvPr>
+        </p:nvSpPr>
+        <p:spPr>
+          <a:xfrm>
+            <a:off x="677335" y="4470400"/>
+            <a:ext cx="8596668" cy="1570962"/>
+          </a:xfrm>
+        </p:spPr>
+        <p:txBody>
+          <a:bodyPr anchor="ctr">
+            <a:normAutofit/>
+          </a:bodyPr>
+          <a:lstStyle>
+            <a:lvl1pPr marL="0" indent="0" algn="l">
+              <a:buNone/>
+              <a:defRPr sz="1800">
+                <a:solidFill>
+                  <a:schemeClr val="tx1">
+                    <a:lumMod val="75000"/>
+                    <a:lumOff val="25000"/>
+                  </a:schemeClr>
+                </a:solidFill>
+              </a:defRPr>
+            </a:lvl1pPr>
+            <a:lvl2pPr marL="457200" indent="0">
+              <a:buNone/>
+              <a:defRPr sz="1800">
+                <a:solidFill>
+                  <a:schemeClr val="tx1">
+                    <a:tint val="75000"/>
+                  </a:schemeClr>
+                </a:solidFill>
+              </a:defRPr>
+            </a:lvl2pPr>
+            <a:lvl3pPr marL="914400" indent="0">
+              <a:buNone/>
+              <a:defRPr sz="1600">
+                <a:solidFill>
+                  <a:schemeClr val="tx1">
+                    <a:tint val="75000"/>
+                  </a:schemeClr>
+                </a:solidFill>
+              </a:defRPr>
+            </a:lvl3pPr>
+            <a:lvl4pPr marL="1371600" indent="0">
+              <a:buNone/>
+              <a:defRPr sz="1400">
+                <a:solidFill>
+                  <a:schemeClr val="tx1">
+                    <a:tint val="75000"/>
+                  </a:schemeClr>
+                </a:solidFill>
+              </a:defRPr>
+            </a:lvl4pPr>
+            <a:lvl5pPr marL="1828800" indent="0">
+              <a:buNone/>
+              <a:defRPr sz="1400">
+                <a:solidFill>
+                  <a:schemeClr val="tx1">
+                    <a:tint val="75000"/>
+                  </a:schemeClr>
+                </a:solidFill>
+              </a:defRPr>
+            </a:lvl5pPr>
+            <a:lvl6pPr marL="2286000" indent="0">
+              <a:buNone/>
+              <a:defRPr sz="1400">
+                <a:solidFill>
+                  <a:schemeClr val="tx1">
+                    <a:tint val="75000"/>
+                  </a:schemeClr>
+                </a:solidFill>
+              </a:defRPr>
+            </a:lvl6pPr>
+            <a:lvl7pPr marL="2743200" indent="0">
+              <a:buNone/>
+              <a:defRPr sz="1400">
+                <a:solidFill>
+                  <a:schemeClr val="tx1">
+                    <a:tint val="75000"/>
+                  </a:schemeClr>
+                </a:solidFill>
+              </a:defRPr>
+            </a:lvl7pPr>
+            <a:lvl8pPr marL="3200400" indent="0">
+              <a:buNone/>
+              <a:defRPr sz="1400">
+                <a:solidFill>
+                  <a:schemeClr val="tx1">
+                    <a:tint val="75000"/>
+                  </a:schemeClr>
+                </a:solidFill>
+              </a:defRPr>
+            </a:lvl8pPr>
+            <a:lvl9pPr marL="3657600" indent="0">
+              <a:buNone/>
+              <a:defRPr sz="1400">
+                <a:solidFill>
+                  <a:schemeClr val="tx1">
+                    <a:tint val="75000"/>
+                  </a:schemeClr>
+                </a:solidFill>
+              </a:defRPr>
+            </a:lvl9pPr>
+          </a:lstStyle>
+          <a:p>
+            <a:pPr lvl="0"/>
+            <a:r>
+              <a:rPr lang="en-US"/>
+              <a:t>Click to edit Master text styles</a:t>
+            </a:r>
+          </a:p>
+        </p:txBody>
+      </p:sp>
+      <p:sp>
+        <p:nvSpPr>
+          <p:cNvPr id="4" name="Date Placeholder 3"/>
+          <p:cNvSpPr>
+            <a:spLocks noGrp="1"/>
+          </p:cNvSpPr>
+          <p:nvPr>
+            <p:ph type="dt" sz="half" idx="10"/>
+          </p:nvPr>
+        </p:nvSpPr>
+        <p:spPr/>
+        <p:txBody>
+          <a:bodyPr/>
+          <a:lstStyle/>
+          <a:p>
+            <a:fld id="{AD579C85-AEB8-458A-8F52-6C2E60381BFF}" type="datetimeFigureOut">
+              <a:rPr lang="en-AU" smtClean="0"/>
+              <a:t>23/06/2022</a:t>
+            </a:fld>
+            <a:endParaRPr lang="en-AU"/>
+          </a:p>
+        </p:txBody>
+      </p:sp>
+      <p:sp>
+        <p:nvSpPr>
+          <p:cNvPr id="5" name="Footer Placeholder 4"/>
+          <p:cNvSpPr>
+            <a:spLocks noGrp="1"/>
+          </p:cNvSpPr>
+          <p:nvPr>
+            <p:ph type="ftr" sz="quarter" idx="11"/>
+          </p:nvPr>
+        </p:nvSpPr>
+        <p:spPr/>
+        <p:txBody>
+          <a:bodyPr/>
+          <a:lstStyle/>
+          <a:p>
+            <a:endParaRPr lang="en-AU"/>
+          </a:p>
+        </p:txBody>
+      </p:sp>
+      <p:sp>
+        <p:nvSpPr>
+          <p:cNvPr id="6" name="Slide Number Placeholder 5"/>
+          <p:cNvSpPr>
+            <a:spLocks noGrp="1"/>
+          </p:cNvSpPr>
+          <p:nvPr>
+            <p:ph type="sldNum" sz="quarter" idx="12"/>
+          </p:nvPr>
+        </p:nvSpPr>
+        <p:spPr/>
+        <p:txBody>
+          <a:bodyPr/>
+          <a:lstStyle/>
+          <a:p>
+            <a:fld id="{F37B4CE6-D59C-412C-8E10-8FDD6D8D0EAB}" type="slidenum">
+              <a:rPr lang="en-AU" smtClean="0"/>
+              <a:t>‹#›</a:t>
+            </a:fld>
+            <a:endParaRPr lang="en-AU"/>
+          </a:p>
+        </p:txBody>
+      </p:sp>
+    </p:spTree>
+    <p:extLst>
+      <p:ext uri="{BB962C8B-B14F-4D97-AF65-F5344CB8AC3E}">
+        <p14:creationId xmlns:p14="http://schemas.microsoft.com/office/powerpoint/2010/main" val="2373397343"/>
+      </p:ext>
+    </p:extLst>
+  </p:cSld>
+  <p:clrMapOvr>
+    <a:masterClrMapping/>
+  </p:clrMapOvr>
+</p:sldLayout>
+</file>
+
+<file path=ppt/slideLayouts/slideLayout11.xml><?xml version="1.0" encoding="utf-8"?>
+<p:sldLayout xmlns:a="http://schemas.openxmlformats.org/drawingml/2006/main" xmlns:r="http://schemas.openxmlformats.org/officeDocument/2006/relationships" xmlns:p="http://schemas.openxmlformats.org/presentationml/2006/main" preserve="1">
+  <p:cSld name="Quote with Caption">
+    <p:spTree>
+      <p:nvGrpSpPr>
+        <p:cNvPr id="1" name=""/>
+        <p:cNvGrpSpPr/>
+        <p:nvPr/>
+      </p:nvGrpSpPr>
+      <p:grpSpPr>
+        <a:xfrm>
+          <a:off x="0" y="0"/>
+          <a:ext cx="0" cy="0"/>
+          <a:chOff x="0" y="0"/>
+          <a:chExt cx="0" cy="0"/>
+        </a:xfrm>
+      </p:grpSpPr>
+      <p:sp>
+        <p:nvSpPr>
+          <p:cNvPr id="2" name="Title 1"/>
+          <p:cNvSpPr>
+            <a:spLocks noGrp="1"/>
+          </p:cNvSpPr>
+          <p:nvPr>
+            <p:ph type="title"/>
+          </p:nvPr>
+        </p:nvSpPr>
+        <p:spPr>
+          <a:xfrm>
+            <a:off x="931334" y="609600"/>
+            <a:ext cx="8094134" cy="3022600"/>
+          </a:xfrm>
+        </p:spPr>
+        <p:txBody>
+          <a:bodyPr anchor="ctr">
+            <a:normAutofit/>
+          </a:bodyPr>
+          <a:lstStyle>
+            <a:lvl1pPr algn="l">
+              <a:defRPr sz="4400" b="0" cap="none"/>
+            </a:lvl1pPr>
+          </a:lstStyle>
+          <a:p>
+            <a:r>
+              <a:rPr lang="en-US"/>
+              <a:t>Click to edit Master title style</a:t>
+            </a:r>
+            <a:endParaRPr lang="en-US" dirty="0"/>
+          </a:p>
+        </p:txBody>
+      </p:sp>
+      <p:sp>
+        <p:nvSpPr>
+          <p:cNvPr id="23" name="Text Placeholder 9"/>
+          <p:cNvSpPr>
+            <a:spLocks noGrp="1"/>
+          </p:cNvSpPr>
+          <p:nvPr>
+            <p:ph type="body" sz="quarter" idx="13"/>
+          </p:nvPr>
+        </p:nvSpPr>
+        <p:spPr>
+          <a:xfrm>
+            <a:off x="1366139" y="3632200"/>
+            <a:ext cx="7224524" cy="381000"/>
+          </a:xfrm>
+        </p:spPr>
+        <p:txBody>
+          <a:bodyPr anchor="ctr">
+            <a:noAutofit/>
+          </a:bodyPr>
+          <a:lstStyle>
+            <a:lvl1pPr marL="0" indent="0">
+              <a:buFontTx/>
+              <a:buNone/>
+              <a:defRPr sz="1600">
+                <a:solidFill>
+                  <a:schemeClr val="tx1">
+                    <a:lumMod val="50000"/>
+                    <a:lumOff val="50000"/>
+                  </a:schemeClr>
+                </a:solidFill>
+              </a:defRPr>
+            </a:lvl1pPr>
+            <a:lvl2pPr marL="457200" indent="0">
+              <a:buFontTx/>
+              <a:buNone/>
+              <a:defRPr/>
+            </a:lvl2pPr>
+            <a:lvl3pPr marL="914400" indent="0">
+              <a:buFontTx/>
+              <a:buNone/>
+              <a:defRPr/>
+            </a:lvl3pPr>
+            <a:lvl4pPr marL="1371600" indent="0">
+              <a:buFontTx/>
+              <a:buNone/>
+              <a:defRPr/>
+            </a:lvl4pPr>
+            <a:lvl5pPr marL="1828800" indent="0">
+              <a:buFontTx/>
+              <a:buNone/>
+              <a:defRPr/>
+            </a:lvl5pPr>
+          </a:lstStyle>
+          <a:p>
+            <a:pPr lvl="0"/>
+            <a:r>
+              <a:rPr lang="en-US"/>
+              <a:t>Click to edit Master text styles</a:t>
+            </a:r>
+          </a:p>
+        </p:txBody>
+      </p:sp>
+      <p:sp>
+        <p:nvSpPr>
+          <p:cNvPr id="3" name="Text Placeholder 2"/>
+          <p:cNvSpPr>
+            <a:spLocks noGrp="1"/>
+          </p:cNvSpPr>
+          <p:nvPr>
+            <p:ph type="body" idx="1"/>
+          </p:nvPr>
+        </p:nvSpPr>
+        <p:spPr>
+          <a:xfrm>
+            <a:off x="677335" y="4470400"/>
+            <a:ext cx="8596668" cy="1570962"/>
+          </a:xfrm>
+        </p:spPr>
+        <p:txBody>
+          <a:bodyPr anchor="ctr">
+            <a:normAutofit/>
+          </a:bodyPr>
+          <a:lstStyle>
+            <a:lvl1pPr marL="0" indent="0" algn="l">
+              <a:buNone/>
+              <a:defRPr sz="1800">
+                <a:solidFill>
+                  <a:schemeClr val="tx1">
+                    <a:lumMod val="75000"/>
+                    <a:lumOff val="25000"/>
+                  </a:schemeClr>
+                </a:solidFill>
+              </a:defRPr>
+            </a:lvl1pPr>
+            <a:lvl2pPr marL="457200" indent="0">
+              <a:buNone/>
+              <a:defRPr sz="1800">
+                <a:solidFill>
+                  <a:schemeClr val="tx1">
+                    <a:tint val="75000"/>
+                  </a:schemeClr>
+                </a:solidFill>
+              </a:defRPr>
+            </a:lvl2pPr>
+            <a:lvl3pPr marL="914400" indent="0">
+              <a:buNone/>
+              <a:defRPr sz="1600">
+                <a:solidFill>
+                  <a:schemeClr val="tx1">
+                    <a:tint val="75000"/>
+                  </a:schemeClr>
+                </a:solidFill>
+              </a:defRPr>
+            </a:lvl3pPr>
+            <a:lvl4pPr marL="1371600" indent="0">
+              <a:buNone/>
+              <a:defRPr sz="1400">
+                <a:solidFill>
+                  <a:schemeClr val="tx1">
+                    <a:tint val="75000"/>
+                  </a:schemeClr>
+                </a:solidFill>
+              </a:defRPr>
+            </a:lvl4pPr>
+            <a:lvl5pPr marL="1828800" indent="0">
+              <a:buNone/>
+              <a:defRPr sz="1400">
+                <a:solidFill>
+                  <a:schemeClr val="tx1">
+                    <a:tint val="75000"/>
+                  </a:schemeClr>
+                </a:solidFill>
+              </a:defRPr>
+            </a:lvl5pPr>
+            <a:lvl6pPr marL="2286000" indent="0">
+              <a:buNone/>
+              <a:defRPr sz="1400">
+                <a:solidFill>
+                  <a:schemeClr val="tx1">
+                    <a:tint val="75000"/>
+                  </a:schemeClr>
+                </a:solidFill>
+              </a:defRPr>
+            </a:lvl6pPr>
+            <a:lvl7pPr marL="2743200" indent="0">
+              <a:buNone/>
+              <a:defRPr sz="1400">
+                <a:solidFill>
+                  <a:schemeClr val="tx1">
+                    <a:tint val="75000"/>
+                  </a:schemeClr>
+                </a:solidFill>
+              </a:defRPr>
+            </a:lvl7pPr>
+            <a:lvl8pPr marL="3200400" indent="0">
+              <a:buNone/>
+              <a:defRPr sz="1400">
+                <a:solidFill>
+                  <a:schemeClr val="tx1">
+                    <a:tint val="75000"/>
+                  </a:schemeClr>
+                </a:solidFill>
+              </a:defRPr>
+            </a:lvl8pPr>
+            <a:lvl9pPr marL="3657600" indent="0">
+              <a:buNone/>
+              <a:defRPr sz="1400">
+                <a:solidFill>
+                  <a:schemeClr val="tx1">
+                    <a:tint val="75000"/>
+                  </a:schemeClr>
+                </a:solidFill>
+              </a:defRPr>
+            </a:lvl9pPr>
+          </a:lstStyle>
+          <a:p>
+            <a:pPr lvl="0"/>
+            <a:r>
+              <a:rPr lang="en-US"/>
+              <a:t>Click to edit Master text styles</a:t>
+            </a:r>
+          </a:p>
+        </p:txBody>
+      </p:sp>
+      <p:sp>
+        <p:nvSpPr>
+          <p:cNvPr id="4" name="Date Placeholder 3"/>
+          <p:cNvSpPr>
+            <a:spLocks noGrp="1"/>
+          </p:cNvSpPr>
+          <p:nvPr>
+            <p:ph type="dt" sz="half" idx="10"/>
+          </p:nvPr>
+        </p:nvSpPr>
+        <p:spPr/>
+        <p:txBody>
+          <a:bodyPr/>
+          <a:lstStyle/>
+          <a:p>
+            <a:fld id="{AD579C85-AEB8-458A-8F52-6C2E60381BFF}" type="datetimeFigureOut">
+              <a:rPr lang="en-AU" smtClean="0"/>
+              <a:t>23/06/2022</a:t>
+            </a:fld>
+            <a:endParaRPr lang="en-AU"/>
+          </a:p>
+        </p:txBody>
+      </p:sp>
+      <p:sp>
+        <p:nvSpPr>
+          <p:cNvPr id="5" name="Footer Placeholder 4"/>
+          <p:cNvSpPr>
+            <a:spLocks noGrp="1"/>
+          </p:cNvSpPr>
+          <p:nvPr>
+            <p:ph type="ftr" sz="quarter" idx="11"/>
+          </p:nvPr>
+        </p:nvSpPr>
+        <p:spPr/>
+        <p:txBody>
+          <a:bodyPr/>
+          <a:lstStyle/>
+          <a:p>
+            <a:endParaRPr lang="en-AU"/>
+          </a:p>
+        </p:txBody>
+      </p:sp>
+      <p:sp>
+        <p:nvSpPr>
+          <p:cNvPr id="6" name="Slide Number Placeholder 5"/>
+          <p:cNvSpPr>
+            <a:spLocks noGrp="1"/>
+          </p:cNvSpPr>
+          <p:nvPr>
+            <p:ph type="sldNum" sz="quarter" idx="12"/>
+          </p:nvPr>
+        </p:nvSpPr>
+        <p:spPr/>
+        <p:txBody>
+          <a:bodyPr/>
+          <a:lstStyle/>
+          <a:p>
+            <a:fld id="{F37B4CE6-D59C-412C-8E10-8FDD6D8D0EAB}" type="slidenum">
+              <a:rPr lang="en-AU" smtClean="0"/>
+              <a:t>‹#›</a:t>
+            </a:fld>
+            <a:endParaRPr lang="en-AU"/>
+          </a:p>
+        </p:txBody>
+      </p:sp>
+      <p:sp>
+        <p:nvSpPr>
+          <p:cNvPr id="20" name="TextBox 19"/>
+          <p:cNvSpPr txBox="1"/>
+          <p:nvPr/>
+        </p:nvSpPr>
+        <p:spPr>
+          <a:xfrm>
+            <a:off x="541870" y="790378"/>
+            <a:ext cx="609600" cy="584776"/>
+          </a:xfrm>
+          <a:prstGeom prst="rect">
+            <a:avLst/>
+          </a:prstGeom>
+        </p:spPr>
+        <p:txBody>
+          <a:bodyPr vert="horz" lIns="91440" tIns="45720" rIns="91440" bIns="45720" rtlCol="0" anchor="ctr">
+            <a:noAutofit/>
+          </a:bodyPr>
+          <a:lstStyle/>
+          <a:p>
+            <a:pPr lvl="0"/>
+            <a:r>
+              <a:rPr lang="en-US" sz="8000" baseline="0" dirty="0">
+                <a:ln w="3175" cmpd="sng">
+                  <a:noFill/>
+                </a:ln>
+                <a:solidFill>
+                  <a:schemeClr val="accent1">
+                    <a:lumMod val="60000"/>
+                    <a:lumOff val="40000"/>
+                  </a:schemeClr>
+                </a:solidFill>
+                <a:effectLst/>
+                <a:latin typeface="Arial"/>
+              </a:rPr>
+              <a:t>“</a:t>
+            </a:r>
+          </a:p>
+        </p:txBody>
+      </p:sp>
+      <p:sp>
+        <p:nvSpPr>
+          <p:cNvPr id="22" name="TextBox 21"/>
+          <p:cNvSpPr txBox="1"/>
+          <p:nvPr/>
+        </p:nvSpPr>
+        <p:spPr>
+          <a:xfrm>
+            <a:off x="8893011" y="2886556"/>
+            <a:ext cx="609600" cy="584776"/>
+          </a:xfrm>
+          <a:prstGeom prst="rect">
+            <a:avLst/>
+          </a:prstGeom>
+        </p:spPr>
+        <p:txBody>
+          <a:bodyPr vert="horz" lIns="91440" tIns="45720" rIns="91440" bIns="45720" rtlCol="0" anchor="ctr">
+            <a:noAutofit/>
+          </a:bodyPr>
+          <a:lstStyle/>
+          <a:p>
+            <a:pPr lvl="0"/>
+            <a:r>
+              <a:rPr lang="en-US" sz="8000" baseline="0" dirty="0">
+                <a:ln w="3175" cmpd="sng">
+                  <a:noFill/>
+                </a:ln>
+                <a:solidFill>
+                  <a:schemeClr val="accent1">
+                    <a:lumMod val="60000"/>
+                    <a:lumOff val="40000"/>
+                  </a:schemeClr>
+                </a:solidFill>
+                <a:latin typeface="Arial"/>
+              </a:rPr>
+              <a:t>”</a:t>
+            </a:r>
+            <a:endParaRPr lang="en-US" dirty="0">
+              <a:solidFill>
+                <a:schemeClr val="accent1">
+                  <a:lumMod val="60000"/>
+                  <a:lumOff val="40000"/>
+                </a:schemeClr>
+              </a:solidFill>
+              <a:latin typeface="Arial"/>
+            </a:endParaRPr>
+          </a:p>
+        </p:txBody>
+      </p:sp>
+    </p:spTree>
+    <p:extLst>
+      <p:ext uri="{BB962C8B-B14F-4D97-AF65-F5344CB8AC3E}">
+        <p14:creationId xmlns:p14="http://schemas.microsoft.com/office/powerpoint/2010/main" val="1549617901"/>
+      </p:ext>
+    </p:extLst>
+  </p:cSld>
+  <p:clrMapOvr>
+    <a:masterClrMapping/>
+  </p:clrMapOvr>
+</p:sldLayout>
+</file>
+
+<file path=ppt/slideLayouts/slideLayout12.xml><?xml version="1.0" encoding="utf-8"?>
+<p:sldLayout xmlns:a="http://schemas.openxmlformats.org/drawingml/2006/main" xmlns:r="http://schemas.openxmlformats.org/officeDocument/2006/relationships" xmlns:p="http://schemas.openxmlformats.org/presentationml/2006/main" preserve="1">
+  <p:cSld name="Name Card">
+    <p:spTree>
+      <p:nvGrpSpPr>
+        <p:cNvPr id="1" name=""/>
+        <p:cNvGrpSpPr/>
+        <p:nvPr/>
+      </p:nvGrpSpPr>
+      <p:grpSpPr>
+        <a:xfrm>
+          <a:off x="0" y="0"/>
+          <a:ext cx="0" cy="0"/>
+          <a:chOff x="0" y="0"/>
+          <a:chExt cx="0" cy="0"/>
+        </a:xfrm>
+      </p:grpSpPr>
+      <p:sp>
+        <p:nvSpPr>
+          <p:cNvPr id="2" name="Title 1"/>
+          <p:cNvSpPr>
+            <a:spLocks noGrp="1"/>
+          </p:cNvSpPr>
+          <p:nvPr>
+            <p:ph type="title"/>
+          </p:nvPr>
+        </p:nvSpPr>
+        <p:spPr>
+          <a:xfrm>
+            <a:off x="677335" y="1931988"/>
+            <a:ext cx="8596668" cy="2595460"/>
+          </a:xfrm>
+        </p:spPr>
+        <p:txBody>
+          <a:bodyPr anchor="b">
+            <a:normAutofit/>
+          </a:bodyPr>
+          <a:lstStyle>
+            <a:lvl1pPr algn="l">
+              <a:defRPr sz="4400" b="0" cap="none"/>
+            </a:lvl1pPr>
+          </a:lstStyle>
+          <a:p>
+            <a:r>
+              <a:rPr lang="en-US"/>
+              <a:t>Click to edit Master title style</a:t>
+            </a:r>
+            <a:endParaRPr lang="en-US" dirty="0"/>
+          </a:p>
+        </p:txBody>
+      </p:sp>
+      <p:sp>
+        <p:nvSpPr>
+          <p:cNvPr id="3" name="Text Placeholder 2"/>
+          <p:cNvSpPr>
+            <a:spLocks noGrp="1"/>
+          </p:cNvSpPr>
+          <p:nvPr>
+            <p:ph type="body" idx="1"/>
+          </p:nvPr>
+        </p:nvSpPr>
+        <p:spPr>
+          <a:xfrm>
+            <a:off x="677335" y="4527448"/>
+            <a:ext cx="8596668" cy="1513914"/>
+          </a:xfrm>
+        </p:spPr>
+        <p:txBody>
+          <a:bodyPr anchor="t">
+            <a:normAutofit/>
+          </a:bodyPr>
+          <a:lstStyle>
+            <a:lvl1pPr marL="0" indent="0" algn="l">
+              <a:buNone/>
+              <a:defRPr sz="1800">
+                <a:solidFill>
+                  <a:schemeClr val="tx1">
+                    <a:lumMod val="75000"/>
+                    <a:lumOff val="25000"/>
+                  </a:schemeClr>
+                </a:solidFill>
+              </a:defRPr>
+            </a:lvl1pPr>
+            <a:lvl2pPr marL="457200" indent="0">
+              <a:buNone/>
+              <a:defRPr sz="1800">
+                <a:solidFill>
+                  <a:schemeClr val="tx1">
+                    <a:tint val="75000"/>
+                  </a:schemeClr>
+                </a:solidFill>
+              </a:defRPr>
+            </a:lvl2pPr>
+            <a:lvl3pPr marL="914400" indent="0">
+              <a:buNone/>
+              <a:defRPr sz="1600">
+                <a:solidFill>
+                  <a:schemeClr val="tx1">
+                    <a:tint val="75000"/>
+                  </a:schemeClr>
+                </a:solidFill>
+              </a:defRPr>
+            </a:lvl3pPr>
+            <a:lvl4pPr marL="1371600" indent="0">
+              <a:buNone/>
+              <a:defRPr sz="1400">
+                <a:solidFill>
+                  <a:schemeClr val="tx1">
+                    <a:tint val="75000"/>
+                  </a:schemeClr>
+                </a:solidFill>
+              </a:defRPr>
+            </a:lvl4pPr>
+            <a:lvl5pPr marL="1828800" indent="0">
+              <a:buNone/>
+              <a:defRPr sz="1400">
+                <a:solidFill>
+                  <a:schemeClr val="tx1">
+                    <a:tint val="75000"/>
+                  </a:schemeClr>
+                </a:solidFill>
+              </a:defRPr>
+            </a:lvl5pPr>
+            <a:lvl6pPr marL="2286000" indent="0">
+              <a:buNone/>
+              <a:defRPr sz="1400">
+                <a:solidFill>
+                  <a:schemeClr val="tx1">
+                    <a:tint val="75000"/>
+                  </a:schemeClr>
+                </a:solidFill>
+              </a:defRPr>
+            </a:lvl6pPr>
+            <a:lvl7pPr marL="2743200" indent="0">
+              <a:buNone/>
+              <a:defRPr sz="1400">
+                <a:solidFill>
+                  <a:schemeClr val="tx1">
+                    <a:tint val="75000"/>
+                  </a:schemeClr>
+                </a:solidFill>
+              </a:defRPr>
+            </a:lvl7pPr>
+            <a:lvl8pPr marL="3200400" indent="0">
+              <a:buNone/>
+              <a:defRPr sz="1400">
+                <a:solidFill>
+                  <a:schemeClr val="tx1">
+                    <a:tint val="75000"/>
+                  </a:schemeClr>
+                </a:solidFill>
+              </a:defRPr>
+            </a:lvl8pPr>
+            <a:lvl9pPr marL="3657600" indent="0">
+              <a:buNone/>
+              <a:defRPr sz="1400">
+                <a:solidFill>
+                  <a:schemeClr val="tx1">
+                    <a:tint val="75000"/>
+                  </a:schemeClr>
+                </a:solidFill>
+              </a:defRPr>
+            </a:lvl9pPr>
+          </a:lstStyle>
+          <a:p>
+            <a:pPr lvl="0"/>
+            <a:r>
+              <a:rPr lang="en-US"/>
+              <a:t>Click to edit Master text styles</a:t>
+            </a:r>
+          </a:p>
+        </p:txBody>
+      </p:sp>
+      <p:sp>
+        <p:nvSpPr>
+          <p:cNvPr id="4" name="Date Placeholder 3"/>
+          <p:cNvSpPr>
+            <a:spLocks noGrp="1"/>
+          </p:cNvSpPr>
+          <p:nvPr>
+            <p:ph type="dt" sz="half" idx="10"/>
+          </p:nvPr>
+        </p:nvSpPr>
+        <p:spPr/>
+        <p:txBody>
+          <a:bodyPr/>
+          <a:lstStyle/>
+          <a:p>
+            <a:fld id="{AD579C85-AEB8-458A-8F52-6C2E60381BFF}" type="datetimeFigureOut">
+              <a:rPr lang="en-AU" smtClean="0"/>
+              <a:t>23/06/2022</a:t>
+            </a:fld>
+            <a:endParaRPr lang="en-AU"/>
+          </a:p>
+        </p:txBody>
+      </p:sp>
+      <p:sp>
+        <p:nvSpPr>
+          <p:cNvPr id="5" name="Footer Placeholder 4"/>
+          <p:cNvSpPr>
+            <a:spLocks noGrp="1"/>
+          </p:cNvSpPr>
+          <p:nvPr>
+            <p:ph type="ftr" sz="quarter" idx="11"/>
+          </p:nvPr>
+        </p:nvSpPr>
+        <p:spPr/>
+        <p:txBody>
+          <a:bodyPr/>
+          <a:lstStyle/>
+          <a:p>
+            <a:endParaRPr lang="en-AU"/>
+          </a:p>
+        </p:txBody>
+      </p:sp>
+      <p:sp>
+        <p:nvSpPr>
+          <p:cNvPr id="6" name="Slide Number Placeholder 5"/>
+          <p:cNvSpPr>
+            <a:spLocks noGrp="1"/>
+          </p:cNvSpPr>
+          <p:nvPr>
+            <p:ph type="sldNum" sz="quarter" idx="12"/>
+          </p:nvPr>
+        </p:nvSpPr>
+        <p:spPr/>
+        <p:txBody>
+          <a:bodyPr/>
+          <a:lstStyle/>
+          <a:p>
+            <a:fld id="{F37B4CE6-D59C-412C-8E10-8FDD6D8D0EAB}" type="slidenum">
+              <a:rPr lang="en-AU" smtClean="0"/>
+              <a:t>‹#›</a:t>
+            </a:fld>
+            <a:endParaRPr lang="en-AU"/>
+          </a:p>
+        </p:txBody>
+      </p:sp>
+    </p:spTree>
+    <p:extLst>
+      <p:ext uri="{BB962C8B-B14F-4D97-AF65-F5344CB8AC3E}">
+        <p14:creationId xmlns:p14="http://schemas.microsoft.com/office/powerpoint/2010/main" val="744183431"/>
+      </p:ext>
+    </p:extLst>
+  </p:cSld>
+  <p:clrMapOvr>
+    <a:masterClrMapping/>
+  </p:clrMapOvr>
+</p:sldLayout>
+</file>
+
+<file path=ppt/slideLayouts/slideLayout13.xml><?xml version="1.0" encoding="utf-8"?>
+<p:sldLayout xmlns:a="http://schemas.openxmlformats.org/drawingml/2006/main" xmlns:r="http://schemas.openxmlformats.org/officeDocument/2006/relationships" xmlns:p="http://schemas.openxmlformats.org/presentationml/2006/main" preserve="1">
+  <p:cSld name="Quote Name Card">
+    <p:spTree>
+      <p:nvGrpSpPr>
+        <p:cNvPr id="1" name=""/>
+        <p:cNvGrpSpPr/>
+        <p:nvPr/>
+      </p:nvGrpSpPr>
+      <p:grpSpPr>
+        <a:xfrm>
+          <a:off x="0" y="0"/>
+          <a:ext cx="0" cy="0"/>
+          <a:chOff x="0" y="0"/>
+          <a:chExt cx="0" cy="0"/>
+        </a:xfrm>
+      </p:grpSpPr>
+      <p:sp>
+        <p:nvSpPr>
+          <p:cNvPr id="2" name="Title 1"/>
+          <p:cNvSpPr>
+            <a:spLocks noGrp="1"/>
+          </p:cNvSpPr>
+          <p:nvPr>
+            <p:ph type="title"/>
+          </p:nvPr>
+        </p:nvSpPr>
+        <p:spPr>
+          <a:xfrm>
+            <a:off x="931334" y="609600"/>
+            <a:ext cx="8094134" cy="3022600"/>
+          </a:xfrm>
+        </p:spPr>
+        <p:txBody>
+          <a:bodyPr anchor="ctr">
+            <a:normAutofit/>
+          </a:bodyPr>
+          <a:lstStyle>
+            <a:lvl1pPr algn="l">
+              <a:defRPr sz="4400" b="0" cap="none"/>
+            </a:lvl1pPr>
+          </a:lstStyle>
+          <a:p>
+            <a:r>
+              <a:rPr lang="en-US"/>
+              <a:t>Click to edit Master title style</a:t>
+            </a:r>
+            <a:endParaRPr lang="en-US" dirty="0"/>
+          </a:p>
+        </p:txBody>
+      </p:sp>
+      <p:sp>
+        <p:nvSpPr>
+          <p:cNvPr id="23" name="Text Placeholder 9"/>
+          <p:cNvSpPr>
+            <a:spLocks noGrp="1"/>
+          </p:cNvSpPr>
+          <p:nvPr>
+            <p:ph type="body" sz="quarter" idx="13"/>
+          </p:nvPr>
+        </p:nvSpPr>
+        <p:spPr>
+          <a:xfrm>
+            <a:off x="677332" y="4013200"/>
+            <a:ext cx="8596669" cy="514248"/>
+          </a:xfrm>
+        </p:spPr>
+        <p:txBody>
+          <a:bodyPr anchor="b">
+            <a:noAutofit/>
+          </a:bodyPr>
+          <a:lstStyle>
+            <a:lvl1pPr marL="0" indent="0">
+              <a:buFontTx/>
+              <a:buNone/>
+              <a:defRPr sz="2400">
+                <a:solidFill>
+                  <a:schemeClr val="tx1">
+                    <a:lumMod val="75000"/>
+                    <a:lumOff val="25000"/>
+                  </a:schemeClr>
+                </a:solidFill>
+              </a:defRPr>
+            </a:lvl1pPr>
+            <a:lvl2pPr marL="457200" indent="0">
+              <a:buFontTx/>
+              <a:buNone/>
+              <a:defRPr/>
+            </a:lvl2pPr>
+            <a:lvl3pPr marL="914400" indent="0">
+              <a:buFontTx/>
+              <a:buNone/>
+              <a:defRPr/>
+            </a:lvl3pPr>
+            <a:lvl4pPr marL="1371600" indent="0">
+              <a:buFontTx/>
+              <a:buNone/>
+              <a:defRPr/>
+            </a:lvl4pPr>
+            <a:lvl5pPr marL="1828800" indent="0">
+              <a:buFontTx/>
+              <a:buNone/>
+              <a:defRPr/>
+            </a:lvl5pPr>
+          </a:lstStyle>
+          <a:p>
+            <a:pPr lvl="0"/>
+            <a:r>
+              <a:rPr lang="en-US"/>
+              <a:t>Click to edit Master text styles</a:t>
+            </a:r>
+          </a:p>
+        </p:txBody>
+      </p:sp>
+      <p:sp>
+        <p:nvSpPr>
+          <p:cNvPr id="3" name="Text Placeholder 2"/>
+          <p:cNvSpPr>
+            <a:spLocks noGrp="1"/>
+          </p:cNvSpPr>
+          <p:nvPr>
+            <p:ph type="body" idx="1"/>
+          </p:nvPr>
+        </p:nvSpPr>
+        <p:spPr>
+          <a:xfrm>
+            <a:off x="677335" y="4527448"/>
+            <a:ext cx="8596668" cy="1513914"/>
+          </a:xfrm>
+        </p:spPr>
+        <p:txBody>
+          <a:bodyPr anchor="t">
+            <a:normAutofit/>
+          </a:bodyPr>
+          <a:lstStyle>
+            <a:lvl1pPr marL="0" indent="0" algn="l">
+              <a:buNone/>
+              <a:defRPr sz="1800">
+                <a:solidFill>
+                  <a:schemeClr val="tx1">
+                    <a:lumMod val="50000"/>
+                    <a:lumOff val="50000"/>
+                  </a:schemeClr>
+                </a:solidFill>
+              </a:defRPr>
+            </a:lvl1pPr>
+            <a:lvl2pPr marL="457200" indent="0">
+              <a:buNone/>
+              <a:defRPr sz="1800">
+                <a:solidFill>
+                  <a:schemeClr val="tx1">
+                    <a:tint val="75000"/>
+                  </a:schemeClr>
+                </a:solidFill>
+              </a:defRPr>
+            </a:lvl2pPr>
+            <a:lvl3pPr marL="914400" indent="0">
+              <a:buNone/>
+              <a:defRPr sz="1600">
+                <a:solidFill>
+                  <a:schemeClr val="tx1">
+                    <a:tint val="75000"/>
+                  </a:schemeClr>
+                </a:solidFill>
+              </a:defRPr>
+            </a:lvl3pPr>
+            <a:lvl4pPr marL="1371600" indent="0">
+              <a:buNone/>
+              <a:defRPr sz="1400">
+                <a:solidFill>
+                  <a:schemeClr val="tx1">
+                    <a:tint val="75000"/>
+                  </a:schemeClr>
+                </a:solidFill>
+              </a:defRPr>
+            </a:lvl4pPr>
+            <a:lvl5pPr marL="1828800" indent="0">
+              <a:buNone/>
+              <a:defRPr sz="1400">
+                <a:solidFill>
+                  <a:schemeClr val="tx1">
+                    <a:tint val="75000"/>
+                  </a:schemeClr>
+                </a:solidFill>
+              </a:defRPr>
+            </a:lvl5pPr>
+            <a:lvl6pPr marL="2286000" indent="0">
+              <a:buNone/>
+              <a:defRPr sz="1400">
+                <a:solidFill>
+                  <a:schemeClr val="tx1">
+                    <a:tint val="75000"/>
+                  </a:schemeClr>
+                </a:solidFill>
+              </a:defRPr>
+            </a:lvl6pPr>
+            <a:lvl7pPr marL="2743200" indent="0">
+              <a:buNone/>
+              <a:defRPr sz="1400">
+                <a:solidFill>
+                  <a:schemeClr val="tx1">
+                    <a:tint val="75000"/>
+                  </a:schemeClr>
+                </a:solidFill>
+              </a:defRPr>
+            </a:lvl7pPr>
+            <a:lvl8pPr marL="3200400" indent="0">
+              <a:buNone/>
+              <a:defRPr sz="1400">
+                <a:solidFill>
+                  <a:schemeClr val="tx1">
+                    <a:tint val="75000"/>
+                  </a:schemeClr>
+                </a:solidFill>
+              </a:defRPr>
+            </a:lvl8pPr>
+            <a:lvl9pPr marL="3657600" indent="0">
+              <a:buNone/>
+              <a:defRPr sz="1400">
+                <a:solidFill>
+                  <a:schemeClr val="tx1">
+                    <a:tint val="75000"/>
+                  </a:schemeClr>
+                </a:solidFill>
+              </a:defRPr>
+            </a:lvl9pPr>
+          </a:lstStyle>
+          <a:p>
+            <a:pPr lvl="0"/>
+            <a:r>
+              <a:rPr lang="en-US"/>
+              <a:t>Click to edit Master text styles</a:t>
+            </a:r>
+          </a:p>
+        </p:txBody>
+      </p:sp>
+      <p:sp>
+        <p:nvSpPr>
+          <p:cNvPr id="4" name="Date Placeholder 3"/>
+          <p:cNvSpPr>
+            <a:spLocks noGrp="1"/>
+          </p:cNvSpPr>
+          <p:nvPr>
+            <p:ph type="dt" sz="half" idx="10"/>
+          </p:nvPr>
+        </p:nvSpPr>
+        <p:spPr/>
+        <p:txBody>
+          <a:bodyPr/>
+          <a:lstStyle/>
+          <a:p>
+            <a:fld id="{AD579C85-AEB8-458A-8F52-6C2E60381BFF}" type="datetimeFigureOut">
+              <a:rPr lang="en-AU" smtClean="0"/>
+              <a:t>23/06/2022</a:t>
+            </a:fld>
+            <a:endParaRPr lang="en-AU"/>
+          </a:p>
+        </p:txBody>
+      </p:sp>
+      <p:sp>
+        <p:nvSpPr>
+          <p:cNvPr id="5" name="Footer Placeholder 4"/>
+          <p:cNvSpPr>
+            <a:spLocks noGrp="1"/>
+          </p:cNvSpPr>
+          <p:nvPr>
+            <p:ph type="ftr" sz="quarter" idx="11"/>
+          </p:nvPr>
+        </p:nvSpPr>
+        <p:spPr/>
+        <p:txBody>
+          <a:bodyPr/>
+          <a:lstStyle/>
+          <a:p>
+            <a:endParaRPr lang="en-AU"/>
+          </a:p>
+        </p:txBody>
+      </p:sp>
+      <p:sp>
+        <p:nvSpPr>
+          <p:cNvPr id="6" name="Slide Number Placeholder 5"/>
+          <p:cNvSpPr>
+            <a:spLocks noGrp="1"/>
+          </p:cNvSpPr>
+          <p:nvPr>
+            <p:ph type="sldNum" sz="quarter" idx="12"/>
+          </p:nvPr>
+        </p:nvSpPr>
+        <p:spPr/>
+        <p:txBody>
+          <a:bodyPr/>
+          <a:lstStyle/>
+          <a:p>
+            <a:fld id="{F37B4CE6-D59C-412C-8E10-8FDD6D8D0EAB}" type="slidenum">
+              <a:rPr lang="en-AU" smtClean="0"/>
+              <a:t>‹#›</a:t>
+            </a:fld>
+            <a:endParaRPr lang="en-AU"/>
+          </a:p>
+        </p:txBody>
+      </p:sp>
+      <p:sp>
+        <p:nvSpPr>
+          <p:cNvPr id="24" name="TextBox 23"/>
+          <p:cNvSpPr txBox="1"/>
+          <p:nvPr/>
+        </p:nvSpPr>
+        <p:spPr>
+          <a:xfrm>
+            <a:off x="541870" y="790378"/>
+            <a:ext cx="609600" cy="584776"/>
+          </a:xfrm>
+          <a:prstGeom prst="rect">
+            <a:avLst/>
+          </a:prstGeom>
+        </p:spPr>
+        <p:txBody>
+          <a:bodyPr vert="horz" lIns="91440" tIns="45720" rIns="91440" bIns="45720" rtlCol="0" anchor="ctr">
+            <a:noAutofit/>
+          </a:bodyPr>
+          <a:lstStyle/>
+          <a:p>
+            <a:pPr lvl="0"/>
+            <a:r>
+              <a:rPr lang="en-US" sz="8000" baseline="0" dirty="0">
+                <a:ln w="3175" cmpd="sng">
+                  <a:noFill/>
+                </a:ln>
+                <a:solidFill>
+                  <a:schemeClr val="accent1">
+                    <a:lumMod val="60000"/>
+                    <a:lumOff val="40000"/>
+                  </a:schemeClr>
+                </a:solidFill>
+                <a:effectLst/>
+                <a:latin typeface="Arial"/>
+              </a:rPr>
+              <a:t>“</a:t>
+            </a:r>
+          </a:p>
+        </p:txBody>
+      </p:sp>
+      <p:sp>
+        <p:nvSpPr>
+          <p:cNvPr id="25" name="TextBox 24"/>
+          <p:cNvSpPr txBox="1"/>
+          <p:nvPr/>
+        </p:nvSpPr>
+        <p:spPr>
+          <a:xfrm>
+            <a:off x="8893011" y="2886556"/>
+            <a:ext cx="609600" cy="584776"/>
+          </a:xfrm>
+          <a:prstGeom prst="rect">
+            <a:avLst/>
+          </a:prstGeom>
+        </p:spPr>
+        <p:txBody>
+          <a:bodyPr vert="horz" lIns="91440" tIns="45720" rIns="91440" bIns="45720" rtlCol="0" anchor="ctr">
+            <a:noAutofit/>
+          </a:bodyPr>
+          <a:lstStyle/>
+          <a:p>
+            <a:pPr lvl="0"/>
+            <a:r>
+              <a:rPr lang="en-US" sz="8000" baseline="0" dirty="0">
+                <a:ln w="3175" cmpd="sng">
+                  <a:noFill/>
+                </a:ln>
+                <a:solidFill>
+                  <a:schemeClr val="accent1">
+                    <a:lumMod val="60000"/>
+                    <a:lumOff val="40000"/>
+                  </a:schemeClr>
+                </a:solidFill>
+                <a:effectLst/>
+                <a:latin typeface="Arial"/>
+              </a:rPr>
+              <a:t>”</a:t>
+            </a:r>
+          </a:p>
+        </p:txBody>
+      </p:sp>
+    </p:spTree>
+    <p:extLst>
+      <p:ext uri="{BB962C8B-B14F-4D97-AF65-F5344CB8AC3E}">
+        <p14:creationId xmlns:p14="http://schemas.microsoft.com/office/powerpoint/2010/main" val="2206221888"/>
+      </p:ext>
+    </p:extLst>
+  </p:cSld>
+  <p:clrMapOvr>
+    <a:masterClrMapping/>
+  </p:clrMapOvr>
+</p:sldLayout>
+</file>
+
+<file path=ppt/slideLayouts/slideLayout14.xml><?xml version="1.0" encoding="utf-8"?>
+<p:sldLayout xmlns:a="http://schemas.openxmlformats.org/drawingml/2006/main" xmlns:r="http://schemas.openxmlformats.org/officeDocument/2006/relationships" xmlns:p="http://schemas.openxmlformats.org/presentationml/2006/main" preserve="1">
+  <p:cSld name="True or False">
+    <p:spTree>
+      <p:nvGrpSpPr>
+        <p:cNvPr id="1" name=""/>
+        <p:cNvGrpSpPr/>
+        <p:nvPr/>
+      </p:nvGrpSpPr>
+      <p:grpSpPr>
+        <a:xfrm>
+          <a:off x="0" y="0"/>
+          <a:ext cx="0" cy="0"/>
+          <a:chOff x="0" y="0"/>
+          <a:chExt cx="0" cy="0"/>
+        </a:xfrm>
+      </p:grpSpPr>
+      <p:sp>
+        <p:nvSpPr>
+          <p:cNvPr id="2" name="Title 1"/>
+          <p:cNvSpPr>
+            <a:spLocks noGrp="1"/>
+          </p:cNvSpPr>
+          <p:nvPr>
+            <p:ph type="title"/>
+          </p:nvPr>
+        </p:nvSpPr>
+        <p:spPr>
+          <a:xfrm>
+            <a:off x="685799" y="609600"/>
+            <a:ext cx="8588203" cy="3022600"/>
+          </a:xfrm>
+        </p:spPr>
+        <p:txBody>
+          <a:bodyPr anchor="ctr">
+            <a:normAutofit/>
+          </a:bodyPr>
+          <a:lstStyle>
+            <a:lvl1pPr algn="l">
+              <a:defRPr sz="4400" b="0" cap="none"/>
+            </a:lvl1pPr>
+          </a:lstStyle>
+          <a:p>
+            <a:r>
+              <a:rPr lang="en-US"/>
+              <a:t>Click to edit Master title style</a:t>
+            </a:r>
+            <a:endParaRPr lang="en-US" dirty="0"/>
+          </a:p>
+        </p:txBody>
+      </p:sp>
+      <p:sp>
+        <p:nvSpPr>
+          <p:cNvPr id="23" name="Text Placeholder 9"/>
+          <p:cNvSpPr>
+            <a:spLocks noGrp="1"/>
+          </p:cNvSpPr>
+          <p:nvPr>
+            <p:ph type="body" sz="quarter" idx="13"/>
+          </p:nvPr>
+        </p:nvSpPr>
+        <p:spPr>
+          <a:xfrm>
+            <a:off x="677332" y="4013200"/>
+            <a:ext cx="8596669" cy="514248"/>
+          </a:xfrm>
+        </p:spPr>
+        <p:txBody>
+          <a:bodyPr anchor="b">
+            <a:noAutofit/>
+          </a:bodyPr>
+          <a:lstStyle>
+            <a:lvl1pPr marL="0" indent="0">
+              <a:buFontTx/>
+              <a:buNone/>
+              <a:defRPr sz="2400">
+                <a:solidFill>
+                  <a:schemeClr val="accent1"/>
+                </a:solidFill>
+              </a:defRPr>
+            </a:lvl1pPr>
+            <a:lvl2pPr marL="457200" indent="0">
+              <a:buFontTx/>
+              <a:buNone/>
+              <a:defRPr/>
+            </a:lvl2pPr>
+            <a:lvl3pPr marL="914400" indent="0">
+              <a:buFontTx/>
+              <a:buNone/>
+              <a:defRPr/>
+            </a:lvl3pPr>
+            <a:lvl4pPr marL="1371600" indent="0">
+              <a:buFontTx/>
+              <a:buNone/>
+              <a:defRPr/>
+            </a:lvl4pPr>
+            <a:lvl5pPr marL="1828800" indent="0">
+              <a:buFontTx/>
+              <a:buNone/>
+              <a:defRPr/>
+            </a:lvl5pPr>
+          </a:lstStyle>
+          <a:p>
+            <a:pPr lvl="0"/>
+            <a:r>
+              <a:rPr lang="en-US"/>
+              <a:t>Click to edit Master text styles</a:t>
+            </a:r>
+          </a:p>
+        </p:txBody>
+      </p:sp>
+      <p:sp>
+        <p:nvSpPr>
+          <p:cNvPr id="3" name="Text Placeholder 2"/>
+          <p:cNvSpPr>
+            <a:spLocks noGrp="1"/>
+          </p:cNvSpPr>
+          <p:nvPr>
+            <p:ph type="body" idx="1"/>
+          </p:nvPr>
+        </p:nvSpPr>
+        <p:spPr>
+          <a:xfrm>
+            <a:off x="677335" y="4527448"/>
+            <a:ext cx="8596668" cy="1513914"/>
+          </a:xfrm>
+        </p:spPr>
+        <p:txBody>
+          <a:bodyPr anchor="t">
+            <a:normAutofit/>
+          </a:bodyPr>
+          <a:lstStyle>
+            <a:lvl1pPr marL="0" indent="0" algn="l">
+              <a:buNone/>
+              <a:defRPr sz="1800">
+                <a:solidFill>
+                  <a:schemeClr val="tx1">
+                    <a:lumMod val="50000"/>
+                    <a:lumOff val="50000"/>
+                  </a:schemeClr>
+                </a:solidFill>
+              </a:defRPr>
+            </a:lvl1pPr>
+            <a:lvl2pPr marL="457200" indent="0">
+              <a:buNone/>
+              <a:defRPr sz="1800">
+                <a:solidFill>
+                  <a:schemeClr val="tx1">
+                    <a:tint val="75000"/>
+                  </a:schemeClr>
+                </a:solidFill>
+              </a:defRPr>
+            </a:lvl2pPr>
+            <a:lvl3pPr marL="914400" indent="0">
+              <a:buNone/>
+              <a:defRPr sz="1600">
+                <a:solidFill>
+                  <a:schemeClr val="tx1">
+                    <a:tint val="75000"/>
+                  </a:schemeClr>
+                </a:solidFill>
+              </a:defRPr>
+            </a:lvl3pPr>
+            <a:lvl4pPr marL="1371600" indent="0">
+              <a:buNone/>
+              <a:defRPr sz="1400">
+                <a:solidFill>
+                  <a:schemeClr val="tx1">
+                    <a:tint val="75000"/>
+                  </a:schemeClr>
+                </a:solidFill>
+              </a:defRPr>
+            </a:lvl4pPr>
+            <a:lvl5pPr marL="1828800" indent="0">
+              <a:buNone/>
+              <a:defRPr sz="1400">
+                <a:solidFill>
+                  <a:schemeClr val="tx1">
+                    <a:tint val="75000"/>
+                  </a:schemeClr>
+                </a:solidFill>
+              </a:defRPr>
+            </a:lvl5pPr>
+            <a:lvl6pPr marL="2286000" indent="0">
+              <a:buNone/>
+              <a:defRPr sz="1400">
+                <a:solidFill>
+                  <a:schemeClr val="tx1">
+                    <a:tint val="75000"/>
+                  </a:schemeClr>
+                </a:solidFill>
+              </a:defRPr>
+            </a:lvl6pPr>
+            <a:lvl7pPr marL="2743200" indent="0">
+              <a:buNone/>
+              <a:defRPr sz="1400">
+                <a:solidFill>
+                  <a:schemeClr val="tx1">
+                    <a:tint val="75000"/>
+                  </a:schemeClr>
+                </a:solidFill>
+              </a:defRPr>
+            </a:lvl7pPr>
+            <a:lvl8pPr marL="3200400" indent="0">
+              <a:buNone/>
+              <a:defRPr sz="1400">
+                <a:solidFill>
+                  <a:schemeClr val="tx1">
+                    <a:tint val="75000"/>
+                  </a:schemeClr>
+                </a:solidFill>
+              </a:defRPr>
+            </a:lvl8pPr>
+            <a:lvl9pPr marL="3657600" indent="0">
+              <a:buNone/>
+              <a:defRPr sz="1400">
+                <a:solidFill>
+                  <a:schemeClr val="tx1">
+                    <a:tint val="75000"/>
+                  </a:schemeClr>
+                </a:solidFill>
+              </a:defRPr>
+            </a:lvl9pPr>
+          </a:lstStyle>
+          <a:p>
+            <a:pPr lvl="0"/>
+            <a:r>
+              <a:rPr lang="en-US"/>
+              <a:t>Click to edit Master text styles</a:t>
+            </a:r>
+          </a:p>
+        </p:txBody>
+      </p:sp>
+      <p:sp>
+        <p:nvSpPr>
+          <p:cNvPr id="4" name="Date Placeholder 3"/>
+          <p:cNvSpPr>
+            <a:spLocks noGrp="1"/>
+          </p:cNvSpPr>
+          <p:nvPr>
+            <p:ph type="dt" sz="half" idx="10"/>
+          </p:nvPr>
+        </p:nvSpPr>
+        <p:spPr/>
+        <p:txBody>
+          <a:bodyPr/>
+          <a:lstStyle/>
+          <a:p>
+            <a:fld id="{AD579C85-AEB8-458A-8F52-6C2E60381BFF}" type="datetimeFigureOut">
+              <a:rPr lang="en-AU" smtClean="0"/>
+              <a:t>23/06/2022</a:t>
+            </a:fld>
+            <a:endParaRPr lang="en-AU"/>
+          </a:p>
+        </p:txBody>
+      </p:sp>
+      <p:sp>
+        <p:nvSpPr>
+          <p:cNvPr id="5" name="Footer Placeholder 4"/>
+          <p:cNvSpPr>
+            <a:spLocks noGrp="1"/>
+          </p:cNvSpPr>
+          <p:nvPr>
+            <p:ph type="ftr" sz="quarter" idx="11"/>
+          </p:nvPr>
+        </p:nvSpPr>
+        <p:spPr/>
+        <p:txBody>
+          <a:bodyPr/>
+          <a:lstStyle/>
+          <a:p>
+            <a:endParaRPr lang="en-AU"/>
+          </a:p>
+        </p:txBody>
+      </p:sp>
+      <p:sp>
+        <p:nvSpPr>
+          <p:cNvPr id="6" name="Slide Number Placeholder 5"/>
+          <p:cNvSpPr>
+            <a:spLocks noGrp="1"/>
+          </p:cNvSpPr>
+          <p:nvPr>
+            <p:ph type="sldNum" sz="quarter" idx="12"/>
+          </p:nvPr>
+        </p:nvSpPr>
+        <p:spPr/>
+        <p:txBody>
+          <a:bodyPr/>
+          <a:lstStyle/>
+          <a:p>
+            <a:fld id="{F37B4CE6-D59C-412C-8E10-8FDD6D8D0EAB}" type="slidenum">
+              <a:rPr lang="en-AU" smtClean="0"/>
+              <a:t>‹#›</a:t>
+            </a:fld>
+            <a:endParaRPr lang="en-AU"/>
+          </a:p>
+        </p:txBody>
+      </p:sp>
+    </p:spTree>
+    <p:extLst>
+      <p:ext uri="{BB962C8B-B14F-4D97-AF65-F5344CB8AC3E}">
+        <p14:creationId xmlns:p14="http://schemas.microsoft.com/office/powerpoint/2010/main" val="2659750294"/>
+      </p:ext>
+    </p:extLst>
+  </p:cSld>
+  <p:clrMapOvr>
+    <a:masterClrMapping/>
+  </p:clrMapOvr>
+</p:sldLayout>
+</file>
+
+<file path=ppt/slideLayouts/slideLayout15.xml><?xml version="1.0" encoding="utf-8"?>
 <p:sldLayout xmlns:a="http://schemas.openxmlformats.org/drawingml/2006/main" xmlns:r="http://schemas.openxmlformats.org/officeDocument/2006/relationships" xmlns:p="http://schemas.openxmlformats.org/presentationml/2006/main" type="vertTx" preserve="1">
   <p:cSld name="Title and Vertical Text">
     <p:spTree>
@@ -370,13 +2545,7 @@
       </p:grpSpPr>
       <p:sp>
         <p:nvSpPr>
-          <p:cNvPr id="2" name="Title 1">
-            <a:extLst>
-              <a:ext uri="{FF2B5EF4-FFF2-40B4-BE49-F238E27FC236}">
-                <a16:creationId xmlns:a16="http://schemas.microsoft.com/office/drawing/2014/main" id="{35B06365-1A8B-9718-1A43-CA03FEDED10A}"/>
-              </a:ext>
-            </a:extLst>
-          </p:cNvPr>
+          <p:cNvPr id="2" name="Title 1"/>
           <p:cNvSpPr>
             <a:spLocks noGrp="1"/>
           </p:cNvSpPr>
@@ -393,19 +2562,13 @@
               <a:rPr lang="en-US"/>
               <a:t>Click to edit Master title style</a:t>
             </a:r>
-            <a:endParaRPr lang="en-AU"/>
-          </a:p>
-        </p:txBody>
-      </p:sp>
-      <p:sp>
-        <p:nvSpPr>
-          <p:cNvPr id="3" name="Vertical Text Placeholder 2">
-            <a:extLst>
-              <a:ext uri="{FF2B5EF4-FFF2-40B4-BE49-F238E27FC236}">
-                <a16:creationId xmlns:a16="http://schemas.microsoft.com/office/drawing/2014/main" id="{A914D374-9085-496B-70C2-B70B0728F309}"/>
-              </a:ext>
-            </a:extLst>
-          </p:cNvPr>
+            <a:endParaRPr lang="en-US" dirty="0"/>
+          </a:p>
+        </p:txBody>
+      </p:sp>
+      <p:sp>
+        <p:nvSpPr>
+          <p:cNvPr id="3" name="Vertical Text Placeholder 2"/>
           <p:cNvSpPr>
             <a:spLocks noGrp="1"/>
           </p:cNvSpPr>
@@ -451,19 +2614,13 @@
               <a:rPr lang="en-US"/>
               <a:t>Fifth level</a:t>
             </a:r>
-            <a:endParaRPr lang="en-AU"/>
-          </a:p>
-        </p:txBody>
-      </p:sp>
-      <p:sp>
-        <p:nvSpPr>
-          <p:cNvPr id="4" name="Date Placeholder 3">
-            <a:extLst>
-              <a:ext uri="{FF2B5EF4-FFF2-40B4-BE49-F238E27FC236}">
-                <a16:creationId xmlns:a16="http://schemas.microsoft.com/office/drawing/2014/main" id="{2407D56B-047F-FD43-7B67-77120C1188E4}"/>
-              </a:ext>
-            </a:extLst>
-          </p:cNvPr>
+            <a:endParaRPr lang="en-US" dirty="0"/>
+          </a:p>
+        </p:txBody>
+      </p:sp>
+      <p:sp>
+        <p:nvSpPr>
+          <p:cNvPr id="4" name="Date Placeholder 3"/>
           <p:cNvSpPr>
             <a:spLocks noGrp="1"/>
           </p:cNvSpPr>
@@ -478,7 +2635,7 @@
           <a:p>
             <a:fld id="{AD579C85-AEB8-458A-8F52-6C2E60381BFF}" type="datetimeFigureOut">
               <a:rPr lang="en-AU" smtClean="0"/>
-              <a:t>22/06/2022</a:t>
+              <a:t>23/06/2022</a:t>
             </a:fld>
             <a:endParaRPr lang="en-AU"/>
           </a:p>
@@ -486,13 +2643,7 @@
       </p:sp>
       <p:sp>
         <p:nvSpPr>
-          <p:cNvPr id="5" name="Footer Placeholder 4">
-            <a:extLst>
-              <a:ext uri="{FF2B5EF4-FFF2-40B4-BE49-F238E27FC236}">
-                <a16:creationId xmlns:a16="http://schemas.microsoft.com/office/drawing/2014/main" id="{BBA16070-6979-680E-EF08-97B763EB6340}"/>
-              </a:ext>
-            </a:extLst>
-          </p:cNvPr>
+          <p:cNvPr id="5" name="Footer Placeholder 4"/>
           <p:cNvSpPr>
             <a:spLocks noGrp="1"/>
           </p:cNvSpPr>
@@ -511,13 +2662,7 @@
       </p:sp>
       <p:sp>
         <p:nvSpPr>
-          <p:cNvPr id="6" name="Slide Number Placeholder 5">
-            <a:extLst>
-              <a:ext uri="{FF2B5EF4-FFF2-40B4-BE49-F238E27FC236}">
-                <a16:creationId xmlns:a16="http://schemas.microsoft.com/office/drawing/2014/main" id="{3D2803AD-FBD8-43CF-68A9-219CD08A7CDC}"/>
-              </a:ext>
-            </a:extLst>
-          </p:cNvPr>
+          <p:cNvPr id="6" name="Slide Number Placeholder 5"/>
           <p:cNvSpPr>
             <a:spLocks noGrp="1"/>
           </p:cNvSpPr>
@@ -541,7 +2686,7 @@
     </p:spTree>
     <p:extLst>
       <p:ext uri="{BB962C8B-B14F-4D97-AF65-F5344CB8AC3E}">
-        <p14:creationId xmlns:p14="http://schemas.microsoft.com/office/powerpoint/2010/main" val="2872173333"/>
+        <p14:creationId xmlns:p14="http://schemas.microsoft.com/office/powerpoint/2010/main" val="1308258203"/>
       </p:ext>
     </p:extLst>
   </p:cSld>
@@ -551,7 +2696,7 @@
 </p:sldLayout>
 </file>
 
-<file path=ppt/slideLayouts/slideLayout11.xml><?xml version="1.0" encoding="utf-8"?>
+<file path=ppt/slideLayouts/slideLayout16.xml><?xml version="1.0" encoding="utf-8"?>
 <p:sldLayout xmlns:a="http://schemas.openxmlformats.org/drawingml/2006/main" xmlns:r="http://schemas.openxmlformats.org/officeDocument/2006/relationships" xmlns:p="http://schemas.openxmlformats.org/presentationml/2006/main" type="vertTitleAndTx" preserve="1">
   <p:cSld name="Vertical Title and Text">
     <p:spTree>
@@ -570,13 +2715,7 @@
       </p:grpSpPr>
       <p:sp>
         <p:nvSpPr>
-          <p:cNvPr id="2" name="Vertical Title 1">
-            <a:extLst>
-              <a:ext uri="{FF2B5EF4-FFF2-40B4-BE49-F238E27FC236}">
-                <a16:creationId xmlns:a16="http://schemas.microsoft.com/office/drawing/2014/main" id="{6C6256F9-F420-A00D-3DE0-CFF88CC0E405}"/>
-              </a:ext>
-            </a:extLst>
-          </p:cNvPr>
+          <p:cNvPr id="2" name="Vertical Title 1"/>
           <p:cNvSpPr>
             <a:spLocks noGrp="1"/>
           </p:cNvSpPr>
@@ -586,31 +2725,25 @@
         </p:nvSpPr>
         <p:spPr>
           <a:xfrm>
-            <a:off x="8724900" y="365125"/>
-            <a:ext cx="2628900" cy="5811838"/>
+            <a:off x="7967673" y="609599"/>
+            <a:ext cx="1304743" cy="5251451"/>
           </a:xfrm>
         </p:spPr>
         <p:txBody>
-          <a:bodyPr vert="eaVert"/>
+          <a:bodyPr vert="eaVert" anchor="ctr"/>
           <a:lstStyle/>
           <a:p>
             <a:r>
               <a:rPr lang="en-US"/>
               <a:t>Click to edit Master title style</a:t>
             </a:r>
-            <a:endParaRPr lang="en-AU"/>
-          </a:p>
-        </p:txBody>
-      </p:sp>
-      <p:sp>
-        <p:nvSpPr>
-          <p:cNvPr id="3" name="Vertical Text Placeholder 2">
-            <a:extLst>
-              <a:ext uri="{FF2B5EF4-FFF2-40B4-BE49-F238E27FC236}">
-                <a16:creationId xmlns:a16="http://schemas.microsoft.com/office/drawing/2014/main" id="{0078A3C1-168C-34A6-9C88-E0126A78C46C}"/>
-              </a:ext>
-            </a:extLst>
-          </p:cNvPr>
+            <a:endParaRPr lang="en-US" dirty="0"/>
+          </a:p>
+        </p:txBody>
+      </p:sp>
+      <p:sp>
+        <p:nvSpPr>
+          <p:cNvPr id="3" name="Vertical Text Placeholder 2"/>
           <p:cNvSpPr>
             <a:spLocks noGrp="1"/>
           </p:cNvSpPr>
@@ -620,8 +2753,8 @@
         </p:nvSpPr>
         <p:spPr>
           <a:xfrm>
-            <a:off x="838200" y="365125"/>
-            <a:ext cx="7734300" cy="5811838"/>
+            <a:off x="677335" y="609600"/>
+            <a:ext cx="7060150" cy="5251450"/>
           </a:xfrm>
         </p:spPr>
         <p:txBody>
@@ -661,19 +2794,13 @@
               <a:rPr lang="en-US"/>
               <a:t>Fifth level</a:t>
             </a:r>
-            <a:endParaRPr lang="en-AU"/>
-          </a:p>
-        </p:txBody>
-      </p:sp>
-      <p:sp>
-        <p:nvSpPr>
-          <p:cNvPr id="4" name="Date Placeholder 3">
-            <a:extLst>
-              <a:ext uri="{FF2B5EF4-FFF2-40B4-BE49-F238E27FC236}">
-                <a16:creationId xmlns:a16="http://schemas.microsoft.com/office/drawing/2014/main" id="{6BBC9848-7A23-EE85-FA08-9B33CD7EFEBB}"/>
-              </a:ext>
-            </a:extLst>
-          </p:cNvPr>
+            <a:endParaRPr lang="en-US" dirty="0"/>
+          </a:p>
+        </p:txBody>
+      </p:sp>
+      <p:sp>
+        <p:nvSpPr>
+          <p:cNvPr id="4" name="Date Placeholder 3"/>
           <p:cNvSpPr>
             <a:spLocks noGrp="1"/>
           </p:cNvSpPr>
@@ -688,7 +2815,7 @@
           <a:p>
             <a:fld id="{AD579C85-AEB8-458A-8F52-6C2E60381BFF}" type="datetimeFigureOut">
               <a:rPr lang="en-AU" smtClean="0"/>
-              <a:t>22/06/2022</a:t>
+              <a:t>23/06/2022</a:t>
             </a:fld>
             <a:endParaRPr lang="en-AU"/>
           </a:p>
@@ -696,13 +2823,7 @@
       </p:sp>
       <p:sp>
         <p:nvSpPr>
-          <p:cNvPr id="5" name="Footer Placeholder 4">
-            <a:extLst>
-              <a:ext uri="{FF2B5EF4-FFF2-40B4-BE49-F238E27FC236}">
-                <a16:creationId xmlns:a16="http://schemas.microsoft.com/office/drawing/2014/main" id="{EA7A20A1-1BAB-6CB9-1BA5-D2F0146E119B}"/>
-              </a:ext>
-            </a:extLst>
-          </p:cNvPr>
+          <p:cNvPr id="5" name="Footer Placeholder 4"/>
           <p:cNvSpPr>
             <a:spLocks noGrp="1"/>
           </p:cNvSpPr>
@@ -721,13 +2842,7 @@
       </p:sp>
       <p:sp>
         <p:nvSpPr>
-          <p:cNvPr id="6" name="Slide Number Placeholder 5">
-            <a:extLst>
-              <a:ext uri="{FF2B5EF4-FFF2-40B4-BE49-F238E27FC236}">
-                <a16:creationId xmlns:a16="http://schemas.microsoft.com/office/drawing/2014/main" id="{CFFC6120-50BB-4E86-637F-1D0A6690E6E2}"/>
-              </a:ext>
-            </a:extLst>
-          </p:cNvPr>
+          <p:cNvPr id="6" name="Slide Number Placeholder 5"/>
           <p:cNvSpPr>
             <a:spLocks noGrp="1"/>
           </p:cNvSpPr>
@@ -751,7 +2866,7 @@
     </p:spTree>
     <p:extLst>
       <p:ext uri="{BB962C8B-B14F-4D97-AF65-F5344CB8AC3E}">
-        <p14:creationId xmlns:p14="http://schemas.microsoft.com/office/powerpoint/2010/main" val="1755605327"/>
+        <p14:creationId xmlns:p14="http://schemas.microsoft.com/office/powerpoint/2010/main" val="4244174244"/>
       </p:ext>
     </p:extLst>
   </p:cSld>
@@ -780,13 +2895,7 @@
       </p:grpSpPr>
       <p:sp>
         <p:nvSpPr>
-          <p:cNvPr id="2" name="Title 1">
-            <a:extLst>
-              <a:ext uri="{FF2B5EF4-FFF2-40B4-BE49-F238E27FC236}">
-                <a16:creationId xmlns:a16="http://schemas.microsoft.com/office/drawing/2014/main" id="{EAF3DE3F-4252-7453-784A-3B3D6B3C3606}"/>
-              </a:ext>
-            </a:extLst>
-          </p:cNvPr>
+          <p:cNvPr id="2" name="Title 1"/>
           <p:cNvSpPr>
             <a:spLocks noGrp="1"/>
           </p:cNvSpPr>
@@ -796,26 +2905,26 @@
         </p:nvSpPr>
         <p:spPr/>
         <p:txBody>
-          <a:bodyPr/>
-          <a:lstStyle/>
+          <a:bodyPr>
+            <a:normAutofit/>
+          </a:bodyPr>
+          <a:lstStyle>
+            <a:lvl1pPr>
+              <a:defRPr sz="3600"/>
+            </a:lvl1pPr>
+          </a:lstStyle>
           <a:p>
             <a:r>
               <a:rPr lang="en-US"/>
               <a:t>Click to edit Master title style</a:t>
             </a:r>
-            <a:endParaRPr lang="en-AU"/>
-          </a:p>
-        </p:txBody>
-      </p:sp>
-      <p:sp>
-        <p:nvSpPr>
-          <p:cNvPr id="3" name="Content Placeholder 2">
-            <a:extLst>
-              <a:ext uri="{FF2B5EF4-FFF2-40B4-BE49-F238E27FC236}">
-                <a16:creationId xmlns:a16="http://schemas.microsoft.com/office/drawing/2014/main" id="{EA3A1C88-6D47-DD96-75C1-1D5C644A17AD}"/>
-              </a:ext>
-            </a:extLst>
-          </p:cNvPr>
+            <a:endParaRPr lang="en-US" dirty="0"/>
+          </a:p>
+        </p:txBody>
+      </p:sp>
+      <p:sp>
+        <p:nvSpPr>
+          <p:cNvPr id="3" name="Content Placeholder 2"/>
           <p:cNvSpPr>
             <a:spLocks noGrp="1"/>
           </p:cNvSpPr>
@@ -861,19 +2970,13 @@
               <a:rPr lang="en-US"/>
               <a:t>Fifth level</a:t>
             </a:r>
-            <a:endParaRPr lang="en-AU"/>
-          </a:p>
-        </p:txBody>
-      </p:sp>
-      <p:sp>
-        <p:nvSpPr>
-          <p:cNvPr id="4" name="Date Placeholder 3">
-            <a:extLst>
-              <a:ext uri="{FF2B5EF4-FFF2-40B4-BE49-F238E27FC236}">
-                <a16:creationId xmlns:a16="http://schemas.microsoft.com/office/drawing/2014/main" id="{3BB73F73-12DE-1142-4C6F-6BC5F4300CDA}"/>
-              </a:ext>
-            </a:extLst>
-          </p:cNvPr>
+            <a:endParaRPr lang="en-US" dirty="0"/>
+          </a:p>
+        </p:txBody>
+      </p:sp>
+      <p:sp>
+        <p:nvSpPr>
+          <p:cNvPr id="4" name="Date Placeholder 3"/>
           <p:cNvSpPr>
             <a:spLocks noGrp="1"/>
           </p:cNvSpPr>
@@ -888,7 +2991,7 @@
           <a:p>
             <a:fld id="{AD579C85-AEB8-458A-8F52-6C2E60381BFF}" type="datetimeFigureOut">
               <a:rPr lang="en-AU" smtClean="0"/>
-              <a:t>22/06/2022</a:t>
+              <a:t>23/06/2022</a:t>
             </a:fld>
             <a:endParaRPr lang="en-AU"/>
           </a:p>
@@ -896,13 +2999,7 @@
       </p:sp>
       <p:sp>
         <p:nvSpPr>
-          <p:cNvPr id="5" name="Footer Placeholder 4">
-            <a:extLst>
-              <a:ext uri="{FF2B5EF4-FFF2-40B4-BE49-F238E27FC236}">
-                <a16:creationId xmlns:a16="http://schemas.microsoft.com/office/drawing/2014/main" id="{D927DAAA-733F-E212-094C-E0DFA86A9DFA}"/>
-              </a:ext>
-            </a:extLst>
-          </p:cNvPr>
+          <p:cNvPr id="5" name="Footer Placeholder 4"/>
           <p:cNvSpPr>
             <a:spLocks noGrp="1"/>
           </p:cNvSpPr>
@@ -921,13 +3018,7 @@
       </p:sp>
       <p:sp>
         <p:nvSpPr>
-          <p:cNvPr id="6" name="Slide Number Placeholder 5">
-            <a:extLst>
-              <a:ext uri="{FF2B5EF4-FFF2-40B4-BE49-F238E27FC236}">
-                <a16:creationId xmlns:a16="http://schemas.microsoft.com/office/drawing/2014/main" id="{192C2A6D-587C-A0C3-6394-DC54C9E2AF3B}"/>
-              </a:ext>
-            </a:extLst>
-          </p:cNvPr>
+          <p:cNvPr id="6" name="Slide Number Placeholder 5"/>
           <p:cNvSpPr>
             <a:spLocks noGrp="1"/>
           </p:cNvSpPr>
@@ -951,7 +3042,7 @@
     </p:spTree>
     <p:extLst>
       <p:ext uri="{BB962C8B-B14F-4D97-AF65-F5344CB8AC3E}">
-        <p14:creationId xmlns:p14="http://schemas.microsoft.com/office/powerpoint/2010/main" val="4185508094"/>
+        <p14:creationId xmlns:p14="http://schemas.microsoft.com/office/powerpoint/2010/main" val="1490767012"/>
       </p:ext>
     </p:extLst>
   </p:cSld>
@@ -980,13 +3071,7 @@
       </p:grpSpPr>
       <p:sp>
         <p:nvSpPr>
-          <p:cNvPr id="2" name="Title 1">
-            <a:extLst>
-              <a:ext uri="{FF2B5EF4-FFF2-40B4-BE49-F238E27FC236}">
-                <a16:creationId xmlns:a16="http://schemas.microsoft.com/office/drawing/2014/main" id="{A16CEA3E-0376-8D29-E594-4A0650491D4C}"/>
-              </a:ext>
-            </a:extLst>
-          </p:cNvPr>
+          <p:cNvPr id="2" name="Title 1"/>
           <p:cNvSpPr>
             <a:spLocks noGrp="1"/>
           </p:cNvSpPr>
@@ -996,15 +3081,15 @@
         </p:nvSpPr>
         <p:spPr>
           <a:xfrm>
-            <a:off x="831850" y="1709738"/>
-            <a:ext cx="10515600" cy="2852737"/>
+            <a:off x="677335" y="2700867"/>
+            <a:ext cx="8596668" cy="1826581"/>
           </a:xfrm>
         </p:spPr>
         <p:txBody>
           <a:bodyPr anchor="b"/>
           <a:lstStyle>
-            <a:lvl1pPr>
-              <a:defRPr sz="6000"/>
+            <a:lvl1pPr algn="l">
+              <a:defRPr sz="4000" b="0" cap="none"/>
             </a:lvl1pPr>
           </a:lstStyle>
           <a:p>
@@ -1012,19 +3097,13 @@
               <a:rPr lang="en-US"/>
               <a:t>Click to edit Master title style</a:t>
             </a:r>
-            <a:endParaRPr lang="en-AU"/>
-          </a:p>
-        </p:txBody>
-      </p:sp>
-      <p:sp>
-        <p:nvSpPr>
-          <p:cNvPr id="3" name="Text Placeholder 2">
-            <a:extLst>
-              <a:ext uri="{FF2B5EF4-FFF2-40B4-BE49-F238E27FC236}">
-                <a16:creationId xmlns:a16="http://schemas.microsoft.com/office/drawing/2014/main" id="{BA97993C-5CBC-E80E-BECD-AFD6A31F4506}"/>
-              </a:ext>
-            </a:extLst>
-          </p:cNvPr>
+            <a:endParaRPr lang="en-US" dirty="0"/>
+          </a:p>
+        </p:txBody>
+      </p:sp>
+      <p:sp>
+        <p:nvSpPr>
+          <p:cNvPr id="3" name="Text Placeholder 2"/>
           <p:cNvSpPr>
             <a:spLocks noGrp="1"/>
           </p:cNvSpPr>
@@ -1034,26 +3113,27 @@
         </p:nvSpPr>
         <p:spPr>
           <a:xfrm>
-            <a:off x="831850" y="4589463"/>
-            <a:ext cx="10515600" cy="1500187"/>
+            <a:off x="677335" y="4527448"/>
+            <a:ext cx="8596668" cy="860400"/>
           </a:xfrm>
         </p:spPr>
         <p:txBody>
-          <a:bodyPr/>
+          <a:bodyPr anchor="t"/>
           <a:lstStyle>
-            <a:lvl1pPr marL="0" indent="0">
-              <a:buNone/>
-              <a:defRPr sz="2400">
+            <a:lvl1pPr marL="0" indent="0" algn="l">
+              <a:buNone/>
+              <a:defRPr sz="2000">
                 <a:solidFill>
                   <a:schemeClr val="tx1">
-                    <a:tint val="75000"/>
+                    <a:lumMod val="50000"/>
+                    <a:lumOff val="50000"/>
                   </a:schemeClr>
                 </a:solidFill>
               </a:defRPr>
             </a:lvl1pPr>
             <a:lvl2pPr marL="457200" indent="0">
               <a:buNone/>
-              <a:defRPr sz="2000">
+              <a:defRPr sz="1800">
                 <a:solidFill>
                   <a:schemeClr val="tx1">
                     <a:tint val="75000"/>
@@ -1063,7 +3143,7 @@
             </a:lvl2pPr>
             <a:lvl3pPr marL="914400" indent="0">
               <a:buNone/>
-              <a:defRPr sz="1800">
+              <a:defRPr sz="1600">
                 <a:solidFill>
                   <a:schemeClr val="tx1">
                     <a:tint val="75000"/>
@@ -1073,7 +3153,7 @@
             </a:lvl3pPr>
             <a:lvl4pPr marL="1371600" indent="0">
               <a:buNone/>
-              <a:defRPr sz="1600">
+              <a:defRPr sz="1400">
                 <a:solidFill>
                   <a:schemeClr val="tx1">
                     <a:tint val="75000"/>
@@ -1083,7 +3163,7 @@
             </a:lvl4pPr>
             <a:lvl5pPr marL="1828800" indent="0">
               <a:buNone/>
-              <a:defRPr sz="1600">
+              <a:defRPr sz="1400">
                 <a:solidFill>
                   <a:schemeClr val="tx1">
                     <a:tint val="75000"/>
@@ -1093,7 +3173,7 @@
             </a:lvl5pPr>
             <a:lvl6pPr marL="2286000" indent="0">
               <a:buNone/>
-              <a:defRPr sz="1600">
+              <a:defRPr sz="1400">
                 <a:solidFill>
                   <a:schemeClr val="tx1">
                     <a:tint val="75000"/>
@@ -1103,7 +3183,7 @@
             </a:lvl6pPr>
             <a:lvl7pPr marL="2743200" indent="0">
               <a:buNone/>
-              <a:defRPr sz="1600">
+              <a:defRPr sz="1400">
                 <a:solidFill>
                   <a:schemeClr val="tx1">
                     <a:tint val="75000"/>
@@ -1113,7 +3193,7 @@
             </a:lvl7pPr>
             <a:lvl8pPr marL="3200400" indent="0">
               <a:buNone/>
-              <a:defRPr sz="1600">
+              <a:defRPr sz="1400">
                 <a:solidFill>
                   <a:schemeClr val="tx1">
                     <a:tint val="75000"/>
@@ -1123,7 +3203,7 @@
             </a:lvl8pPr>
             <a:lvl9pPr marL="3657600" indent="0">
               <a:buNone/>
-              <a:defRPr sz="1600">
+              <a:defRPr sz="1400">
                 <a:solidFill>
                   <a:schemeClr val="tx1">
                     <a:tint val="75000"/>
@@ -1143,13 +3223,7 @@
       </p:sp>
       <p:sp>
         <p:nvSpPr>
-          <p:cNvPr id="4" name="Date Placeholder 3">
-            <a:extLst>
-              <a:ext uri="{FF2B5EF4-FFF2-40B4-BE49-F238E27FC236}">
-                <a16:creationId xmlns:a16="http://schemas.microsoft.com/office/drawing/2014/main" id="{67C9E376-A4AA-E79F-C428-3544F40A6E5B}"/>
-              </a:ext>
-            </a:extLst>
-          </p:cNvPr>
+          <p:cNvPr id="4" name="Date Placeholder 3"/>
           <p:cNvSpPr>
             <a:spLocks noGrp="1"/>
           </p:cNvSpPr>
@@ -1164,7 +3238,7 @@
           <a:p>
             <a:fld id="{AD579C85-AEB8-458A-8F52-6C2E60381BFF}" type="datetimeFigureOut">
               <a:rPr lang="en-AU" smtClean="0"/>
-              <a:t>22/06/2022</a:t>
+              <a:t>23/06/2022</a:t>
             </a:fld>
             <a:endParaRPr lang="en-AU"/>
           </a:p>
@@ -1172,13 +3246,7 @@
       </p:sp>
       <p:sp>
         <p:nvSpPr>
-          <p:cNvPr id="5" name="Footer Placeholder 4">
-            <a:extLst>
-              <a:ext uri="{FF2B5EF4-FFF2-40B4-BE49-F238E27FC236}">
-                <a16:creationId xmlns:a16="http://schemas.microsoft.com/office/drawing/2014/main" id="{50DF1A2C-40E3-C578-009E-0DFD8D52E6E9}"/>
-              </a:ext>
-            </a:extLst>
-          </p:cNvPr>
+          <p:cNvPr id="5" name="Footer Placeholder 4"/>
           <p:cNvSpPr>
             <a:spLocks noGrp="1"/>
           </p:cNvSpPr>
@@ -1197,13 +3265,7 @@
       </p:sp>
       <p:sp>
         <p:nvSpPr>
-          <p:cNvPr id="6" name="Slide Number Placeholder 5">
-            <a:extLst>
-              <a:ext uri="{FF2B5EF4-FFF2-40B4-BE49-F238E27FC236}">
-                <a16:creationId xmlns:a16="http://schemas.microsoft.com/office/drawing/2014/main" id="{B0C08B53-84A1-2446-B540-A07C3674F8F7}"/>
-              </a:ext>
-            </a:extLst>
-          </p:cNvPr>
+          <p:cNvPr id="6" name="Slide Number Placeholder 5"/>
           <p:cNvSpPr>
             <a:spLocks noGrp="1"/>
           </p:cNvSpPr>
@@ -1227,7 +3289,7 @@
     </p:spTree>
     <p:extLst>
       <p:ext uri="{BB962C8B-B14F-4D97-AF65-F5344CB8AC3E}">
-        <p14:creationId xmlns:p14="http://schemas.microsoft.com/office/powerpoint/2010/main" val="645201480"/>
+        <p14:creationId xmlns:p14="http://schemas.microsoft.com/office/powerpoint/2010/main" val="2414035277"/>
       </p:ext>
     </p:extLst>
   </p:cSld>
@@ -1256,13 +3318,7 @@
       </p:grpSpPr>
       <p:sp>
         <p:nvSpPr>
-          <p:cNvPr id="2" name="Title 1">
-            <a:extLst>
-              <a:ext uri="{FF2B5EF4-FFF2-40B4-BE49-F238E27FC236}">
-                <a16:creationId xmlns:a16="http://schemas.microsoft.com/office/drawing/2014/main" id="{1B0D3254-06A9-64DE-F39F-AE184B55430D}"/>
-              </a:ext>
-            </a:extLst>
-          </p:cNvPr>
+          <p:cNvPr id="2" name="Title 1"/>
           <p:cNvSpPr>
             <a:spLocks noGrp="1"/>
           </p:cNvSpPr>
@@ -1279,19 +3335,13 @@
               <a:rPr lang="en-US"/>
               <a:t>Click to edit Master title style</a:t>
             </a:r>
-            <a:endParaRPr lang="en-AU"/>
-          </a:p>
-        </p:txBody>
-      </p:sp>
-      <p:sp>
-        <p:nvSpPr>
-          <p:cNvPr id="3" name="Content Placeholder 2">
-            <a:extLst>
-              <a:ext uri="{FF2B5EF4-FFF2-40B4-BE49-F238E27FC236}">
-                <a16:creationId xmlns:a16="http://schemas.microsoft.com/office/drawing/2014/main" id="{C04CCCDC-9AEA-F471-E09D-61962335967E}"/>
-              </a:ext>
-            </a:extLst>
-          </p:cNvPr>
+            <a:endParaRPr lang="en-US" dirty="0"/>
+          </a:p>
+        </p:txBody>
+      </p:sp>
+      <p:sp>
+        <p:nvSpPr>
+          <p:cNvPr id="3" name="Content Placeholder 2"/>
           <p:cNvSpPr>
             <a:spLocks noGrp="1"/>
           </p:cNvSpPr>
@@ -1301,8 +3351,8 @@
         </p:nvSpPr>
         <p:spPr>
           <a:xfrm>
-            <a:off x="838200" y="1825625"/>
-            <a:ext cx="5181600" cy="4351338"/>
+            <a:off x="677334" y="2160589"/>
+            <a:ext cx="4184035" cy="3880772"/>
           </a:xfrm>
         </p:spPr>
         <p:txBody>
@@ -1342,19 +3392,13 @@
               <a:rPr lang="en-US"/>
               <a:t>Fifth level</a:t>
             </a:r>
-            <a:endParaRPr lang="en-AU"/>
-          </a:p>
-        </p:txBody>
-      </p:sp>
-      <p:sp>
-        <p:nvSpPr>
-          <p:cNvPr id="4" name="Content Placeholder 3">
-            <a:extLst>
-              <a:ext uri="{FF2B5EF4-FFF2-40B4-BE49-F238E27FC236}">
-                <a16:creationId xmlns:a16="http://schemas.microsoft.com/office/drawing/2014/main" id="{0C8BFF6F-06C2-6170-A1AA-9A3A8C01D2F4}"/>
-              </a:ext>
-            </a:extLst>
-          </p:cNvPr>
+            <a:endParaRPr lang="en-US" dirty="0"/>
+          </a:p>
+        </p:txBody>
+      </p:sp>
+      <p:sp>
+        <p:nvSpPr>
+          <p:cNvPr id="4" name="Content Placeholder 3"/>
           <p:cNvSpPr>
             <a:spLocks noGrp="1"/>
           </p:cNvSpPr>
@@ -1364,8 +3408,8 @@
         </p:nvSpPr>
         <p:spPr>
           <a:xfrm>
-            <a:off x="6172200" y="1825625"/>
-            <a:ext cx="5181600" cy="4351338"/>
+            <a:off x="5089970" y="2160589"/>
+            <a:ext cx="4184034" cy="3880773"/>
           </a:xfrm>
         </p:spPr>
         <p:txBody>
@@ -1405,19 +3449,13 @@
               <a:rPr lang="en-US"/>
               <a:t>Fifth level</a:t>
             </a:r>
-            <a:endParaRPr lang="en-AU"/>
-          </a:p>
-        </p:txBody>
-      </p:sp>
-      <p:sp>
-        <p:nvSpPr>
-          <p:cNvPr id="5" name="Date Placeholder 4">
-            <a:extLst>
-              <a:ext uri="{FF2B5EF4-FFF2-40B4-BE49-F238E27FC236}">
-                <a16:creationId xmlns:a16="http://schemas.microsoft.com/office/drawing/2014/main" id="{57658B8C-51CF-8C18-D93A-1CA3BB10DFFA}"/>
-              </a:ext>
-            </a:extLst>
-          </p:cNvPr>
+            <a:endParaRPr lang="en-US" dirty="0"/>
+          </a:p>
+        </p:txBody>
+      </p:sp>
+      <p:sp>
+        <p:nvSpPr>
+          <p:cNvPr id="5" name="Date Placeholder 4"/>
           <p:cNvSpPr>
             <a:spLocks noGrp="1"/>
           </p:cNvSpPr>
@@ -1432,7 +3470,7 @@
           <a:p>
             <a:fld id="{AD579C85-AEB8-458A-8F52-6C2E60381BFF}" type="datetimeFigureOut">
               <a:rPr lang="en-AU" smtClean="0"/>
-              <a:t>22/06/2022</a:t>
+              <a:t>23/06/2022</a:t>
             </a:fld>
             <a:endParaRPr lang="en-AU"/>
           </a:p>
@@ -1440,13 +3478,7 @@
       </p:sp>
       <p:sp>
         <p:nvSpPr>
-          <p:cNvPr id="6" name="Footer Placeholder 5">
-            <a:extLst>
-              <a:ext uri="{FF2B5EF4-FFF2-40B4-BE49-F238E27FC236}">
-                <a16:creationId xmlns:a16="http://schemas.microsoft.com/office/drawing/2014/main" id="{78376810-3C80-4A1D-2143-B8DEB7D01239}"/>
-              </a:ext>
-            </a:extLst>
-          </p:cNvPr>
+          <p:cNvPr id="6" name="Footer Placeholder 5"/>
           <p:cNvSpPr>
             <a:spLocks noGrp="1"/>
           </p:cNvSpPr>
@@ -1465,13 +3497,7 @@
       </p:sp>
       <p:sp>
         <p:nvSpPr>
-          <p:cNvPr id="7" name="Slide Number Placeholder 6">
-            <a:extLst>
-              <a:ext uri="{FF2B5EF4-FFF2-40B4-BE49-F238E27FC236}">
-                <a16:creationId xmlns:a16="http://schemas.microsoft.com/office/drawing/2014/main" id="{F518CCEF-2E9D-C45C-32D7-38A7BF7B2DE1}"/>
-              </a:ext>
-            </a:extLst>
-          </p:cNvPr>
+          <p:cNvPr id="7" name="Slide Number Placeholder 6"/>
           <p:cNvSpPr>
             <a:spLocks noGrp="1"/>
           </p:cNvSpPr>
@@ -1495,7 +3521,7 @@
     </p:spTree>
     <p:extLst>
       <p:ext uri="{BB962C8B-B14F-4D97-AF65-F5344CB8AC3E}">
-        <p14:creationId xmlns:p14="http://schemas.microsoft.com/office/powerpoint/2010/main" val="1749391302"/>
+        <p14:creationId xmlns:p14="http://schemas.microsoft.com/office/powerpoint/2010/main" val="4282825275"/>
       </p:ext>
     </p:extLst>
   </p:cSld>
@@ -1524,66 +3550,55 @@
       </p:grpSpPr>
       <p:sp>
         <p:nvSpPr>
-          <p:cNvPr id="2" name="Title 1">
-            <a:extLst>
-              <a:ext uri="{FF2B5EF4-FFF2-40B4-BE49-F238E27FC236}">
-                <a16:creationId xmlns:a16="http://schemas.microsoft.com/office/drawing/2014/main" id="{9F8048E8-2D72-5FC1-FFF0-25CE3EAEF71C}"/>
-              </a:ext>
-            </a:extLst>
-          </p:cNvPr>
+          <p:cNvPr id="2" name="Title 1"/>
           <p:cNvSpPr>
             <a:spLocks noGrp="1"/>
           </p:cNvSpPr>
           <p:nvPr>
             <p:ph type="title"/>
+          </p:nvPr>
+        </p:nvSpPr>
+        <p:spPr/>
+        <p:txBody>
+          <a:bodyPr/>
+          <a:lstStyle>
+            <a:lvl1pPr>
+              <a:defRPr/>
+            </a:lvl1pPr>
+          </a:lstStyle>
+          <a:p>
+            <a:r>
+              <a:rPr lang="en-US"/>
+              <a:t>Click to edit Master title style</a:t>
+            </a:r>
+            <a:endParaRPr lang="en-US" dirty="0"/>
+          </a:p>
+        </p:txBody>
+      </p:sp>
+      <p:sp>
+        <p:nvSpPr>
+          <p:cNvPr id="3" name="Text Placeholder 2"/>
+          <p:cNvSpPr>
+            <a:spLocks noGrp="1"/>
+          </p:cNvSpPr>
+          <p:nvPr>
+            <p:ph type="body" idx="1"/>
           </p:nvPr>
         </p:nvSpPr>
         <p:spPr>
           <a:xfrm>
-            <a:off x="839788" y="365125"/>
-            <a:ext cx="10515600" cy="1325563"/>
+            <a:off x="675745" y="2160983"/>
+            <a:ext cx="4185623" cy="576262"/>
           </a:xfrm>
         </p:spPr>
         <p:txBody>
-          <a:bodyPr/>
-          <a:lstStyle/>
-          <a:p>
-            <a:r>
-              <a:rPr lang="en-US"/>
-              <a:t>Click to edit Master title style</a:t>
-            </a:r>
-            <a:endParaRPr lang="en-AU"/>
-          </a:p>
-        </p:txBody>
-      </p:sp>
-      <p:sp>
-        <p:nvSpPr>
-          <p:cNvPr id="3" name="Text Placeholder 2">
-            <a:extLst>
-              <a:ext uri="{FF2B5EF4-FFF2-40B4-BE49-F238E27FC236}">
-                <a16:creationId xmlns:a16="http://schemas.microsoft.com/office/drawing/2014/main" id="{09B4C906-E451-010D-5A73-FBCAB8C7283B}"/>
-              </a:ext>
-            </a:extLst>
-          </p:cNvPr>
-          <p:cNvSpPr>
-            <a:spLocks noGrp="1"/>
-          </p:cNvSpPr>
-          <p:nvPr>
-            <p:ph type="body" idx="1"/>
-          </p:nvPr>
-        </p:nvSpPr>
-        <p:spPr>
-          <a:xfrm>
-            <a:off x="839788" y="1681163"/>
-            <a:ext cx="5157787" cy="823912"/>
-          </a:xfrm>
-        </p:spPr>
-        <p:txBody>
-          <a:bodyPr anchor="b"/>
+          <a:bodyPr anchor="b">
+            <a:noAutofit/>
+          </a:bodyPr>
           <a:lstStyle>
             <a:lvl1pPr marL="0" indent="0">
               <a:buNone/>
-              <a:defRPr sz="2400" b="1"/>
+              <a:defRPr sz="2400" b="0"/>
             </a:lvl1pPr>
             <a:lvl2pPr marL="457200" indent="0">
               <a:buNone/>
@@ -1629,13 +3644,7 @@
       </p:sp>
       <p:sp>
         <p:nvSpPr>
-          <p:cNvPr id="4" name="Content Placeholder 3">
-            <a:extLst>
-              <a:ext uri="{FF2B5EF4-FFF2-40B4-BE49-F238E27FC236}">
-                <a16:creationId xmlns:a16="http://schemas.microsoft.com/office/drawing/2014/main" id="{4DB24B87-7D65-9CE3-2823-12921EA451C1}"/>
-              </a:ext>
-            </a:extLst>
-          </p:cNvPr>
+          <p:cNvPr id="4" name="Content Placeholder 3"/>
           <p:cNvSpPr>
             <a:spLocks noGrp="1"/>
           </p:cNvSpPr>
@@ -1645,12 +3654,14 @@
         </p:nvSpPr>
         <p:spPr>
           <a:xfrm>
-            <a:off x="839788" y="2505075"/>
-            <a:ext cx="5157787" cy="3684588"/>
+            <a:off x="675745" y="2737245"/>
+            <a:ext cx="4185623" cy="3304117"/>
           </a:xfrm>
         </p:spPr>
         <p:txBody>
-          <a:bodyPr/>
+          <a:bodyPr>
+            <a:normAutofit/>
+          </a:bodyPr>
           <a:lstStyle/>
           <a:p>
             <a:pPr lvl="0"/>
@@ -1686,19 +3697,13 @@
               <a:rPr lang="en-US"/>
               <a:t>Fifth level</a:t>
             </a:r>
-            <a:endParaRPr lang="en-AU"/>
-          </a:p>
-        </p:txBody>
-      </p:sp>
-      <p:sp>
-        <p:nvSpPr>
-          <p:cNvPr id="5" name="Text Placeholder 4">
-            <a:extLst>
-              <a:ext uri="{FF2B5EF4-FFF2-40B4-BE49-F238E27FC236}">
-                <a16:creationId xmlns:a16="http://schemas.microsoft.com/office/drawing/2014/main" id="{CD9DAB95-F65A-63F3-FB7F-B5ECED2D974B}"/>
-              </a:ext>
-            </a:extLst>
-          </p:cNvPr>
+            <a:endParaRPr lang="en-US" dirty="0"/>
+          </a:p>
+        </p:txBody>
+      </p:sp>
+      <p:sp>
+        <p:nvSpPr>
+          <p:cNvPr id="5" name="Text Placeholder 4"/>
           <p:cNvSpPr>
             <a:spLocks noGrp="1"/>
           </p:cNvSpPr>
@@ -1708,16 +3713,18 @@
         </p:nvSpPr>
         <p:spPr>
           <a:xfrm>
-            <a:off x="6172200" y="1681163"/>
-            <a:ext cx="5183188" cy="823912"/>
+            <a:off x="5088383" y="2160983"/>
+            <a:ext cx="4185618" cy="576262"/>
           </a:xfrm>
         </p:spPr>
         <p:txBody>
-          <a:bodyPr anchor="b"/>
+          <a:bodyPr anchor="b">
+            <a:noAutofit/>
+          </a:bodyPr>
           <a:lstStyle>
             <a:lvl1pPr marL="0" indent="0">
               <a:buNone/>
-              <a:defRPr sz="2400" b="1"/>
+              <a:defRPr sz="2400" b="0"/>
             </a:lvl1pPr>
             <a:lvl2pPr marL="457200" indent="0">
               <a:buNone/>
@@ -1763,13 +3770,7 @@
       </p:sp>
       <p:sp>
         <p:nvSpPr>
-          <p:cNvPr id="6" name="Content Placeholder 5">
-            <a:extLst>
-              <a:ext uri="{FF2B5EF4-FFF2-40B4-BE49-F238E27FC236}">
-                <a16:creationId xmlns:a16="http://schemas.microsoft.com/office/drawing/2014/main" id="{D1AE44A1-DA2C-6F96-A1C2-F4FBB96DDC6E}"/>
-              </a:ext>
-            </a:extLst>
-          </p:cNvPr>
+          <p:cNvPr id="6" name="Content Placeholder 5"/>
           <p:cNvSpPr>
             <a:spLocks noGrp="1"/>
           </p:cNvSpPr>
@@ -1779,12 +3780,14 @@
         </p:nvSpPr>
         <p:spPr>
           <a:xfrm>
-            <a:off x="6172200" y="2505075"/>
-            <a:ext cx="5183188" cy="3684588"/>
+            <a:off x="5088384" y="2737245"/>
+            <a:ext cx="4185617" cy="3304117"/>
           </a:xfrm>
         </p:spPr>
         <p:txBody>
-          <a:bodyPr/>
+          <a:bodyPr>
+            <a:normAutofit/>
+          </a:bodyPr>
           <a:lstStyle/>
           <a:p>
             <a:pPr lvl="0"/>
@@ -1820,19 +3823,13 @@
               <a:rPr lang="en-US"/>
               <a:t>Fifth level</a:t>
             </a:r>
-            <a:endParaRPr lang="en-AU"/>
-          </a:p>
-        </p:txBody>
-      </p:sp>
-      <p:sp>
-        <p:nvSpPr>
-          <p:cNvPr id="7" name="Date Placeholder 6">
-            <a:extLst>
-              <a:ext uri="{FF2B5EF4-FFF2-40B4-BE49-F238E27FC236}">
-                <a16:creationId xmlns:a16="http://schemas.microsoft.com/office/drawing/2014/main" id="{5E6980E0-66C5-45FA-F069-445BF7EDFBA7}"/>
-              </a:ext>
-            </a:extLst>
-          </p:cNvPr>
+            <a:endParaRPr lang="en-US" dirty="0"/>
+          </a:p>
+        </p:txBody>
+      </p:sp>
+      <p:sp>
+        <p:nvSpPr>
+          <p:cNvPr id="7" name="Date Placeholder 6"/>
           <p:cNvSpPr>
             <a:spLocks noGrp="1"/>
           </p:cNvSpPr>
@@ -1847,7 +3844,7 @@
           <a:p>
             <a:fld id="{AD579C85-AEB8-458A-8F52-6C2E60381BFF}" type="datetimeFigureOut">
               <a:rPr lang="en-AU" smtClean="0"/>
-              <a:t>22/06/2022</a:t>
+              <a:t>23/06/2022</a:t>
             </a:fld>
             <a:endParaRPr lang="en-AU"/>
           </a:p>
@@ -1855,13 +3852,7 @@
       </p:sp>
       <p:sp>
         <p:nvSpPr>
-          <p:cNvPr id="8" name="Footer Placeholder 7">
-            <a:extLst>
-              <a:ext uri="{FF2B5EF4-FFF2-40B4-BE49-F238E27FC236}">
-                <a16:creationId xmlns:a16="http://schemas.microsoft.com/office/drawing/2014/main" id="{FC8548F5-1E3D-1978-E6F5-C60C632CC864}"/>
-              </a:ext>
-            </a:extLst>
-          </p:cNvPr>
+          <p:cNvPr id="8" name="Footer Placeholder 7"/>
           <p:cNvSpPr>
             <a:spLocks noGrp="1"/>
           </p:cNvSpPr>
@@ -1880,13 +3871,7 @@
       </p:sp>
       <p:sp>
         <p:nvSpPr>
-          <p:cNvPr id="9" name="Slide Number Placeholder 8">
-            <a:extLst>
-              <a:ext uri="{FF2B5EF4-FFF2-40B4-BE49-F238E27FC236}">
-                <a16:creationId xmlns:a16="http://schemas.microsoft.com/office/drawing/2014/main" id="{3D7CB4EF-E0BB-C7B5-6A93-BC086A88F597}"/>
-              </a:ext>
-            </a:extLst>
-          </p:cNvPr>
+          <p:cNvPr id="9" name="Slide Number Placeholder 8"/>
           <p:cNvSpPr>
             <a:spLocks noGrp="1"/>
           </p:cNvSpPr>
@@ -1910,7 +3895,7 @@
     </p:spTree>
     <p:extLst>
       <p:ext uri="{BB962C8B-B14F-4D97-AF65-F5344CB8AC3E}">
-        <p14:creationId xmlns:p14="http://schemas.microsoft.com/office/powerpoint/2010/main" val="2338352211"/>
+        <p14:creationId xmlns:p14="http://schemas.microsoft.com/office/powerpoint/2010/main" val="2483389252"/>
       </p:ext>
     </p:extLst>
   </p:cSld>
@@ -1939,13 +3924,7 @@
       </p:grpSpPr>
       <p:sp>
         <p:nvSpPr>
-          <p:cNvPr id="2" name="Title 1">
-            <a:extLst>
-              <a:ext uri="{FF2B5EF4-FFF2-40B4-BE49-F238E27FC236}">
-                <a16:creationId xmlns:a16="http://schemas.microsoft.com/office/drawing/2014/main" id="{C1EFD18C-2293-3A96-BE8D-6412460EFC19}"/>
-              </a:ext>
-            </a:extLst>
-          </p:cNvPr>
+          <p:cNvPr id="2" name="Title 1"/>
           <p:cNvSpPr>
             <a:spLocks noGrp="1"/>
           </p:cNvSpPr>
@@ -1953,7 +3932,12 @@
             <p:ph type="title"/>
           </p:nvPr>
         </p:nvSpPr>
-        <p:spPr/>
+        <p:spPr>
+          <a:xfrm>
+            <a:off x="677334" y="609600"/>
+            <a:ext cx="8596668" cy="1320800"/>
+          </a:xfrm>
+        </p:spPr>
         <p:txBody>
           <a:bodyPr/>
           <a:lstStyle/>
@@ -1962,19 +3946,13 @@
               <a:rPr lang="en-US"/>
               <a:t>Click to edit Master title style</a:t>
             </a:r>
-            <a:endParaRPr lang="en-AU"/>
-          </a:p>
-        </p:txBody>
-      </p:sp>
-      <p:sp>
-        <p:nvSpPr>
-          <p:cNvPr id="3" name="Date Placeholder 2">
-            <a:extLst>
-              <a:ext uri="{FF2B5EF4-FFF2-40B4-BE49-F238E27FC236}">
-                <a16:creationId xmlns:a16="http://schemas.microsoft.com/office/drawing/2014/main" id="{ADFF7C23-50D2-794B-0B05-6022FF6A2007}"/>
-              </a:ext>
-            </a:extLst>
-          </p:cNvPr>
+            <a:endParaRPr lang="en-US" dirty="0"/>
+          </a:p>
+        </p:txBody>
+      </p:sp>
+      <p:sp>
+        <p:nvSpPr>
+          <p:cNvPr id="3" name="Date Placeholder 2"/>
           <p:cNvSpPr>
             <a:spLocks noGrp="1"/>
           </p:cNvSpPr>
@@ -1989,7 +3967,7 @@
           <a:p>
             <a:fld id="{AD579C85-AEB8-458A-8F52-6C2E60381BFF}" type="datetimeFigureOut">
               <a:rPr lang="en-AU" smtClean="0"/>
-              <a:t>22/06/2022</a:t>
+              <a:t>23/06/2022</a:t>
             </a:fld>
             <a:endParaRPr lang="en-AU"/>
           </a:p>
@@ -1997,13 +3975,7 @@
       </p:sp>
       <p:sp>
         <p:nvSpPr>
-          <p:cNvPr id="4" name="Footer Placeholder 3">
-            <a:extLst>
-              <a:ext uri="{FF2B5EF4-FFF2-40B4-BE49-F238E27FC236}">
-                <a16:creationId xmlns:a16="http://schemas.microsoft.com/office/drawing/2014/main" id="{38E089DC-E802-76D6-D71F-E3B6FF365B7E}"/>
-              </a:ext>
-            </a:extLst>
-          </p:cNvPr>
+          <p:cNvPr id="4" name="Footer Placeholder 3"/>
           <p:cNvSpPr>
             <a:spLocks noGrp="1"/>
           </p:cNvSpPr>
@@ -2022,13 +3994,7 @@
       </p:sp>
       <p:sp>
         <p:nvSpPr>
-          <p:cNvPr id="5" name="Slide Number Placeholder 4">
-            <a:extLst>
-              <a:ext uri="{FF2B5EF4-FFF2-40B4-BE49-F238E27FC236}">
-                <a16:creationId xmlns:a16="http://schemas.microsoft.com/office/drawing/2014/main" id="{FDF6C010-0374-E63B-F324-B0CAF50D09A3}"/>
-              </a:ext>
-            </a:extLst>
-          </p:cNvPr>
+          <p:cNvPr id="5" name="Slide Number Placeholder 4"/>
           <p:cNvSpPr>
             <a:spLocks noGrp="1"/>
           </p:cNvSpPr>
@@ -2052,7 +4018,7 @@
     </p:spTree>
     <p:extLst>
       <p:ext uri="{BB962C8B-B14F-4D97-AF65-F5344CB8AC3E}">
-        <p14:creationId xmlns:p14="http://schemas.microsoft.com/office/powerpoint/2010/main" val="728264156"/>
+        <p14:creationId xmlns:p14="http://schemas.microsoft.com/office/powerpoint/2010/main" val="2582263864"/>
       </p:ext>
     </p:extLst>
   </p:cSld>
@@ -2081,13 +4047,7 @@
       </p:grpSpPr>
       <p:sp>
         <p:nvSpPr>
-          <p:cNvPr id="2" name="Date Placeholder 1">
-            <a:extLst>
-              <a:ext uri="{FF2B5EF4-FFF2-40B4-BE49-F238E27FC236}">
-                <a16:creationId xmlns:a16="http://schemas.microsoft.com/office/drawing/2014/main" id="{58C93CF9-FDC3-1041-77AD-705C0E85208A}"/>
-              </a:ext>
-            </a:extLst>
-          </p:cNvPr>
+          <p:cNvPr id="2" name="Date Placeholder 1"/>
           <p:cNvSpPr>
             <a:spLocks noGrp="1"/>
           </p:cNvSpPr>
@@ -2102,7 +4062,7 @@
           <a:p>
             <a:fld id="{AD579C85-AEB8-458A-8F52-6C2E60381BFF}" type="datetimeFigureOut">
               <a:rPr lang="en-AU" smtClean="0"/>
-              <a:t>22/06/2022</a:t>
+              <a:t>23/06/2022</a:t>
             </a:fld>
             <a:endParaRPr lang="en-AU"/>
           </a:p>
@@ -2110,13 +4070,7 @@
       </p:sp>
       <p:sp>
         <p:nvSpPr>
-          <p:cNvPr id="3" name="Footer Placeholder 2">
-            <a:extLst>
-              <a:ext uri="{FF2B5EF4-FFF2-40B4-BE49-F238E27FC236}">
-                <a16:creationId xmlns:a16="http://schemas.microsoft.com/office/drawing/2014/main" id="{C6C74B58-24DA-F965-4FB0-4513A503A73D}"/>
-              </a:ext>
-            </a:extLst>
-          </p:cNvPr>
+          <p:cNvPr id="3" name="Footer Placeholder 2"/>
           <p:cNvSpPr>
             <a:spLocks noGrp="1"/>
           </p:cNvSpPr>
@@ -2135,13 +4089,7 @@
       </p:sp>
       <p:sp>
         <p:nvSpPr>
-          <p:cNvPr id="4" name="Slide Number Placeholder 3">
-            <a:extLst>
-              <a:ext uri="{FF2B5EF4-FFF2-40B4-BE49-F238E27FC236}">
-                <a16:creationId xmlns:a16="http://schemas.microsoft.com/office/drawing/2014/main" id="{E96BEED3-7E81-460F-C78B-A7D34371A580}"/>
-              </a:ext>
-            </a:extLst>
-          </p:cNvPr>
+          <p:cNvPr id="4" name="Slide Number Placeholder 3"/>
           <p:cNvSpPr>
             <a:spLocks noGrp="1"/>
           </p:cNvSpPr>
@@ -2165,7 +4113,7 @@
     </p:spTree>
     <p:extLst>
       <p:ext uri="{BB962C8B-B14F-4D97-AF65-F5344CB8AC3E}">
-        <p14:creationId xmlns:p14="http://schemas.microsoft.com/office/powerpoint/2010/main" val="2801628617"/>
+        <p14:creationId xmlns:p14="http://schemas.microsoft.com/office/powerpoint/2010/main" val="2617042068"/>
       </p:ext>
     </p:extLst>
   </p:cSld>
@@ -2194,13 +4142,7 @@
       </p:grpSpPr>
       <p:sp>
         <p:nvSpPr>
-          <p:cNvPr id="2" name="Title 1">
-            <a:extLst>
-              <a:ext uri="{FF2B5EF4-FFF2-40B4-BE49-F238E27FC236}">
-                <a16:creationId xmlns:a16="http://schemas.microsoft.com/office/drawing/2014/main" id="{0ACAD751-3079-3B7F-5261-F0AC097BAB51}"/>
-              </a:ext>
-            </a:extLst>
-          </p:cNvPr>
+          <p:cNvPr id="2" name="Title 1"/>
           <p:cNvSpPr>
             <a:spLocks noGrp="1"/>
           </p:cNvSpPr>
@@ -2210,15 +4152,17 @@
         </p:nvSpPr>
         <p:spPr>
           <a:xfrm>
-            <a:off x="839788" y="457200"/>
-            <a:ext cx="3932237" cy="1600200"/>
+            <a:off x="677334" y="1498604"/>
+            <a:ext cx="3854528" cy="1278466"/>
           </a:xfrm>
         </p:spPr>
         <p:txBody>
-          <a:bodyPr anchor="b"/>
+          <a:bodyPr anchor="b">
+            <a:normAutofit/>
+          </a:bodyPr>
           <a:lstStyle>
             <a:lvl1pPr>
-              <a:defRPr sz="3200"/>
+              <a:defRPr sz="2000"/>
             </a:lvl1pPr>
           </a:lstStyle>
           <a:p>
@@ -2226,19 +4170,13 @@
               <a:rPr lang="en-US"/>
               <a:t>Click to edit Master title style</a:t>
             </a:r>
-            <a:endParaRPr lang="en-AU"/>
-          </a:p>
-        </p:txBody>
-      </p:sp>
-      <p:sp>
-        <p:nvSpPr>
-          <p:cNvPr id="3" name="Content Placeholder 2">
-            <a:extLst>
-              <a:ext uri="{FF2B5EF4-FFF2-40B4-BE49-F238E27FC236}">
-                <a16:creationId xmlns:a16="http://schemas.microsoft.com/office/drawing/2014/main" id="{4B3F1F8B-C49D-C393-185F-FF4BE56DDFC8}"/>
-              </a:ext>
-            </a:extLst>
-          </p:cNvPr>
+            <a:endParaRPr lang="en-US" dirty="0"/>
+          </a:p>
+        </p:txBody>
+      </p:sp>
+      <p:sp>
+        <p:nvSpPr>
+          <p:cNvPr id="3" name="Content Placeholder 2"/>
           <p:cNvSpPr>
             <a:spLocks noGrp="1"/>
           </p:cNvSpPr>
@@ -2248,41 +4186,15 @@
         </p:nvSpPr>
         <p:spPr>
           <a:xfrm>
-            <a:off x="5183188" y="987425"/>
-            <a:ext cx="6172200" cy="4873625"/>
+            <a:off x="4760461" y="514924"/>
+            <a:ext cx="4513541" cy="5526437"/>
           </a:xfrm>
         </p:spPr>
         <p:txBody>
-          <a:bodyPr/>
-          <a:lstStyle>
-            <a:lvl1pPr>
-              <a:defRPr sz="3200"/>
-            </a:lvl1pPr>
-            <a:lvl2pPr>
-              <a:defRPr sz="2800"/>
-            </a:lvl2pPr>
-            <a:lvl3pPr>
-              <a:defRPr sz="2400"/>
-            </a:lvl3pPr>
-            <a:lvl4pPr>
-              <a:defRPr sz="2000"/>
-            </a:lvl4pPr>
-            <a:lvl5pPr>
-              <a:defRPr sz="2000"/>
-            </a:lvl5pPr>
-            <a:lvl6pPr>
-              <a:defRPr sz="2000"/>
-            </a:lvl6pPr>
-            <a:lvl7pPr>
-              <a:defRPr sz="2000"/>
-            </a:lvl7pPr>
-            <a:lvl8pPr>
-              <a:defRPr sz="2000"/>
-            </a:lvl8pPr>
-            <a:lvl9pPr>
-              <a:defRPr sz="2000"/>
-            </a:lvl9pPr>
-          </a:lstStyle>
+          <a:bodyPr>
+            <a:normAutofit/>
+          </a:bodyPr>
+          <a:lstStyle/>
           <a:p>
             <a:pPr lvl="0"/>
             <a:r>
@@ -2317,19 +4229,13 @@
               <a:rPr lang="en-US"/>
               <a:t>Fifth level</a:t>
             </a:r>
-            <a:endParaRPr lang="en-AU"/>
-          </a:p>
-        </p:txBody>
-      </p:sp>
-      <p:sp>
-        <p:nvSpPr>
-          <p:cNvPr id="4" name="Text Placeholder 3">
-            <a:extLst>
-              <a:ext uri="{FF2B5EF4-FFF2-40B4-BE49-F238E27FC236}">
-                <a16:creationId xmlns:a16="http://schemas.microsoft.com/office/drawing/2014/main" id="{E994C00D-A006-4F82-8540-BEA90A39C218}"/>
-              </a:ext>
-            </a:extLst>
-          </p:cNvPr>
+            <a:endParaRPr lang="en-US" dirty="0"/>
+          </a:p>
+        </p:txBody>
+      </p:sp>
+      <p:sp>
+        <p:nvSpPr>
+          <p:cNvPr id="4" name="Text Placeholder 3"/>
           <p:cNvSpPr>
             <a:spLocks noGrp="1"/>
           </p:cNvSpPr>
@@ -2339,46 +4245,48 @@
         </p:nvSpPr>
         <p:spPr>
           <a:xfrm>
-            <a:off x="839788" y="2057400"/>
-            <a:ext cx="3932237" cy="3811588"/>
+            <a:off x="677334" y="2777069"/>
+            <a:ext cx="3854528" cy="2584449"/>
           </a:xfrm>
         </p:spPr>
         <p:txBody>
-          <a:bodyPr/>
+          <a:bodyPr>
+            <a:normAutofit/>
+          </a:bodyPr>
           <a:lstStyle>
             <a:lvl1pPr marL="0" indent="0">
               <a:buNone/>
-              <a:defRPr sz="1600"/>
+              <a:defRPr sz="1400"/>
             </a:lvl1pPr>
-            <a:lvl2pPr marL="457200" indent="0">
+            <a:lvl2pPr marL="457063" indent="0">
               <a:buNone/>
               <a:defRPr sz="1400"/>
             </a:lvl2pPr>
-            <a:lvl3pPr marL="914400" indent="0">
+            <a:lvl3pPr marL="914126" indent="0">
               <a:buNone/>
               <a:defRPr sz="1200"/>
             </a:lvl3pPr>
-            <a:lvl4pPr marL="1371600" indent="0">
+            <a:lvl4pPr marL="1371189" indent="0">
               <a:buNone/>
               <a:defRPr sz="1000"/>
             </a:lvl4pPr>
-            <a:lvl5pPr marL="1828800" indent="0">
+            <a:lvl5pPr marL="1828251" indent="0">
               <a:buNone/>
               <a:defRPr sz="1000"/>
             </a:lvl5pPr>
-            <a:lvl6pPr marL="2286000" indent="0">
+            <a:lvl6pPr marL="2285314" indent="0">
               <a:buNone/>
               <a:defRPr sz="1000"/>
             </a:lvl6pPr>
-            <a:lvl7pPr marL="2743200" indent="0">
+            <a:lvl7pPr marL="2742377" indent="0">
               <a:buNone/>
               <a:defRPr sz="1000"/>
             </a:lvl7pPr>
-            <a:lvl8pPr marL="3200400" indent="0">
+            <a:lvl8pPr marL="3199440" indent="0">
               <a:buNone/>
               <a:defRPr sz="1000"/>
             </a:lvl8pPr>
-            <a:lvl9pPr marL="3657600" indent="0">
+            <a:lvl9pPr marL="3656503" indent="0">
               <a:buNone/>
               <a:defRPr sz="1000"/>
             </a:lvl9pPr>
@@ -2394,13 +4302,7 @@
       </p:sp>
       <p:sp>
         <p:nvSpPr>
-          <p:cNvPr id="5" name="Date Placeholder 4">
-            <a:extLst>
-              <a:ext uri="{FF2B5EF4-FFF2-40B4-BE49-F238E27FC236}">
-                <a16:creationId xmlns:a16="http://schemas.microsoft.com/office/drawing/2014/main" id="{F62B0214-E6F3-09E0-C54F-B8D13B5469DA}"/>
-              </a:ext>
-            </a:extLst>
-          </p:cNvPr>
+          <p:cNvPr id="5" name="Date Placeholder 4"/>
           <p:cNvSpPr>
             <a:spLocks noGrp="1"/>
           </p:cNvSpPr>
@@ -2415,7 +4317,7 @@
           <a:p>
             <a:fld id="{AD579C85-AEB8-458A-8F52-6C2E60381BFF}" type="datetimeFigureOut">
               <a:rPr lang="en-AU" smtClean="0"/>
-              <a:t>22/06/2022</a:t>
+              <a:t>23/06/2022</a:t>
             </a:fld>
             <a:endParaRPr lang="en-AU"/>
           </a:p>
@@ -2423,13 +4325,7 @@
       </p:sp>
       <p:sp>
         <p:nvSpPr>
-          <p:cNvPr id="6" name="Footer Placeholder 5">
-            <a:extLst>
-              <a:ext uri="{FF2B5EF4-FFF2-40B4-BE49-F238E27FC236}">
-                <a16:creationId xmlns:a16="http://schemas.microsoft.com/office/drawing/2014/main" id="{22B6E260-4014-677B-E5BA-A24CE9767A21}"/>
-              </a:ext>
-            </a:extLst>
-          </p:cNvPr>
+          <p:cNvPr id="6" name="Footer Placeholder 5"/>
           <p:cNvSpPr>
             <a:spLocks noGrp="1"/>
           </p:cNvSpPr>
@@ -2448,13 +4344,7 @@
       </p:sp>
       <p:sp>
         <p:nvSpPr>
-          <p:cNvPr id="7" name="Slide Number Placeholder 6">
-            <a:extLst>
-              <a:ext uri="{FF2B5EF4-FFF2-40B4-BE49-F238E27FC236}">
-                <a16:creationId xmlns:a16="http://schemas.microsoft.com/office/drawing/2014/main" id="{2AABDF07-1BA8-67DA-413F-F7A108BF6AA1}"/>
-              </a:ext>
-            </a:extLst>
-          </p:cNvPr>
+          <p:cNvPr id="7" name="Slide Number Placeholder 6"/>
           <p:cNvSpPr>
             <a:spLocks noGrp="1"/>
           </p:cNvSpPr>
@@ -2478,7 +4368,7 @@
     </p:spTree>
     <p:extLst>
       <p:ext uri="{BB962C8B-B14F-4D97-AF65-F5344CB8AC3E}">
-        <p14:creationId xmlns:p14="http://schemas.microsoft.com/office/powerpoint/2010/main" val="3937275808"/>
+        <p14:creationId xmlns:p14="http://schemas.microsoft.com/office/powerpoint/2010/main" val="1599863375"/>
       </p:ext>
     </p:extLst>
   </p:cSld>
@@ -2507,13 +4397,7 @@
       </p:grpSpPr>
       <p:sp>
         <p:nvSpPr>
-          <p:cNvPr id="2" name="Title 1">
-            <a:extLst>
-              <a:ext uri="{FF2B5EF4-FFF2-40B4-BE49-F238E27FC236}">
-                <a16:creationId xmlns:a16="http://schemas.microsoft.com/office/drawing/2014/main" id="{EF0E3FD4-DBDB-156F-17B4-E4C96C5BD018}"/>
-              </a:ext>
-            </a:extLst>
-          </p:cNvPr>
+          <p:cNvPr id="2" name="Title 1"/>
           <p:cNvSpPr>
             <a:spLocks noGrp="1"/>
           </p:cNvSpPr>
@@ -2523,15 +4407,17 @@
         </p:nvSpPr>
         <p:spPr>
           <a:xfrm>
-            <a:off x="839788" y="457200"/>
-            <a:ext cx="3932237" cy="1600200"/>
+            <a:off x="677334" y="4800600"/>
+            <a:ext cx="8596667" cy="566738"/>
           </a:xfrm>
         </p:spPr>
         <p:txBody>
-          <a:bodyPr anchor="b"/>
+          <a:bodyPr anchor="b">
+            <a:normAutofit/>
+          </a:bodyPr>
           <a:lstStyle>
-            <a:lvl1pPr>
-              <a:defRPr sz="3200"/>
+            <a:lvl1pPr algn="l">
+              <a:defRPr sz="2400" b="0"/>
             </a:lvl1pPr>
           </a:lstStyle>
           <a:p>
@@ -2539,21 +4425,15 @@
               <a:rPr lang="en-US"/>
               <a:t>Click to edit Master title style</a:t>
             </a:r>
-            <a:endParaRPr lang="en-AU"/>
-          </a:p>
-        </p:txBody>
-      </p:sp>
-      <p:sp>
-        <p:nvSpPr>
-          <p:cNvPr id="3" name="Picture Placeholder 2">
-            <a:extLst>
-              <a:ext uri="{FF2B5EF4-FFF2-40B4-BE49-F238E27FC236}">
-                <a16:creationId xmlns:a16="http://schemas.microsoft.com/office/drawing/2014/main" id="{C9DE1B70-90F3-25F7-3BDE-812D5D6B0359}"/>
-              </a:ext>
-            </a:extLst>
-          </p:cNvPr>
-          <p:cNvSpPr>
-            <a:spLocks noGrp="1"/>
+            <a:endParaRPr lang="en-US" dirty="0"/>
+          </a:p>
+        </p:txBody>
+      </p:sp>
+      <p:sp>
+        <p:nvSpPr>
+          <p:cNvPr id="3" name="Picture Placeholder 2"/>
+          <p:cNvSpPr>
+            <a:spLocks noGrp="1" noChangeAspect="1"/>
           </p:cNvSpPr>
           <p:nvPr>
             <p:ph type="pic" idx="1"/>
@@ -2561,118 +4441,120 @@
         </p:nvSpPr>
         <p:spPr>
           <a:xfrm>
-            <a:off x="5183188" y="987425"/>
-            <a:ext cx="6172200" cy="4873625"/>
+            <a:off x="677334" y="609600"/>
+            <a:ext cx="8596668" cy="3845718"/>
           </a:xfrm>
         </p:spPr>
         <p:txBody>
-          <a:bodyPr/>
+          <a:bodyPr anchor="t">
+            <a:normAutofit/>
+          </a:bodyPr>
           <a:lstStyle>
-            <a:lvl1pPr marL="0" indent="0">
-              <a:buNone/>
-              <a:defRPr sz="3200"/>
-            </a:lvl1pPr>
-            <a:lvl2pPr marL="457200" indent="0">
-              <a:buNone/>
-              <a:defRPr sz="2800"/>
-            </a:lvl2pPr>
-            <a:lvl3pPr marL="914400" indent="0">
-              <a:buNone/>
-              <a:defRPr sz="2400"/>
-            </a:lvl3pPr>
-            <a:lvl4pPr marL="1371600" indent="0">
-              <a:buNone/>
-              <a:defRPr sz="2000"/>
-            </a:lvl4pPr>
-            <a:lvl5pPr marL="1828800" indent="0">
-              <a:buNone/>
-              <a:defRPr sz="2000"/>
-            </a:lvl5pPr>
-            <a:lvl6pPr marL="2286000" indent="0">
-              <a:buNone/>
-              <a:defRPr sz="2000"/>
-            </a:lvl6pPr>
-            <a:lvl7pPr marL="2743200" indent="0">
-              <a:buNone/>
-              <a:defRPr sz="2000"/>
-            </a:lvl7pPr>
-            <a:lvl8pPr marL="3200400" indent="0">
-              <a:buNone/>
-              <a:defRPr sz="2000"/>
-            </a:lvl8pPr>
-            <a:lvl9pPr marL="3657600" indent="0">
-              <a:buNone/>
-              <a:defRPr sz="2000"/>
-            </a:lvl9pPr>
-          </a:lstStyle>
-          <a:p>
-            <a:endParaRPr lang="en-AU"/>
-          </a:p>
-        </p:txBody>
-      </p:sp>
-      <p:sp>
-        <p:nvSpPr>
-          <p:cNvPr id="4" name="Text Placeholder 3">
-            <a:extLst>
-              <a:ext uri="{FF2B5EF4-FFF2-40B4-BE49-F238E27FC236}">
-                <a16:creationId xmlns:a16="http://schemas.microsoft.com/office/drawing/2014/main" id="{E46E7F48-F216-2326-0DA3-BD1EC75F2707}"/>
-              </a:ext>
-            </a:extLst>
-          </p:cNvPr>
-          <p:cNvSpPr>
-            <a:spLocks noGrp="1"/>
-          </p:cNvSpPr>
-          <p:nvPr>
-            <p:ph type="body" sz="half" idx="2"/>
-          </p:nvPr>
-        </p:nvSpPr>
-        <p:spPr>
-          <a:xfrm>
-            <a:off x="839788" y="2057400"/>
-            <a:ext cx="3932237" cy="3811588"/>
-          </a:xfrm>
-        </p:spPr>
-        <p:txBody>
-          <a:bodyPr/>
-          <a:lstStyle>
-            <a:lvl1pPr marL="0" indent="0">
+            <a:lvl1pPr marL="0" indent="0" algn="ctr">
               <a:buNone/>
               <a:defRPr sz="1600"/>
             </a:lvl1pPr>
             <a:lvl2pPr marL="457200" indent="0">
               <a:buNone/>
-              <a:defRPr sz="1400"/>
+              <a:defRPr sz="1600"/>
             </a:lvl2pPr>
             <a:lvl3pPr marL="914400" indent="0">
               <a:buNone/>
-              <a:defRPr sz="1200"/>
+              <a:defRPr sz="1600"/>
             </a:lvl3pPr>
             <a:lvl4pPr marL="1371600" indent="0">
               <a:buNone/>
-              <a:defRPr sz="1000"/>
+              <a:defRPr sz="1600"/>
             </a:lvl4pPr>
             <a:lvl5pPr marL="1828800" indent="0">
               <a:buNone/>
-              <a:defRPr sz="1000"/>
+              <a:defRPr sz="1600"/>
             </a:lvl5pPr>
             <a:lvl6pPr marL="2286000" indent="0">
               <a:buNone/>
-              <a:defRPr sz="1000"/>
+              <a:defRPr sz="1600"/>
             </a:lvl6pPr>
             <a:lvl7pPr marL="2743200" indent="0">
               <a:buNone/>
-              <a:defRPr sz="1000"/>
+              <a:defRPr sz="1600"/>
             </a:lvl7pPr>
             <a:lvl8pPr marL="3200400" indent="0">
               <a:buNone/>
-              <a:defRPr sz="1000"/>
+              <a:defRPr sz="1600"/>
             </a:lvl8pPr>
             <a:lvl9pPr marL="3657600" indent="0">
               <a:buNone/>
-              <a:defRPr sz="1000"/>
+              <a:defRPr sz="1600"/>
             </a:lvl9pPr>
           </a:lstStyle>
           <a:p>
+            <a:r>
+              <a:rPr lang="en-US"/>
+              <a:t>Click icon to add picture</a:t>
+            </a:r>
+            <a:endParaRPr lang="en-US" dirty="0"/>
+          </a:p>
+        </p:txBody>
+      </p:sp>
+      <p:sp>
+        <p:nvSpPr>
+          <p:cNvPr id="4" name="Text Placeholder 3"/>
+          <p:cNvSpPr>
+            <a:spLocks noGrp="1"/>
+          </p:cNvSpPr>
+          <p:nvPr>
+            <p:ph type="body" sz="half" idx="2"/>
+          </p:nvPr>
+        </p:nvSpPr>
+        <p:spPr>
+          <a:xfrm>
+            <a:off x="677334" y="5367338"/>
+            <a:ext cx="8596667" cy="674024"/>
+          </a:xfrm>
+        </p:spPr>
+        <p:txBody>
+          <a:bodyPr>
+            <a:normAutofit/>
+          </a:bodyPr>
+          <a:lstStyle>
+            <a:lvl1pPr marL="0" indent="0">
+              <a:buNone/>
+              <a:defRPr sz="1200"/>
+            </a:lvl1pPr>
+            <a:lvl2pPr marL="457200" indent="0">
+              <a:buNone/>
+              <a:defRPr sz="1200"/>
+            </a:lvl2pPr>
+            <a:lvl3pPr marL="914400" indent="0">
+              <a:buNone/>
+              <a:defRPr sz="1000"/>
+            </a:lvl3pPr>
+            <a:lvl4pPr marL="1371600" indent="0">
+              <a:buNone/>
+              <a:defRPr sz="900"/>
+            </a:lvl4pPr>
+            <a:lvl5pPr marL="1828800" indent="0">
+              <a:buNone/>
+              <a:defRPr sz="900"/>
+            </a:lvl5pPr>
+            <a:lvl6pPr marL="2286000" indent="0">
+              <a:buNone/>
+              <a:defRPr sz="900"/>
+            </a:lvl6pPr>
+            <a:lvl7pPr marL="2743200" indent="0">
+              <a:buNone/>
+              <a:defRPr sz="900"/>
+            </a:lvl7pPr>
+            <a:lvl8pPr marL="3200400" indent="0">
+              <a:buNone/>
+              <a:defRPr sz="900"/>
+            </a:lvl8pPr>
+            <a:lvl9pPr marL="3657600" indent="0">
+              <a:buNone/>
+              <a:defRPr sz="900"/>
+            </a:lvl9pPr>
+          </a:lstStyle>
+          <a:p>
             <a:pPr lvl="0"/>
             <a:r>
               <a:rPr lang="en-US"/>
@@ -2683,13 +4565,7 @@
       </p:sp>
       <p:sp>
         <p:nvSpPr>
-          <p:cNvPr id="5" name="Date Placeholder 4">
-            <a:extLst>
-              <a:ext uri="{FF2B5EF4-FFF2-40B4-BE49-F238E27FC236}">
-                <a16:creationId xmlns:a16="http://schemas.microsoft.com/office/drawing/2014/main" id="{2269C1BC-B5EC-1865-8576-41E3817CC6DE}"/>
-              </a:ext>
-            </a:extLst>
-          </p:cNvPr>
+          <p:cNvPr id="5" name="Date Placeholder 4"/>
           <p:cNvSpPr>
             <a:spLocks noGrp="1"/>
           </p:cNvSpPr>
@@ -2704,7 +4580,7 @@
           <a:p>
             <a:fld id="{AD579C85-AEB8-458A-8F52-6C2E60381BFF}" type="datetimeFigureOut">
               <a:rPr lang="en-AU" smtClean="0"/>
-              <a:t>22/06/2022</a:t>
+              <a:t>23/06/2022</a:t>
             </a:fld>
             <a:endParaRPr lang="en-AU"/>
           </a:p>
@@ -2712,13 +4588,7 @@
       </p:sp>
       <p:sp>
         <p:nvSpPr>
-          <p:cNvPr id="6" name="Footer Placeholder 5">
-            <a:extLst>
-              <a:ext uri="{FF2B5EF4-FFF2-40B4-BE49-F238E27FC236}">
-                <a16:creationId xmlns:a16="http://schemas.microsoft.com/office/drawing/2014/main" id="{E94B4384-CDC2-BDBE-7C83-4D4EB2A8CCC8}"/>
-              </a:ext>
-            </a:extLst>
-          </p:cNvPr>
+          <p:cNvPr id="6" name="Footer Placeholder 5"/>
           <p:cNvSpPr>
             <a:spLocks noGrp="1"/>
           </p:cNvSpPr>
@@ -2737,13 +4607,7 @@
       </p:sp>
       <p:sp>
         <p:nvSpPr>
-          <p:cNvPr id="7" name="Slide Number Placeholder 6">
-            <a:extLst>
-              <a:ext uri="{FF2B5EF4-FFF2-40B4-BE49-F238E27FC236}">
-                <a16:creationId xmlns:a16="http://schemas.microsoft.com/office/drawing/2014/main" id="{F8D3A1E0-ED16-CDFC-F29F-B50B67371AB1}"/>
-              </a:ext>
-            </a:extLst>
-          </p:cNvPr>
+          <p:cNvPr id="7" name="Slide Number Placeholder 6"/>
           <p:cNvSpPr>
             <a:spLocks noGrp="1"/>
           </p:cNvSpPr>
@@ -2767,7 +4631,7 @@
     </p:spTree>
     <p:extLst>
       <p:ext uri="{BB962C8B-B14F-4D97-AF65-F5344CB8AC3E}">
-        <p14:creationId xmlns:p14="http://schemas.microsoft.com/office/powerpoint/2010/main" val="3670596387"/>
+        <p14:creationId xmlns:p14="http://schemas.microsoft.com/office/powerpoint/2010/main" val="165456811"/>
       </p:ext>
     </p:extLst>
   </p:cSld>
@@ -2799,15 +4663,539 @@
           <a:chExt cx="0" cy="0"/>
         </a:xfrm>
       </p:grpSpPr>
-      <p:sp>
-        <p:nvSpPr>
-          <p:cNvPr id="2" name="Title Placeholder 1">
-            <a:extLst>
-              <a:ext uri="{FF2B5EF4-FFF2-40B4-BE49-F238E27FC236}">
-                <a16:creationId xmlns:a16="http://schemas.microsoft.com/office/drawing/2014/main" id="{D9476282-30BA-DAFD-D59E-84B93112C84B}"/>
-              </a:ext>
-            </a:extLst>
-          </p:cNvPr>
+      <p:grpSp>
+        <p:nvGrpSpPr>
+          <p:cNvPr id="7" name="Group 6"/>
+          <p:cNvGrpSpPr/>
+          <p:nvPr/>
+        </p:nvGrpSpPr>
+        <p:grpSpPr>
+          <a:xfrm>
+            <a:off x="0" y="-8467"/>
+            <a:ext cx="12192000" cy="6866467"/>
+            <a:chOff x="0" y="-8467"/>
+            <a:chExt cx="12192000" cy="6866467"/>
+          </a:xfrm>
+        </p:grpSpPr>
+        <p:cxnSp>
+          <p:nvCxnSpPr>
+            <p:cNvPr id="20" name="Straight Connector 19"/>
+            <p:cNvCxnSpPr/>
+            <p:nvPr/>
+          </p:nvCxnSpPr>
+          <p:spPr>
+            <a:xfrm>
+              <a:off x="9371012" y="0"/>
+              <a:ext cx="1219200" cy="6858000"/>
+            </a:xfrm>
+            <a:prstGeom prst="line">
+              <a:avLst/>
+            </a:prstGeom>
+            <a:ln w="9525">
+              <a:solidFill>
+                <a:schemeClr val="bg1">
+                  <a:lumMod val="75000"/>
+                </a:schemeClr>
+              </a:solidFill>
+            </a:ln>
+          </p:spPr>
+          <p:style>
+            <a:lnRef idx="2">
+              <a:schemeClr val="accent1"/>
+            </a:lnRef>
+            <a:fillRef idx="0">
+              <a:schemeClr val="accent1"/>
+            </a:fillRef>
+            <a:effectRef idx="1">
+              <a:schemeClr val="accent1"/>
+            </a:effectRef>
+            <a:fontRef idx="minor">
+              <a:schemeClr val="tx1"/>
+            </a:fontRef>
+          </p:style>
+        </p:cxnSp>
+        <p:cxnSp>
+          <p:nvCxnSpPr>
+            <p:cNvPr id="21" name="Straight Connector 20"/>
+            <p:cNvCxnSpPr/>
+            <p:nvPr/>
+          </p:nvCxnSpPr>
+          <p:spPr>
+            <a:xfrm flipH="1">
+              <a:off x="7425267" y="3681413"/>
+              <a:ext cx="4763558" cy="3176587"/>
+            </a:xfrm>
+            <a:prstGeom prst="line">
+              <a:avLst/>
+            </a:prstGeom>
+            <a:ln w="9525">
+              <a:solidFill>
+                <a:schemeClr val="bg1">
+                  <a:lumMod val="85000"/>
+                </a:schemeClr>
+              </a:solidFill>
+            </a:ln>
+          </p:spPr>
+          <p:style>
+            <a:lnRef idx="2">
+              <a:schemeClr val="accent1"/>
+            </a:lnRef>
+            <a:fillRef idx="0">
+              <a:schemeClr val="accent1"/>
+            </a:fillRef>
+            <a:effectRef idx="1">
+              <a:schemeClr val="accent1"/>
+            </a:effectRef>
+            <a:fontRef idx="minor">
+              <a:schemeClr val="tx1"/>
+            </a:fontRef>
+          </p:style>
+        </p:cxnSp>
+        <p:sp>
+          <p:nvSpPr>
+            <p:cNvPr id="22" name="Rectangle 23"/>
+            <p:cNvSpPr/>
+            <p:nvPr/>
+          </p:nvSpPr>
+          <p:spPr>
+            <a:xfrm>
+              <a:off x="9181476" y="-8467"/>
+              <a:ext cx="3007349" cy="6866467"/>
+            </a:xfrm>
+            <a:custGeom>
+              <a:avLst/>
+              <a:gdLst/>
+              <a:ahLst/>
+              <a:cxnLst/>
+              <a:rect l="l" t="t" r="r" b="b"/>
+              <a:pathLst>
+                <a:path w="3007349" h="6866467">
+                  <a:moveTo>
+                    <a:pt x="2045532" y="0"/>
+                  </a:moveTo>
+                  <a:lnTo>
+                    <a:pt x="3007349" y="0"/>
+                  </a:lnTo>
+                  <a:lnTo>
+                    <a:pt x="3007349" y="6866467"/>
+                  </a:lnTo>
+                  <a:lnTo>
+                    <a:pt x="0" y="6866467"/>
+                  </a:lnTo>
+                  <a:lnTo>
+                    <a:pt x="2045532" y="0"/>
+                  </a:lnTo>
+                  <a:close/>
+                </a:path>
+              </a:pathLst>
+            </a:custGeom>
+            <a:solidFill>
+              <a:schemeClr val="accent1">
+                <a:alpha val="30000"/>
+              </a:schemeClr>
+            </a:solidFill>
+            <a:ln>
+              <a:noFill/>
+            </a:ln>
+            <a:effectLst/>
+          </p:spPr>
+          <p:style>
+            <a:lnRef idx="1">
+              <a:schemeClr val="accent1"/>
+            </a:lnRef>
+            <a:fillRef idx="3">
+              <a:schemeClr val="accent1"/>
+            </a:fillRef>
+            <a:effectRef idx="2">
+              <a:schemeClr val="accent1"/>
+            </a:effectRef>
+            <a:fontRef idx="minor">
+              <a:schemeClr val="lt1"/>
+            </a:fontRef>
+          </p:style>
+        </p:sp>
+        <p:sp>
+          <p:nvSpPr>
+            <p:cNvPr id="23" name="Rectangle 25"/>
+            <p:cNvSpPr/>
+            <p:nvPr/>
+          </p:nvSpPr>
+          <p:spPr>
+            <a:xfrm>
+              <a:off x="9603442" y="-8467"/>
+              <a:ext cx="2588558" cy="6866467"/>
+            </a:xfrm>
+            <a:custGeom>
+              <a:avLst/>
+              <a:gdLst/>
+              <a:ahLst/>
+              <a:cxnLst/>
+              <a:rect l="l" t="t" r="r" b="b"/>
+              <a:pathLst>
+                <a:path w="2573311" h="6866467">
+                  <a:moveTo>
+                    <a:pt x="0" y="0"/>
+                  </a:moveTo>
+                  <a:lnTo>
+                    <a:pt x="2573311" y="0"/>
+                  </a:lnTo>
+                  <a:lnTo>
+                    <a:pt x="2573311" y="6866467"/>
+                  </a:lnTo>
+                  <a:lnTo>
+                    <a:pt x="1202336" y="6866467"/>
+                  </a:lnTo>
+                  <a:lnTo>
+                    <a:pt x="0" y="0"/>
+                  </a:lnTo>
+                  <a:close/>
+                </a:path>
+              </a:pathLst>
+            </a:custGeom>
+            <a:solidFill>
+              <a:schemeClr val="accent1">
+                <a:alpha val="20000"/>
+              </a:schemeClr>
+            </a:solidFill>
+            <a:ln>
+              <a:noFill/>
+            </a:ln>
+            <a:effectLst/>
+          </p:spPr>
+          <p:style>
+            <a:lnRef idx="1">
+              <a:schemeClr val="accent1"/>
+            </a:lnRef>
+            <a:fillRef idx="3">
+              <a:schemeClr val="accent1"/>
+            </a:fillRef>
+            <a:effectRef idx="2">
+              <a:schemeClr val="accent1"/>
+            </a:effectRef>
+            <a:fontRef idx="minor">
+              <a:schemeClr val="lt1"/>
+            </a:fontRef>
+          </p:style>
+        </p:sp>
+        <p:sp>
+          <p:nvSpPr>
+            <p:cNvPr id="24" name="Isosceles Triangle 23"/>
+            <p:cNvSpPr/>
+            <p:nvPr/>
+          </p:nvSpPr>
+          <p:spPr>
+            <a:xfrm>
+              <a:off x="8932333" y="3048000"/>
+              <a:ext cx="3259667" cy="3810000"/>
+            </a:xfrm>
+            <a:prstGeom prst="triangle">
+              <a:avLst>
+                <a:gd name="adj" fmla="val 100000"/>
+              </a:avLst>
+            </a:prstGeom>
+            <a:solidFill>
+              <a:schemeClr val="accent2">
+                <a:alpha val="72000"/>
+              </a:schemeClr>
+            </a:solidFill>
+            <a:ln>
+              <a:noFill/>
+            </a:ln>
+            <a:effectLst/>
+          </p:spPr>
+          <p:style>
+            <a:lnRef idx="1">
+              <a:schemeClr val="accent1"/>
+            </a:lnRef>
+            <a:fillRef idx="3">
+              <a:schemeClr val="accent1"/>
+            </a:fillRef>
+            <a:effectRef idx="2">
+              <a:schemeClr val="accent1"/>
+            </a:effectRef>
+            <a:fontRef idx="minor">
+              <a:schemeClr val="lt1"/>
+            </a:fontRef>
+          </p:style>
+        </p:sp>
+        <p:sp>
+          <p:nvSpPr>
+            <p:cNvPr id="25" name="Rectangle 27"/>
+            <p:cNvSpPr/>
+            <p:nvPr/>
+          </p:nvSpPr>
+          <p:spPr>
+            <a:xfrm>
+              <a:off x="9334500" y="-8467"/>
+              <a:ext cx="2854326" cy="6866467"/>
+            </a:xfrm>
+            <a:custGeom>
+              <a:avLst/>
+              <a:gdLst/>
+              <a:ahLst/>
+              <a:cxnLst/>
+              <a:rect l="l" t="t" r="r" b="b"/>
+              <a:pathLst>
+                <a:path w="2858013" h="6866467">
+                  <a:moveTo>
+                    <a:pt x="0" y="0"/>
+                  </a:moveTo>
+                  <a:lnTo>
+                    <a:pt x="2858013" y="0"/>
+                  </a:lnTo>
+                  <a:lnTo>
+                    <a:pt x="2858013" y="6866467"/>
+                  </a:lnTo>
+                  <a:lnTo>
+                    <a:pt x="2473942" y="6866467"/>
+                  </a:lnTo>
+                  <a:lnTo>
+                    <a:pt x="0" y="0"/>
+                  </a:lnTo>
+                  <a:close/>
+                </a:path>
+              </a:pathLst>
+            </a:custGeom>
+            <a:solidFill>
+              <a:schemeClr val="accent2">
+                <a:lumMod val="75000"/>
+                <a:alpha val="70000"/>
+              </a:schemeClr>
+            </a:solidFill>
+            <a:ln>
+              <a:noFill/>
+            </a:ln>
+            <a:effectLst/>
+          </p:spPr>
+          <p:style>
+            <a:lnRef idx="1">
+              <a:schemeClr val="accent1"/>
+            </a:lnRef>
+            <a:fillRef idx="3">
+              <a:schemeClr val="accent1"/>
+            </a:fillRef>
+            <a:effectRef idx="2">
+              <a:schemeClr val="accent1"/>
+            </a:effectRef>
+            <a:fontRef idx="minor">
+              <a:schemeClr val="lt1"/>
+            </a:fontRef>
+          </p:style>
+        </p:sp>
+        <p:sp>
+          <p:nvSpPr>
+            <p:cNvPr id="26" name="Rectangle 28"/>
+            <p:cNvSpPr/>
+            <p:nvPr/>
+          </p:nvSpPr>
+          <p:spPr>
+            <a:xfrm>
+              <a:off x="10898730" y="-8467"/>
+              <a:ext cx="1290094" cy="6866467"/>
+            </a:xfrm>
+            <a:custGeom>
+              <a:avLst/>
+              <a:gdLst/>
+              <a:ahLst/>
+              <a:cxnLst/>
+              <a:rect l="l" t="t" r="r" b="b"/>
+              <a:pathLst>
+                <a:path w="1290094" h="6858000">
+                  <a:moveTo>
+                    <a:pt x="1019735" y="0"/>
+                  </a:moveTo>
+                  <a:lnTo>
+                    <a:pt x="1290094" y="0"/>
+                  </a:lnTo>
+                  <a:lnTo>
+                    <a:pt x="1290094" y="6858000"/>
+                  </a:lnTo>
+                  <a:lnTo>
+                    <a:pt x="0" y="6858000"/>
+                  </a:lnTo>
+                  <a:lnTo>
+                    <a:pt x="1019735" y="0"/>
+                  </a:lnTo>
+                  <a:close/>
+                </a:path>
+              </a:pathLst>
+            </a:custGeom>
+            <a:solidFill>
+              <a:schemeClr val="accent1">
+                <a:lumMod val="60000"/>
+                <a:lumOff val="40000"/>
+                <a:alpha val="70000"/>
+              </a:schemeClr>
+            </a:solidFill>
+            <a:ln>
+              <a:noFill/>
+            </a:ln>
+            <a:effectLst/>
+          </p:spPr>
+          <p:style>
+            <a:lnRef idx="1">
+              <a:schemeClr val="accent1"/>
+            </a:lnRef>
+            <a:fillRef idx="3">
+              <a:schemeClr val="accent1"/>
+            </a:fillRef>
+            <a:effectRef idx="2">
+              <a:schemeClr val="accent1"/>
+            </a:effectRef>
+            <a:fontRef idx="minor">
+              <a:schemeClr val="lt1"/>
+            </a:fontRef>
+          </p:style>
+        </p:sp>
+        <p:sp>
+          <p:nvSpPr>
+            <p:cNvPr id="27" name="Rectangle 29"/>
+            <p:cNvSpPr/>
+            <p:nvPr/>
+          </p:nvSpPr>
+          <p:spPr>
+            <a:xfrm>
+              <a:off x="10938999" y="-8467"/>
+              <a:ext cx="1249825" cy="6866467"/>
+            </a:xfrm>
+            <a:custGeom>
+              <a:avLst/>
+              <a:gdLst/>
+              <a:ahLst/>
+              <a:cxnLst/>
+              <a:rect l="l" t="t" r="r" b="b"/>
+              <a:pathLst>
+                <a:path w="1249825" h="6858000">
+                  <a:moveTo>
+                    <a:pt x="0" y="0"/>
+                  </a:moveTo>
+                  <a:lnTo>
+                    <a:pt x="1249825" y="0"/>
+                  </a:lnTo>
+                  <a:lnTo>
+                    <a:pt x="1249825" y="6858000"/>
+                  </a:lnTo>
+                  <a:lnTo>
+                    <a:pt x="1109382" y="6858000"/>
+                  </a:lnTo>
+                  <a:lnTo>
+                    <a:pt x="0" y="0"/>
+                  </a:lnTo>
+                  <a:close/>
+                </a:path>
+              </a:pathLst>
+            </a:custGeom>
+            <a:solidFill>
+              <a:schemeClr val="accent1">
+                <a:alpha val="65000"/>
+              </a:schemeClr>
+            </a:solidFill>
+            <a:ln>
+              <a:noFill/>
+            </a:ln>
+            <a:effectLst/>
+          </p:spPr>
+          <p:style>
+            <a:lnRef idx="1">
+              <a:schemeClr val="accent1"/>
+            </a:lnRef>
+            <a:fillRef idx="3">
+              <a:schemeClr val="accent1"/>
+            </a:fillRef>
+            <a:effectRef idx="2">
+              <a:schemeClr val="accent1"/>
+            </a:effectRef>
+            <a:fontRef idx="minor">
+              <a:schemeClr val="lt1"/>
+            </a:fontRef>
+          </p:style>
+        </p:sp>
+        <p:sp>
+          <p:nvSpPr>
+            <p:cNvPr id="28" name="Isosceles Triangle 27"/>
+            <p:cNvSpPr/>
+            <p:nvPr/>
+          </p:nvSpPr>
+          <p:spPr>
+            <a:xfrm>
+              <a:off x="10371666" y="3589867"/>
+              <a:ext cx="1817159" cy="3268133"/>
+            </a:xfrm>
+            <a:prstGeom prst="triangle">
+              <a:avLst>
+                <a:gd name="adj" fmla="val 100000"/>
+              </a:avLst>
+            </a:prstGeom>
+            <a:solidFill>
+              <a:schemeClr val="accent1">
+                <a:alpha val="80000"/>
+              </a:schemeClr>
+            </a:solidFill>
+            <a:ln>
+              <a:noFill/>
+            </a:ln>
+            <a:effectLst/>
+          </p:spPr>
+          <p:style>
+            <a:lnRef idx="1">
+              <a:schemeClr val="accent1"/>
+            </a:lnRef>
+            <a:fillRef idx="3">
+              <a:schemeClr val="accent1"/>
+            </a:fillRef>
+            <a:effectRef idx="2">
+              <a:schemeClr val="accent1"/>
+            </a:effectRef>
+            <a:fontRef idx="minor">
+              <a:schemeClr val="lt1"/>
+            </a:fontRef>
+          </p:style>
+        </p:sp>
+        <p:sp>
+          <p:nvSpPr>
+            <p:cNvPr id="29" name="Isosceles Triangle 28"/>
+            <p:cNvSpPr/>
+            <p:nvPr/>
+          </p:nvSpPr>
+          <p:spPr>
+            <a:xfrm>
+              <a:off x="0" y="4013200"/>
+              <a:ext cx="448733" cy="2844800"/>
+            </a:xfrm>
+            <a:prstGeom prst="triangle">
+              <a:avLst>
+                <a:gd name="adj" fmla="val 0"/>
+              </a:avLst>
+            </a:prstGeom>
+            <a:solidFill>
+              <a:schemeClr val="accent1">
+                <a:alpha val="85000"/>
+              </a:schemeClr>
+            </a:solidFill>
+            <a:ln>
+              <a:noFill/>
+            </a:ln>
+            <a:effectLst/>
+          </p:spPr>
+          <p:style>
+            <a:lnRef idx="1">
+              <a:schemeClr val="accent1"/>
+            </a:lnRef>
+            <a:fillRef idx="3">
+              <a:schemeClr val="accent1"/>
+            </a:fillRef>
+            <a:effectRef idx="2">
+              <a:schemeClr val="accent1"/>
+            </a:effectRef>
+            <a:fontRef idx="minor">
+              <a:schemeClr val="lt1"/>
+            </a:fontRef>
+          </p:style>
+        </p:sp>
+      </p:grpSp>
+      <p:sp>
+        <p:nvSpPr>
+          <p:cNvPr id="2" name="Title Placeholder 1"/>
           <p:cNvSpPr>
             <a:spLocks noGrp="1"/>
           </p:cNvSpPr>
@@ -2817,15 +5205,15 @@
         </p:nvSpPr>
         <p:spPr>
           <a:xfrm>
-            <a:off x="838200" y="365125"/>
-            <a:ext cx="10515600" cy="1325563"/>
+            <a:off x="677334" y="609600"/>
+            <a:ext cx="8596668" cy="1320800"/>
           </a:xfrm>
           <a:prstGeom prst="rect">
             <a:avLst/>
           </a:prstGeom>
         </p:spPr>
         <p:txBody>
-          <a:bodyPr vert="horz" lIns="91440" tIns="45720" rIns="91440" bIns="45720" rtlCol="0" anchor="ctr">
+          <a:bodyPr vert="horz" lIns="91440" tIns="45720" rIns="91440" bIns="45720" rtlCol="0" anchor="t">
             <a:normAutofit/>
           </a:bodyPr>
           <a:lstStyle/>
@@ -2834,19 +5222,13 @@
               <a:rPr lang="en-US"/>
               <a:t>Click to edit Master title style</a:t>
             </a:r>
-            <a:endParaRPr lang="en-AU"/>
-          </a:p>
-        </p:txBody>
-      </p:sp>
-      <p:sp>
-        <p:nvSpPr>
-          <p:cNvPr id="3" name="Text Placeholder 2">
-            <a:extLst>
-              <a:ext uri="{FF2B5EF4-FFF2-40B4-BE49-F238E27FC236}">
-                <a16:creationId xmlns:a16="http://schemas.microsoft.com/office/drawing/2014/main" id="{DB1688C5-8159-B2CE-B952-8FF04E82C158}"/>
-              </a:ext>
-            </a:extLst>
-          </p:cNvPr>
+            <a:endParaRPr lang="en-US" dirty="0"/>
+          </a:p>
+        </p:txBody>
+      </p:sp>
+      <p:sp>
+        <p:nvSpPr>
+          <p:cNvPr id="3" name="Text Placeholder 2"/>
           <p:cNvSpPr>
             <a:spLocks noGrp="1"/>
           </p:cNvSpPr>
@@ -2856,8 +5238,8 @@
         </p:nvSpPr>
         <p:spPr>
           <a:xfrm>
-            <a:off x="838200" y="1825625"/>
-            <a:ext cx="10515600" cy="4351338"/>
+            <a:off x="677334" y="2160589"/>
+            <a:ext cx="8596668" cy="3880773"/>
           </a:xfrm>
           <a:prstGeom prst="rect">
             <a:avLst/>
@@ -2902,19 +5284,13 @@
               <a:rPr lang="en-US"/>
               <a:t>Fifth level</a:t>
             </a:r>
-            <a:endParaRPr lang="en-AU"/>
-          </a:p>
-        </p:txBody>
-      </p:sp>
-      <p:sp>
-        <p:nvSpPr>
-          <p:cNvPr id="4" name="Date Placeholder 3">
-            <a:extLst>
-              <a:ext uri="{FF2B5EF4-FFF2-40B4-BE49-F238E27FC236}">
-                <a16:creationId xmlns:a16="http://schemas.microsoft.com/office/drawing/2014/main" id="{63C75D90-4BCC-3801-5D8C-A276FD1CC1FB}"/>
-              </a:ext>
-            </a:extLst>
-          </p:cNvPr>
+            <a:endParaRPr lang="en-US" dirty="0"/>
+          </a:p>
+        </p:txBody>
+      </p:sp>
+      <p:sp>
+        <p:nvSpPr>
+          <p:cNvPr id="4" name="Date Placeholder 3"/>
           <p:cNvSpPr>
             <a:spLocks noGrp="1"/>
           </p:cNvSpPr>
@@ -2924,8 +5300,8 @@
         </p:nvSpPr>
         <p:spPr>
           <a:xfrm>
-            <a:off x="838200" y="6356350"/>
-            <a:ext cx="2743200" cy="365125"/>
+            <a:off x="7205133" y="6041362"/>
+            <a:ext cx="911939" cy="365125"/>
           </a:xfrm>
           <a:prstGeom prst="rect">
             <a:avLst/>
@@ -2934,8 +5310,8 @@
         <p:txBody>
           <a:bodyPr vert="horz" lIns="91440" tIns="45720" rIns="91440" bIns="45720" rtlCol="0" anchor="ctr"/>
           <a:lstStyle>
-            <a:lvl1pPr algn="l">
-              <a:defRPr sz="1200">
+            <a:lvl1pPr algn="r">
+              <a:defRPr sz="900">
                 <a:solidFill>
                   <a:schemeClr val="tx1">
                     <a:tint val="75000"/>
@@ -2947,7 +5323,7 @@
           <a:p>
             <a:fld id="{AD579C85-AEB8-458A-8F52-6C2E60381BFF}" type="datetimeFigureOut">
               <a:rPr lang="en-AU" smtClean="0"/>
-              <a:t>22/06/2022</a:t>
+              <a:t>23/06/2022</a:t>
             </a:fld>
             <a:endParaRPr lang="en-AU"/>
           </a:p>
@@ -2955,13 +5331,7 @@
       </p:sp>
       <p:sp>
         <p:nvSpPr>
-          <p:cNvPr id="5" name="Footer Placeholder 4">
-            <a:extLst>
-              <a:ext uri="{FF2B5EF4-FFF2-40B4-BE49-F238E27FC236}">
-                <a16:creationId xmlns:a16="http://schemas.microsoft.com/office/drawing/2014/main" id="{E49DC714-6E96-D795-4762-2B3569590B1A}"/>
-              </a:ext>
-            </a:extLst>
-          </p:cNvPr>
+          <p:cNvPr id="5" name="Footer Placeholder 4"/>
           <p:cNvSpPr>
             <a:spLocks noGrp="1"/>
           </p:cNvSpPr>
@@ -2971,8 +5341,8 @@
         </p:nvSpPr>
         <p:spPr>
           <a:xfrm>
-            <a:off x="4038600" y="6356350"/>
-            <a:ext cx="4114800" cy="365125"/>
+            <a:off x="677334" y="6041362"/>
+            <a:ext cx="6297612" cy="365125"/>
           </a:xfrm>
           <a:prstGeom prst="rect">
             <a:avLst/>
@@ -2981,8 +5351,8 @@
         <p:txBody>
           <a:bodyPr vert="horz" lIns="91440" tIns="45720" rIns="91440" bIns="45720" rtlCol="0" anchor="ctr"/>
           <a:lstStyle>
-            <a:lvl1pPr algn="ctr">
-              <a:defRPr sz="1200">
+            <a:lvl1pPr algn="l">
+              <a:defRPr sz="900">
                 <a:solidFill>
                   <a:schemeClr val="tx1">
                     <a:tint val="75000"/>
@@ -2998,13 +5368,7 @@
       </p:sp>
       <p:sp>
         <p:nvSpPr>
-          <p:cNvPr id="6" name="Slide Number Placeholder 5">
-            <a:extLst>
-              <a:ext uri="{FF2B5EF4-FFF2-40B4-BE49-F238E27FC236}">
-                <a16:creationId xmlns:a16="http://schemas.microsoft.com/office/drawing/2014/main" id="{31F31091-3D34-8F1D-97A6-71F4EC972A7E}"/>
-              </a:ext>
-            </a:extLst>
-          </p:cNvPr>
+          <p:cNvPr id="6" name="Slide Number Placeholder 5"/>
           <p:cNvSpPr>
             <a:spLocks noGrp="1"/>
           </p:cNvSpPr>
@@ -3014,8 +5378,8 @@
         </p:nvSpPr>
         <p:spPr>
           <a:xfrm>
-            <a:off x="8610600" y="6356350"/>
-            <a:ext cx="2743200" cy="365125"/>
+            <a:off x="8590663" y="6041362"/>
+            <a:ext cx="683339" cy="365125"/>
           </a:xfrm>
           <a:prstGeom prst="rect">
             <a:avLst/>
@@ -3025,11 +5389,9 @@
           <a:bodyPr vert="horz" lIns="91440" tIns="45720" rIns="91440" bIns="45720" rtlCol="0" anchor="ctr"/>
           <a:lstStyle>
             <a:lvl1pPr algn="r">
-              <a:defRPr sz="1200">
+              <a:defRPr sz="900">
                 <a:solidFill>
-                  <a:schemeClr val="tx1">
-                    <a:tint val="75000"/>
-                  </a:schemeClr>
+                  <a:schemeClr val="accent1"/>
                 </a:solidFill>
               </a:defRPr>
             </a:lvl1pPr>
@@ -3046,201 +5408,322 @@
     </p:spTree>
     <p:extLst>
       <p:ext uri="{BB962C8B-B14F-4D97-AF65-F5344CB8AC3E}">
-        <p14:creationId xmlns:p14="http://schemas.microsoft.com/office/powerpoint/2010/main" val="1743458849"/>
+        <p14:creationId xmlns:p14="http://schemas.microsoft.com/office/powerpoint/2010/main" val="1144963932"/>
       </p:ext>
     </p:extLst>
   </p:cSld>
   <p:clrMap bg1="lt1" tx1="dk1" bg2="lt2" tx2="dk2" accent1="accent1" accent2="accent2" accent3="accent3" accent4="accent4" accent5="accent5" accent6="accent6" hlink="hlink" folHlink="folHlink"/>
   <p:sldLayoutIdLst>
-    <p:sldLayoutId id="2147483649" r:id="rId1"/>
-    <p:sldLayoutId id="2147483650" r:id="rId2"/>
-    <p:sldLayoutId id="2147483651" r:id="rId3"/>
-    <p:sldLayoutId id="2147483652" r:id="rId4"/>
-    <p:sldLayoutId id="2147483653" r:id="rId5"/>
-    <p:sldLayoutId id="2147483654" r:id="rId6"/>
-    <p:sldLayoutId id="2147483655" r:id="rId7"/>
-    <p:sldLayoutId id="2147483656" r:id="rId8"/>
-    <p:sldLayoutId id="2147483657" r:id="rId9"/>
-    <p:sldLayoutId id="2147483658" r:id="rId10"/>
-    <p:sldLayoutId id="2147483659" r:id="rId11"/>
+    <p:sldLayoutId id="2147483714" r:id="rId1"/>
+    <p:sldLayoutId id="2147483715" r:id="rId2"/>
+    <p:sldLayoutId id="2147483716" r:id="rId3"/>
+    <p:sldLayoutId id="2147483717" r:id="rId4"/>
+    <p:sldLayoutId id="2147483718" r:id="rId5"/>
+    <p:sldLayoutId id="2147483719" r:id="rId6"/>
+    <p:sldLayoutId id="2147483720" r:id="rId7"/>
+    <p:sldLayoutId id="2147483721" r:id="rId8"/>
+    <p:sldLayoutId id="2147483722" r:id="rId9"/>
+    <p:sldLayoutId id="2147483723" r:id="rId10"/>
+    <p:sldLayoutId id="2147483724" r:id="rId11"/>
+    <p:sldLayoutId id="2147483725" r:id="rId12"/>
+    <p:sldLayoutId id="2147483726" r:id="rId13"/>
+    <p:sldLayoutId id="2147483727" r:id="rId14"/>
+    <p:sldLayoutId id="2147483728" r:id="rId15"/>
+    <p:sldLayoutId id="2147483729" r:id="rId16"/>
   </p:sldLayoutIdLst>
   <p:txStyles>
     <p:titleStyle>
-      <a:lvl1pPr algn="l" defTabSz="914400" rtl="0" eaLnBrk="1" latinLnBrk="0" hangingPunct="1">
-        <a:lnSpc>
-          <a:spcPct val="90000"/>
-        </a:lnSpc>
+      <a:lvl1pPr algn="l" defTabSz="457200" rtl="0" eaLnBrk="1" latinLnBrk="0" hangingPunct="1">
         <a:spcBef>
           <a:spcPct val="0"/>
         </a:spcBef>
         <a:buNone/>
-        <a:defRPr sz="4400" kern="1200">
+        <a:defRPr sz="3600" kern="1200">
           <a:solidFill>
-            <a:schemeClr val="tx1"/>
+            <a:schemeClr val="accent1"/>
           </a:solidFill>
           <a:latin typeface="+mj-lt"/>
           <a:ea typeface="+mj-ea"/>
           <a:cs typeface="+mj-cs"/>
         </a:defRPr>
       </a:lvl1pPr>
+      <a:lvl2pPr eaLnBrk="1" hangingPunct="1">
+        <a:defRPr>
+          <a:solidFill>
+            <a:schemeClr val="tx2"/>
+          </a:solidFill>
+        </a:defRPr>
+      </a:lvl2pPr>
+      <a:lvl3pPr eaLnBrk="1" hangingPunct="1">
+        <a:defRPr>
+          <a:solidFill>
+            <a:schemeClr val="tx2"/>
+          </a:solidFill>
+        </a:defRPr>
+      </a:lvl3pPr>
+      <a:lvl4pPr eaLnBrk="1" hangingPunct="1">
+        <a:defRPr>
+          <a:solidFill>
+            <a:schemeClr val="tx2"/>
+          </a:solidFill>
+        </a:defRPr>
+      </a:lvl4pPr>
+      <a:lvl5pPr eaLnBrk="1" hangingPunct="1">
+        <a:defRPr>
+          <a:solidFill>
+            <a:schemeClr val="tx2"/>
+          </a:solidFill>
+        </a:defRPr>
+      </a:lvl5pPr>
+      <a:lvl6pPr eaLnBrk="1" hangingPunct="1">
+        <a:defRPr>
+          <a:solidFill>
+            <a:schemeClr val="tx2"/>
+          </a:solidFill>
+        </a:defRPr>
+      </a:lvl6pPr>
+      <a:lvl7pPr eaLnBrk="1" hangingPunct="1">
+        <a:defRPr>
+          <a:solidFill>
+            <a:schemeClr val="tx2"/>
+          </a:solidFill>
+        </a:defRPr>
+      </a:lvl7pPr>
+      <a:lvl8pPr eaLnBrk="1" hangingPunct="1">
+        <a:defRPr>
+          <a:solidFill>
+            <a:schemeClr val="tx2"/>
+          </a:solidFill>
+        </a:defRPr>
+      </a:lvl8pPr>
+      <a:lvl9pPr eaLnBrk="1" hangingPunct="1">
+        <a:defRPr>
+          <a:solidFill>
+            <a:schemeClr val="tx2"/>
+          </a:solidFill>
+        </a:defRPr>
+      </a:lvl9pPr>
     </p:titleStyle>
     <p:bodyStyle>
-      <a:lvl1pPr marL="228600" indent="-228600" algn="l" defTabSz="914400" rtl="0" eaLnBrk="1" latinLnBrk="0" hangingPunct="1">
-        <a:lnSpc>
-          <a:spcPct val="90000"/>
-        </a:lnSpc>
+      <a:lvl1pPr marL="342900" indent="-342900" algn="l" defTabSz="457200" rtl="0" eaLnBrk="1" latinLnBrk="0" hangingPunct="1">
         <a:spcBef>
           <a:spcPts val="1000"/>
         </a:spcBef>
-        <a:buFont typeface="Arial" panose="020B0604020202020204" pitchFamily="34" charset="0"/>
-        <a:buChar char="•"/>
-        <a:defRPr sz="2800" kern="1200">
+        <a:spcAft>
+          <a:spcPts val="0"/>
+        </a:spcAft>
+        <a:buClr>
+          <a:schemeClr val="accent1"/>
+        </a:buClr>
+        <a:buSzPct val="80000"/>
+        <a:buFont typeface="Wingdings 3" charset="2"/>
+        <a:buChar char=""/>
+        <a:defRPr sz="1800" kern="1200">
           <a:solidFill>
-            <a:schemeClr val="tx1"/>
+            <a:schemeClr val="tx1">
+              <a:lumMod val="75000"/>
+              <a:lumOff val="25000"/>
+            </a:schemeClr>
           </a:solidFill>
           <a:latin typeface="+mn-lt"/>
           <a:ea typeface="+mn-ea"/>
           <a:cs typeface="+mn-cs"/>
         </a:defRPr>
       </a:lvl1pPr>
-      <a:lvl2pPr marL="685800" indent="-228600" algn="l" defTabSz="914400" rtl="0" eaLnBrk="1" latinLnBrk="0" hangingPunct="1">
-        <a:lnSpc>
-          <a:spcPct val="90000"/>
-        </a:lnSpc>
+      <a:lvl2pPr marL="742950" indent="-285750" algn="l" defTabSz="457200" rtl="0" eaLnBrk="1" latinLnBrk="0" hangingPunct="1">
         <a:spcBef>
-          <a:spcPts val="500"/>
+          <a:spcPts val="1000"/>
         </a:spcBef>
-        <a:buFont typeface="Arial" panose="020B0604020202020204" pitchFamily="34" charset="0"/>
-        <a:buChar char="•"/>
-        <a:defRPr sz="2400" kern="1200">
+        <a:spcAft>
+          <a:spcPts val="0"/>
+        </a:spcAft>
+        <a:buClr>
+          <a:schemeClr val="accent1"/>
+        </a:buClr>
+        <a:buSzPct val="80000"/>
+        <a:buFont typeface="Wingdings 3" charset="2"/>
+        <a:buChar char=""/>
+        <a:defRPr sz="1600" kern="1200">
           <a:solidFill>
-            <a:schemeClr val="tx1"/>
+            <a:schemeClr val="tx1">
+              <a:lumMod val="75000"/>
+              <a:lumOff val="25000"/>
+            </a:schemeClr>
           </a:solidFill>
           <a:latin typeface="+mn-lt"/>
           <a:ea typeface="+mn-ea"/>
           <a:cs typeface="+mn-cs"/>
         </a:defRPr>
       </a:lvl2pPr>
-      <a:lvl3pPr marL="1143000" indent="-228600" algn="l" defTabSz="914400" rtl="0" eaLnBrk="1" latinLnBrk="0" hangingPunct="1">
-        <a:lnSpc>
-          <a:spcPct val="90000"/>
-        </a:lnSpc>
+      <a:lvl3pPr marL="1143000" indent="-228600" algn="l" defTabSz="457200" rtl="0" eaLnBrk="1" latinLnBrk="0" hangingPunct="1">
         <a:spcBef>
-          <a:spcPts val="500"/>
+          <a:spcPts val="1000"/>
         </a:spcBef>
-        <a:buFont typeface="Arial" panose="020B0604020202020204" pitchFamily="34" charset="0"/>
-        <a:buChar char="•"/>
-        <a:defRPr sz="2000" kern="1200">
+        <a:spcAft>
+          <a:spcPts val="0"/>
+        </a:spcAft>
+        <a:buClr>
+          <a:schemeClr val="accent1"/>
+        </a:buClr>
+        <a:buSzPct val="80000"/>
+        <a:buFont typeface="Wingdings 3" charset="2"/>
+        <a:buChar char=""/>
+        <a:defRPr sz="1400" kern="1200">
           <a:solidFill>
-            <a:schemeClr val="tx1"/>
+            <a:schemeClr val="tx1">
+              <a:lumMod val="75000"/>
+              <a:lumOff val="25000"/>
+            </a:schemeClr>
           </a:solidFill>
           <a:latin typeface="+mn-lt"/>
           <a:ea typeface="+mn-ea"/>
           <a:cs typeface="+mn-cs"/>
         </a:defRPr>
       </a:lvl3pPr>
-      <a:lvl4pPr marL="1600200" indent="-228600" algn="l" defTabSz="914400" rtl="0" eaLnBrk="1" latinLnBrk="0" hangingPunct="1">
-        <a:lnSpc>
-          <a:spcPct val="90000"/>
-        </a:lnSpc>
+      <a:lvl4pPr marL="1600200" indent="-228600" algn="l" defTabSz="457200" rtl="0" eaLnBrk="1" latinLnBrk="0" hangingPunct="1">
         <a:spcBef>
-          <a:spcPts val="500"/>
+          <a:spcPts val="1000"/>
         </a:spcBef>
-        <a:buFont typeface="Arial" panose="020B0604020202020204" pitchFamily="34" charset="0"/>
-        <a:buChar char="•"/>
-        <a:defRPr sz="1800" kern="1200">
+        <a:spcAft>
+          <a:spcPts val="0"/>
+        </a:spcAft>
+        <a:buClr>
+          <a:schemeClr val="accent1"/>
+        </a:buClr>
+        <a:buSzPct val="80000"/>
+        <a:buFont typeface="Wingdings 3" charset="2"/>
+        <a:buChar char=""/>
+        <a:defRPr sz="1200" kern="1200">
           <a:solidFill>
-            <a:schemeClr val="tx1"/>
+            <a:schemeClr val="tx1">
+              <a:lumMod val="75000"/>
+              <a:lumOff val="25000"/>
+            </a:schemeClr>
           </a:solidFill>
           <a:latin typeface="+mn-lt"/>
           <a:ea typeface="+mn-ea"/>
           <a:cs typeface="+mn-cs"/>
         </a:defRPr>
       </a:lvl4pPr>
-      <a:lvl5pPr marL="2057400" indent="-228600" algn="l" defTabSz="914400" rtl="0" eaLnBrk="1" latinLnBrk="0" hangingPunct="1">
-        <a:lnSpc>
-          <a:spcPct val="90000"/>
-        </a:lnSpc>
+      <a:lvl5pPr marL="2057400" indent="-228600" algn="l" defTabSz="457200" rtl="0" eaLnBrk="1" latinLnBrk="0" hangingPunct="1">
         <a:spcBef>
-          <a:spcPts val="500"/>
+          <a:spcPts val="1000"/>
         </a:spcBef>
-        <a:buFont typeface="Arial" panose="020B0604020202020204" pitchFamily="34" charset="0"/>
-        <a:buChar char="•"/>
-        <a:defRPr sz="1800" kern="1200">
+        <a:spcAft>
+          <a:spcPts val="0"/>
+        </a:spcAft>
+        <a:buClr>
+          <a:schemeClr val="accent1"/>
+        </a:buClr>
+        <a:buSzPct val="80000"/>
+        <a:buFont typeface="Wingdings 3" charset="2"/>
+        <a:buChar char=""/>
+        <a:defRPr sz="1200" kern="1200">
           <a:solidFill>
-            <a:schemeClr val="tx1"/>
+            <a:schemeClr val="tx1">
+              <a:lumMod val="75000"/>
+              <a:lumOff val="25000"/>
+            </a:schemeClr>
           </a:solidFill>
           <a:latin typeface="+mn-lt"/>
           <a:ea typeface="+mn-ea"/>
           <a:cs typeface="+mn-cs"/>
         </a:defRPr>
       </a:lvl5pPr>
-      <a:lvl6pPr marL="2514600" indent="-228600" algn="l" defTabSz="914400" rtl="0" eaLnBrk="1" latinLnBrk="0" hangingPunct="1">
-        <a:lnSpc>
-          <a:spcPct val="90000"/>
-        </a:lnSpc>
+      <a:lvl6pPr marL="2514600" indent="-228600" algn="l" defTabSz="457200" rtl="0" eaLnBrk="1" latinLnBrk="0" hangingPunct="1">
         <a:spcBef>
-          <a:spcPts val="500"/>
+          <a:spcPts val="1000"/>
         </a:spcBef>
-        <a:buFont typeface="Arial" panose="020B0604020202020204" pitchFamily="34" charset="0"/>
-        <a:buChar char="•"/>
-        <a:defRPr sz="1800" kern="1200">
+        <a:spcAft>
+          <a:spcPts val="0"/>
+        </a:spcAft>
+        <a:buClr>
+          <a:schemeClr val="accent1"/>
+        </a:buClr>
+        <a:buSzPct val="80000"/>
+        <a:buFont typeface="Wingdings 3" charset="2"/>
+        <a:buChar char=""/>
+        <a:defRPr sz="1200" kern="1200">
           <a:solidFill>
-            <a:schemeClr val="tx1"/>
+            <a:schemeClr val="tx1">
+              <a:lumMod val="75000"/>
+              <a:lumOff val="25000"/>
+            </a:schemeClr>
           </a:solidFill>
           <a:latin typeface="+mn-lt"/>
           <a:ea typeface="+mn-ea"/>
           <a:cs typeface="+mn-cs"/>
         </a:defRPr>
       </a:lvl6pPr>
-      <a:lvl7pPr marL="2971800" indent="-228600" algn="l" defTabSz="914400" rtl="0" eaLnBrk="1" latinLnBrk="0" hangingPunct="1">
-        <a:lnSpc>
-          <a:spcPct val="90000"/>
-        </a:lnSpc>
+      <a:lvl7pPr marL="2971800" indent="-228600" algn="l" defTabSz="457200" rtl="0" eaLnBrk="1" latinLnBrk="0" hangingPunct="1">
         <a:spcBef>
-          <a:spcPts val="500"/>
+          <a:spcPts val="1000"/>
         </a:spcBef>
-        <a:buFont typeface="Arial" panose="020B0604020202020204" pitchFamily="34" charset="0"/>
-        <a:buChar char="•"/>
-        <a:defRPr sz="1800" kern="1200">
+        <a:spcAft>
+          <a:spcPts val="0"/>
+        </a:spcAft>
+        <a:buClr>
+          <a:schemeClr val="accent1"/>
+        </a:buClr>
+        <a:buSzPct val="80000"/>
+        <a:buFont typeface="Wingdings 3" charset="2"/>
+        <a:buChar char=""/>
+        <a:defRPr sz="1200" kern="1200">
           <a:solidFill>
-            <a:schemeClr val="tx1"/>
+            <a:schemeClr val="tx1">
+              <a:lumMod val="75000"/>
+              <a:lumOff val="25000"/>
+            </a:schemeClr>
           </a:solidFill>
           <a:latin typeface="+mn-lt"/>
           <a:ea typeface="+mn-ea"/>
           <a:cs typeface="+mn-cs"/>
         </a:defRPr>
       </a:lvl7pPr>
-      <a:lvl8pPr marL="3429000" indent="-228600" algn="l" defTabSz="914400" rtl="0" eaLnBrk="1" latinLnBrk="0" hangingPunct="1">
-        <a:lnSpc>
-          <a:spcPct val="90000"/>
-        </a:lnSpc>
+      <a:lvl8pPr marL="3429000" indent="-228600" algn="l" defTabSz="457200" rtl="0" eaLnBrk="1" latinLnBrk="0" hangingPunct="1">
         <a:spcBef>
-          <a:spcPts val="500"/>
+          <a:spcPts val="1000"/>
         </a:spcBef>
-        <a:buFont typeface="Arial" panose="020B0604020202020204" pitchFamily="34" charset="0"/>
-        <a:buChar char="•"/>
-        <a:defRPr sz="1800" kern="1200">
+        <a:spcAft>
+          <a:spcPts val="0"/>
+        </a:spcAft>
+        <a:buClr>
+          <a:schemeClr val="accent1"/>
+        </a:buClr>
+        <a:buSzPct val="80000"/>
+        <a:buFont typeface="Wingdings 3" charset="2"/>
+        <a:buChar char=""/>
+        <a:defRPr sz="1200" kern="1200">
           <a:solidFill>
-            <a:schemeClr val="tx1"/>
+            <a:schemeClr val="tx1">
+              <a:lumMod val="75000"/>
+              <a:lumOff val="25000"/>
+            </a:schemeClr>
           </a:solidFill>
           <a:latin typeface="+mn-lt"/>
           <a:ea typeface="+mn-ea"/>
           <a:cs typeface="+mn-cs"/>
         </a:defRPr>
       </a:lvl8pPr>
-      <a:lvl9pPr marL="3886200" indent="-228600" algn="l" defTabSz="914400" rtl="0" eaLnBrk="1" latinLnBrk="0" hangingPunct="1">
-        <a:lnSpc>
-          <a:spcPct val="90000"/>
-        </a:lnSpc>
+      <a:lvl9pPr marL="3886200" indent="-228600" algn="l" defTabSz="457200" rtl="0" eaLnBrk="1" latinLnBrk="0" hangingPunct="1">
         <a:spcBef>
-          <a:spcPts val="500"/>
+          <a:spcPts val="1000"/>
         </a:spcBef>
-        <a:buFont typeface="Arial" panose="020B0604020202020204" pitchFamily="34" charset="0"/>
-        <a:buChar char="•"/>
-        <a:defRPr sz="1800" kern="1200">
+        <a:spcAft>
+          <a:spcPts val="0"/>
+        </a:spcAft>
+        <a:buClr>
+          <a:schemeClr val="accent1"/>
+        </a:buClr>
+        <a:buSzPct val="80000"/>
+        <a:buFont typeface="Wingdings 3" charset="2"/>
+        <a:buChar char=""/>
+        <a:defRPr sz="1200" kern="1200">
           <a:solidFill>
-            <a:schemeClr val="tx1"/>
+            <a:schemeClr val="tx1">
+              <a:lumMod val="75000"/>
+              <a:lumOff val="25000"/>
+            </a:schemeClr>
           </a:solidFill>
           <a:latin typeface="+mn-lt"/>
           <a:ea typeface="+mn-ea"/>
@@ -3252,7 +5735,7 @@
       <a:defPPr>
         <a:defRPr lang="en-US"/>
       </a:defPPr>
-      <a:lvl1pPr marL="0" algn="l" defTabSz="914400" rtl="0" eaLnBrk="1" latinLnBrk="0" hangingPunct="1">
+      <a:lvl1pPr marL="0" algn="l" defTabSz="457200" rtl="0" eaLnBrk="1" latinLnBrk="0" hangingPunct="1">
         <a:defRPr sz="1800" kern="1200">
           <a:solidFill>
             <a:schemeClr val="tx1"/>
@@ -3262,7 +5745,7 @@
           <a:cs typeface="+mn-cs"/>
         </a:defRPr>
       </a:lvl1pPr>
-      <a:lvl2pPr marL="457200" algn="l" defTabSz="914400" rtl="0" eaLnBrk="1" latinLnBrk="0" hangingPunct="1">
+      <a:lvl2pPr marL="457200" algn="l" defTabSz="457200" rtl="0" eaLnBrk="1" latinLnBrk="0" hangingPunct="1">
         <a:defRPr sz="1800" kern="1200">
           <a:solidFill>
             <a:schemeClr val="tx1"/>
@@ -3272,7 +5755,7 @@
           <a:cs typeface="+mn-cs"/>
         </a:defRPr>
       </a:lvl2pPr>
-      <a:lvl3pPr marL="914400" algn="l" defTabSz="914400" rtl="0" eaLnBrk="1" latinLnBrk="0" hangingPunct="1">
+      <a:lvl3pPr marL="914400" algn="l" defTabSz="457200" rtl="0" eaLnBrk="1" latinLnBrk="0" hangingPunct="1">
         <a:defRPr sz="1800" kern="1200">
           <a:solidFill>
             <a:schemeClr val="tx1"/>
@@ -3282,7 +5765,7 @@
           <a:cs typeface="+mn-cs"/>
         </a:defRPr>
       </a:lvl3pPr>
-      <a:lvl4pPr marL="1371600" algn="l" defTabSz="914400" rtl="0" eaLnBrk="1" latinLnBrk="0" hangingPunct="1">
+      <a:lvl4pPr marL="1371600" algn="l" defTabSz="457200" rtl="0" eaLnBrk="1" latinLnBrk="0" hangingPunct="1">
         <a:defRPr sz="1800" kern="1200">
           <a:solidFill>
             <a:schemeClr val="tx1"/>
@@ -3292,7 +5775,7 @@
           <a:cs typeface="+mn-cs"/>
         </a:defRPr>
       </a:lvl4pPr>
-      <a:lvl5pPr marL="1828800" algn="l" defTabSz="914400" rtl="0" eaLnBrk="1" latinLnBrk="0" hangingPunct="1">
+      <a:lvl5pPr marL="1828800" algn="l" defTabSz="457200" rtl="0" eaLnBrk="1" latinLnBrk="0" hangingPunct="1">
         <a:defRPr sz="1800" kern="1200">
           <a:solidFill>
             <a:schemeClr val="tx1"/>
@@ -3302,7 +5785,7 @@
           <a:cs typeface="+mn-cs"/>
         </a:defRPr>
       </a:lvl5pPr>
-      <a:lvl6pPr marL="2286000" algn="l" defTabSz="914400" rtl="0" eaLnBrk="1" latinLnBrk="0" hangingPunct="1">
+      <a:lvl6pPr marL="2286000" algn="l" defTabSz="457200" rtl="0" eaLnBrk="1" latinLnBrk="0" hangingPunct="1">
         <a:defRPr sz="1800" kern="1200">
           <a:solidFill>
             <a:schemeClr val="tx1"/>
@@ -3312,7 +5795,7 @@
           <a:cs typeface="+mn-cs"/>
         </a:defRPr>
       </a:lvl6pPr>
-      <a:lvl7pPr marL="2743200" algn="l" defTabSz="914400" rtl="0" eaLnBrk="1" latinLnBrk="0" hangingPunct="1">
+      <a:lvl7pPr marL="2743200" algn="l" defTabSz="457200" rtl="0" eaLnBrk="1" latinLnBrk="0" hangingPunct="1">
         <a:defRPr sz="1800" kern="1200">
           <a:solidFill>
             <a:schemeClr val="tx1"/>
@@ -3322,7 +5805,7 @@
           <a:cs typeface="+mn-cs"/>
         </a:defRPr>
       </a:lvl7pPr>
-      <a:lvl8pPr marL="3200400" algn="l" defTabSz="914400" rtl="0" eaLnBrk="1" latinLnBrk="0" hangingPunct="1">
+      <a:lvl8pPr marL="3200400" algn="l" defTabSz="457200" rtl="0" eaLnBrk="1" latinLnBrk="0" hangingPunct="1">
         <a:defRPr sz="1800" kern="1200">
           <a:solidFill>
             <a:schemeClr val="tx1"/>
@@ -3332,7 +5815,7 @@
           <a:cs typeface="+mn-cs"/>
         </a:defRPr>
       </a:lvl8pPr>
-      <a:lvl9pPr marL="3657600" algn="l" defTabSz="914400" rtl="0" eaLnBrk="1" latinLnBrk="0" hangingPunct="1">
+      <a:lvl9pPr marL="3657600" algn="l" defTabSz="457200" rtl="0" eaLnBrk="1" latinLnBrk="0" hangingPunct="1">
         <a:defRPr sz="1800" kern="1200">
           <a:solidFill>
             <a:schemeClr val="tx1"/>
@@ -3382,8 +5865,8 @@
         </p:nvSpPr>
         <p:spPr>
           <a:xfrm>
-            <a:off x="1524000" y="1122363"/>
-            <a:ext cx="8110194" cy="1177777"/>
+            <a:off x="3101047" y="848043"/>
+            <a:ext cx="5504154" cy="1177777"/>
           </a:xfrm>
         </p:spPr>
         <p:txBody>
@@ -3430,10 +5913,10 @@
       </p:sp>
       <p:pic>
         <p:nvPicPr>
-          <p:cNvPr id="5" name="Picture 4">
+          <p:cNvPr id="4" name="Picture 3">
             <a:extLst>
               <a:ext uri="{FF2B5EF4-FFF2-40B4-BE49-F238E27FC236}">
-                <a16:creationId xmlns:a16="http://schemas.microsoft.com/office/drawing/2014/main" id="{03B86C04-D10D-EF87-54D8-8E0CBCDCD281}"/>
+                <a16:creationId xmlns:a16="http://schemas.microsoft.com/office/drawing/2014/main" id="{717CE075-1C12-BCF8-BDCF-AD296B6A380F}"/>
               </a:ext>
             </a:extLst>
           </p:cNvPr>
@@ -3450,8 +5933,8 @@
         </p:blipFill>
         <p:spPr>
           <a:xfrm>
-            <a:off x="3401548" y="2578879"/>
-            <a:ext cx="4384993" cy="2455596"/>
+            <a:off x="3710656" y="2193000"/>
+            <a:ext cx="4770688" cy="3011081"/>
           </a:xfrm>
           <a:prstGeom prst="rect">
             <a:avLst/>
@@ -3553,7 +6036,7 @@
         </p:blipFill>
         <p:spPr>
           <a:xfrm>
-            <a:off x="1507958" y="1392488"/>
+            <a:off x="838200" y="1089881"/>
             <a:ext cx="8576768" cy="4678238"/>
           </a:xfrm>
         </p:spPr>
@@ -3606,8 +6089,8 @@
         </p:nvSpPr>
         <p:spPr>
           <a:xfrm>
-            <a:off x="838200" y="365125"/>
-            <a:ext cx="4823826" cy="1325563"/>
+            <a:off x="1035971" y="619473"/>
+            <a:ext cx="4823826" cy="754753"/>
           </a:xfrm>
         </p:spPr>
         <p:txBody>
@@ -3620,45 +6103,6 @@
               <a:rPr lang="en-AU" sz="3000" dirty="0"/>
               <a:t>What are these planes?</a:t>
             </a:r>
-          </a:p>
-        </p:txBody>
-      </p:sp>
-      <p:sp>
-        <p:nvSpPr>
-          <p:cNvPr id="4" name="Content Placeholder 3">
-            <a:extLst>
-              <a:ext uri="{FF2B5EF4-FFF2-40B4-BE49-F238E27FC236}">
-                <a16:creationId xmlns:a16="http://schemas.microsoft.com/office/drawing/2014/main" id="{25FB192F-632E-02C4-1117-AEA37FC43A87}"/>
-              </a:ext>
-            </a:extLst>
-          </p:cNvPr>
-          <p:cNvSpPr>
-            <a:spLocks noGrp="1"/>
-          </p:cNvSpPr>
-          <p:nvPr>
-            <p:ph sz="half" idx="2"/>
-          </p:nvPr>
-        </p:nvSpPr>
-        <p:spPr>
-          <a:xfrm>
-            <a:off x="376205" y="4114594"/>
-            <a:ext cx="2658978" cy="623219"/>
-          </a:xfrm>
-        </p:spPr>
-        <p:txBody>
-          <a:bodyPr>
-            <a:normAutofit fontScale="55000" lnSpcReduction="20000"/>
-          </a:bodyPr>
-          <a:lstStyle/>
-          <a:p>
-            <a:r>
-              <a:rPr lang="en-AU" b="0" i="0" dirty="0">
-                <a:effectLst/>
-                <a:latin typeface="Consolas" panose="020B0609020204030204" pitchFamily="49" charset="0"/>
-              </a:rPr>
-              <a:t>De Havilland Canada DHC-6 Twin Otter 300</a:t>
-            </a:r>
-            <a:endParaRPr lang="en-AU" dirty="0"/>
           </a:p>
         </p:txBody>
       </p:sp>
@@ -3686,7 +6130,7 @@
         </p:blipFill>
         <p:spPr>
           <a:xfrm>
-            <a:off x="522992" y="2286511"/>
+            <a:off x="284466" y="1571000"/>
             <a:ext cx="2542052" cy="1738315"/>
           </a:xfrm>
           <a:prstGeom prst="rect">
@@ -3694,6 +6138,45 @@
           </a:prstGeom>
         </p:spPr>
       </p:pic>
+      <p:sp>
+        <p:nvSpPr>
+          <p:cNvPr id="4" name="Content Placeholder 3">
+            <a:extLst>
+              <a:ext uri="{FF2B5EF4-FFF2-40B4-BE49-F238E27FC236}">
+                <a16:creationId xmlns:a16="http://schemas.microsoft.com/office/drawing/2014/main" id="{25FB192F-632E-02C4-1117-AEA37FC43A87}"/>
+              </a:ext>
+            </a:extLst>
+          </p:cNvPr>
+          <p:cNvSpPr>
+            <a:spLocks noGrp="1"/>
+          </p:cNvSpPr>
+          <p:nvPr>
+            <p:ph sz="half" idx="2"/>
+          </p:nvPr>
+        </p:nvSpPr>
+        <p:spPr>
+          <a:xfrm>
+            <a:off x="-1" y="3460475"/>
+            <a:ext cx="2876173" cy="623219"/>
+          </a:xfrm>
+        </p:spPr>
+        <p:txBody>
+          <a:bodyPr>
+            <a:noAutofit/>
+          </a:bodyPr>
+          <a:lstStyle/>
+          <a:p>
+            <a:r>
+              <a:rPr lang="en-AU" sz="1600" b="0" i="0" dirty="0">
+                <a:effectLst/>
+                <a:latin typeface="Consolas" panose="020B0609020204030204" pitchFamily="49" charset="0"/>
+              </a:rPr>
+              <a:t>De Havilland Canada DHC-6 Twin Otter 300</a:t>
+            </a:r>
+            <a:endParaRPr lang="en-AU" sz="1600" dirty="0"/>
+          </a:p>
+        </p:txBody>
+      </p:sp>
       <p:pic>
         <p:nvPicPr>
           <p:cNvPr id="8" name="Picture 7">
@@ -3716,8 +6199,8 @@
         </p:blipFill>
         <p:spPr>
           <a:xfrm>
-            <a:off x="3196109" y="2325158"/>
-            <a:ext cx="2768826" cy="1699668"/>
+            <a:off x="2965340" y="1571000"/>
+            <a:ext cx="2800304" cy="1718991"/>
           </a:xfrm>
           <a:prstGeom prst="rect">
             <a:avLst/>
@@ -3738,8 +6221,8 @@
         </p:nvSpPr>
         <p:spPr>
           <a:xfrm>
-            <a:off x="3250113" y="4114594"/>
-            <a:ext cx="2771275" cy="369332"/>
+            <a:off x="2876173" y="3460475"/>
+            <a:ext cx="2771275" cy="338554"/>
           </a:xfrm>
           <a:prstGeom prst="rect">
             <a:avLst/>
@@ -3753,13 +6236,13 @@
           <a:lstStyle/>
           <a:p>
             <a:r>
-              <a:rPr lang="en-AU" b="0" i="0" dirty="0">
+              <a:rPr lang="en-AU" sz="1600" b="0" i="0" dirty="0">
                 <a:effectLst/>
                 <a:latin typeface="Consolas" panose="020B0609020204030204" pitchFamily="49" charset="0"/>
               </a:rPr>
               <a:t>Yakovlev YAK-40</a:t>
             </a:r>
-            <a:endParaRPr lang="en-AU" dirty="0"/>
+            <a:endParaRPr lang="en-AU" sz="1600" dirty="0"/>
           </a:p>
         </p:txBody>
       </p:sp>
@@ -3785,7 +6268,7 @@
         </p:blipFill>
         <p:spPr>
           <a:xfrm>
-            <a:off x="6068648" y="2317271"/>
+            <a:off x="154877" y="4312207"/>
             <a:ext cx="2665820" cy="1718991"/>
           </a:xfrm>
           <a:prstGeom prst="rect">
@@ -3807,8 +6290,8 @@
         </p:nvSpPr>
         <p:spPr>
           <a:xfrm>
-            <a:off x="5987786" y="4114594"/>
-            <a:ext cx="2987702" cy="369332"/>
+            <a:off x="460182" y="6154149"/>
+            <a:ext cx="2987702" cy="338554"/>
           </a:xfrm>
           <a:prstGeom prst="rect">
             <a:avLst/>
@@ -3822,7 +6305,7 @@
           <a:lstStyle/>
           <a:p>
             <a:r>
-              <a:rPr lang="en-AU" dirty="0"/>
+              <a:rPr lang="en-AU" sz="1600" dirty="0"/>
               <a:t>Antonov AN-26</a:t>
             </a:r>
           </a:p>
@@ -3850,7 +6333,7 @@
         </p:blipFill>
         <p:spPr>
           <a:xfrm>
-            <a:off x="8838181" y="2321726"/>
+            <a:off x="2969382" y="4321409"/>
             <a:ext cx="2777592" cy="1714536"/>
           </a:xfrm>
           <a:prstGeom prst="rect">
@@ -3872,8 +6355,8 @@
         </p:nvSpPr>
         <p:spPr>
           <a:xfrm>
-            <a:off x="9156817" y="4132190"/>
-            <a:ext cx="2658978" cy="369332"/>
+            <a:off x="3309097" y="6154149"/>
+            <a:ext cx="2055854" cy="338554"/>
           </a:xfrm>
           <a:prstGeom prst="rect">
             <a:avLst/>
@@ -3887,7 +6370,7 @@
           <a:lstStyle/>
           <a:p>
             <a:r>
-              <a:rPr lang="en-AU" dirty="0"/>
+              <a:rPr lang="en-AU" sz="1600" dirty="0"/>
               <a:t>Let 410UVP </a:t>
             </a:r>
           </a:p>
@@ -3915,8 +6398,8 @@
         </p:blipFill>
         <p:spPr>
           <a:xfrm>
-            <a:off x="460990" y="4717901"/>
-            <a:ext cx="2604054" cy="1702158"/>
+            <a:off x="6122672" y="282030"/>
+            <a:ext cx="2672828" cy="1747113"/>
           </a:xfrm>
           <a:prstGeom prst="rect">
             <a:avLst/>
@@ -3937,8 +6420,8 @@
         </p:nvSpPr>
         <p:spPr>
           <a:xfrm>
-            <a:off x="360385" y="6483601"/>
-            <a:ext cx="2564324" cy="369332"/>
+            <a:off x="6470162" y="2013518"/>
+            <a:ext cx="2564324" cy="338554"/>
           </a:xfrm>
           <a:prstGeom prst="rect">
             <a:avLst/>
@@ -3952,7 +6435,7 @@
           <a:lstStyle/>
           <a:p>
             <a:r>
-              <a:rPr lang="en-AU" dirty="0"/>
+              <a:rPr lang="en-AU" sz="1600" dirty="0"/>
               <a:t>Douglas DC-3C</a:t>
             </a:r>
           </a:p>
@@ -3980,8 +6463,8 @@
         </p:blipFill>
         <p:spPr>
           <a:xfrm>
-            <a:off x="3194533" y="4758160"/>
-            <a:ext cx="2793253" cy="1699668"/>
+            <a:off x="8886737" y="293065"/>
+            <a:ext cx="2825382" cy="1719218"/>
           </a:xfrm>
           <a:prstGeom prst="rect">
             <a:avLst/>
@@ -4002,8 +6485,8 @@
         </p:nvSpPr>
         <p:spPr>
           <a:xfrm>
-            <a:off x="2947517" y="6483601"/>
-            <a:ext cx="2825382" cy="369332"/>
+            <a:off x="9034486" y="2038357"/>
+            <a:ext cx="2825382" cy="338554"/>
           </a:xfrm>
           <a:prstGeom prst="rect">
             <a:avLst/>
@@ -4017,7 +6500,7 @@
           <a:lstStyle/>
           <a:p>
             <a:r>
-              <a:rPr lang="en-AU" dirty="0"/>
+              <a:rPr lang="en-AU" sz="1600" dirty="0"/>
               <a:t>Fokker F-27 Friendship 600</a:t>
             </a:r>
           </a:p>
@@ -4045,7 +6528,7 @@
         </p:blipFill>
         <p:spPr>
           <a:xfrm>
-            <a:off x="6121187" y="4737812"/>
+            <a:off x="6122672" y="2328285"/>
             <a:ext cx="2686126" cy="1728165"/>
           </a:xfrm>
           <a:prstGeom prst="rect">
@@ -4067,8 +6550,8 @@
         </p:nvSpPr>
         <p:spPr>
           <a:xfrm>
-            <a:off x="5964935" y="6492875"/>
-            <a:ext cx="2825382" cy="369332"/>
+            <a:off x="6033001" y="4110323"/>
+            <a:ext cx="2825382" cy="338554"/>
           </a:xfrm>
           <a:prstGeom prst="rect">
             <a:avLst/>
@@ -4082,7 +6565,7 @@
           <a:lstStyle/>
           <a:p>
             <a:r>
-              <a:rPr lang="en-AU" dirty="0"/>
+              <a:rPr lang="en-AU" sz="1600" dirty="0"/>
               <a:t>McDonnell Douglas MD-82</a:t>
             </a:r>
           </a:p>
@@ -4110,7 +6593,7 @@
         </p:blipFill>
         <p:spPr>
           <a:xfrm>
-            <a:off x="8929647" y="4693378"/>
+            <a:off x="9016271" y="2395194"/>
             <a:ext cx="2686126" cy="1751204"/>
           </a:xfrm>
           <a:prstGeom prst="rect">
@@ -4132,8 +6615,8 @@
         </p:nvSpPr>
         <p:spPr>
           <a:xfrm>
-            <a:off x="8929647" y="6458019"/>
-            <a:ext cx="2901968" cy="369332"/>
+            <a:off x="9195796" y="4208849"/>
+            <a:ext cx="3262353" cy="338554"/>
           </a:xfrm>
           <a:prstGeom prst="rect">
             <a:avLst/>
@@ -4147,14 +6630,9 @@
           <a:lstStyle/>
           <a:p>
             <a:r>
-              <a:rPr lang="en-AU" dirty="0"/>
-              <a:t>Embraer 110P1 </a:t>
-            </a:r>
-            <a:r>
-              <a:rPr lang="en-AU" dirty="0" err="1"/>
-              <a:t>Bandeirante</a:t>
-            </a:r>
-            <a:endParaRPr lang="en-AU" dirty="0"/>
+              <a:rPr lang="en-AU" sz="1600" dirty="0"/>
+              <a:t>Embraer 110P1 Bandeirante</a:t>
+            </a:r>
           </a:p>
         </p:txBody>
       </p:sp>
@@ -4187,8 +6665,8 @@
         </p:blipFill>
         <p:spPr bwMode="auto">
           <a:xfrm>
-            <a:off x="8883914" y="251130"/>
-            <a:ext cx="2777592" cy="1634067"/>
+            <a:off x="9082274" y="4597132"/>
+            <a:ext cx="2629845" cy="1609996"/>
           </a:xfrm>
           <a:prstGeom prst="rect">
             <a:avLst/>
@@ -4219,8 +6697,8 @@
         </p:nvSpPr>
         <p:spPr>
           <a:xfrm>
-            <a:off x="9521747" y="1836497"/>
-            <a:ext cx="2237873" cy="369332"/>
+            <a:off x="9493945" y="6256857"/>
+            <a:ext cx="2237873" cy="338554"/>
           </a:xfrm>
           <a:prstGeom prst="rect">
             <a:avLst/>
@@ -4234,10 +6712,9 @@
           <a:lstStyle/>
           <a:p>
             <a:r>
-              <a:rPr lang="en-AU"/>
+              <a:rPr lang="en-AU" sz="1600" dirty="0"/>
               <a:t>Fokker 100</a:t>
             </a:r>
-            <a:endParaRPr lang="en-AU" dirty="0"/>
           </a:p>
         </p:txBody>
       </p:sp>
@@ -4263,8 +6740,8 @@
         </p:blipFill>
         <p:spPr>
           <a:xfrm>
-            <a:off x="5926093" y="286021"/>
-            <a:ext cx="2794596" cy="1609996"/>
+            <a:off x="6106938" y="4597132"/>
+            <a:ext cx="2658979" cy="1609996"/>
           </a:xfrm>
           <a:prstGeom prst="rect">
             <a:avLst/>
@@ -4285,8 +6762,8 @@
         </p:nvSpPr>
         <p:spPr>
           <a:xfrm>
-            <a:off x="6441384" y="1887821"/>
-            <a:ext cx="2360918" cy="369332"/>
+            <a:off x="6524469" y="6308867"/>
+            <a:ext cx="2360918" cy="338554"/>
           </a:xfrm>
           <a:prstGeom prst="rect">
             <a:avLst/>
@@ -4300,7 +6777,7 @@
           <a:lstStyle/>
           <a:p>
             <a:r>
-              <a:rPr lang="en-AU" dirty="0"/>
+              <a:rPr lang="en-AU" sz="1600" dirty="0"/>
               <a:t>Let 410UVP-E</a:t>
             </a:r>
           </a:p>
@@ -4384,7 +6861,7 @@
         <p:spPr>
           <a:xfrm>
             <a:off x="838200" y="1825625"/>
-            <a:ext cx="7595937" cy="1325563"/>
+            <a:ext cx="9448800" cy="1325563"/>
           </a:xfrm>
         </p:spPr>
         <p:txBody>
@@ -4419,10 +6896,10 @@
       </p:sp>
       <p:pic>
         <p:nvPicPr>
-          <p:cNvPr id="5" name="Picture 4">
+          <p:cNvPr id="7" name="Picture 6">
             <a:extLst>
               <a:ext uri="{FF2B5EF4-FFF2-40B4-BE49-F238E27FC236}">
-                <a16:creationId xmlns:a16="http://schemas.microsoft.com/office/drawing/2014/main" id="{B4C8E4C3-BE9E-B127-C8B9-879A42DB5414}"/>
+                <a16:creationId xmlns:a16="http://schemas.microsoft.com/office/drawing/2014/main" id="{A457D33A-BA82-4544-F819-EACC1EBF3EDB}"/>
               </a:ext>
             </a:extLst>
           </p:cNvPr>
@@ -4445,8 +6922,8 @@
         </p:blipFill>
         <p:spPr>
           <a:xfrm>
-            <a:off x="418801" y="2698879"/>
-            <a:ext cx="5532820" cy="3793996"/>
+            <a:off x="5822683" y="2972179"/>
+            <a:ext cx="5025715" cy="3605409"/>
           </a:xfrm>
           <a:prstGeom prst="rect">
             <a:avLst/>
@@ -4455,10 +6932,10 @@
       </p:pic>
       <p:pic>
         <p:nvPicPr>
-          <p:cNvPr id="7" name="Picture 6">
+          <p:cNvPr id="6" name="Picture 5">
             <a:extLst>
               <a:ext uri="{FF2B5EF4-FFF2-40B4-BE49-F238E27FC236}">
-                <a16:creationId xmlns:a16="http://schemas.microsoft.com/office/drawing/2014/main" id="{A457D33A-BA82-4544-F819-EACC1EBF3EDB}"/>
+                <a16:creationId xmlns:a16="http://schemas.microsoft.com/office/drawing/2014/main" id="{35AD73E3-62E6-B396-E912-5C9B66FA29EF}"/>
               </a:ext>
             </a:extLst>
           </p:cNvPr>
@@ -4481,8 +6958,8 @@
         </p:blipFill>
         <p:spPr>
           <a:xfrm>
-            <a:off x="6096000" y="2720970"/>
-            <a:ext cx="5257800" cy="3771905"/>
+            <a:off x="838200" y="2972179"/>
+            <a:ext cx="4664111" cy="3605409"/>
           </a:xfrm>
           <a:prstGeom prst="rect">
             <a:avLst/>
@@ -4537,7 +7014,7 @@
         </p:nvSpPr>
         <p:spPr>
           <a:xfrm>
-            <a:off x="838200" y="365126"/>
+            <a:off x="1066800" y="410846"/>
             <a:ext cx="3300663" cy="982412"/>
           </a:xfrm>
         </p:spPr>
@@ -4554,10 +7031,10 @@
       </p:sp>
       <p:pic>
         <p:nvPicPr>
-          <p:cNvPr id="9" name="Content Placeholder 8">
+          <p:cNvPr id="8" name="Content Placeholder 7">
             <a:extLst>
               <a:ext uri="{FF2B5EF4-FFF2-40B4-BE49-F238E27FC236}">
-                <a16:creationId xmlns:a16="http://schemas.microsoft.com/office/drawing/2014/main" id="{DEBF8FE2-5DF6-6257-6A64-9E680BB8A9E0}"/>
+                <a16:creationId xmlns:a16="http://schemas.microsoft.com/office/drawing/2014/main" id="{4857302C-7A2D-E98B-A4AF-7D06D298245F}"/>
               </a:ext>
             </a:extLst>
           </p:cNvPr>
@@ -4582,8 +7059,8 @@
         </p:blipFill>
         <p:spPr>
           <a:xfrm>
-            <a:off x="2107274" y="1813593"/>
-            <a:ext cx="7977452" cy="4351338"/>
+            <a:off x="1418035" y="2160588"/>
+            <a:ext cx="7115967" cy="3881437"/>
           </a:xfrm>
         </p:spPr>
       </p:pic>
@@ -4649,10 +7126,10 @@
       </p:sp>
       <p:pic>
         <p:nvPicPr>
-          <p:cNvPr id="13" name="Content Placeholder 12">
+          <p:cNvPr id="6" name="Content Placeholder 5">
             <a:extLst>
               <a:ext uri="{FF2B5EF4-FFF2-40B4-BE49-F238E27FC236}">
-                <a16:creationId xmlns:a16="http://schemas.microsoft.com/office/drawing/2014/main" id="{CCBAFBAF-26D1-FF70-B965-3C6F435B025E}"/>
+                <a16:creationId xmlns:a16="http://schemas.microsoft.com/office/drawing/2014/main" id="{18631E03-2F87-CF15-CDCF-9A00C7CADC10}"/>
               </a:ext>
             </a:extLst>
           </p:cNvPr>
@@ -4677,8 +7154,8 @@
         </p:blipFill>
         <p:spPr>
           <a:xfrm>
-            <a:off x="1732547" y="1400343"/>
-            <a:ext cx="7904747" cy="4845426"/>
+            <a:off x="1417684" y="1779588"/>
+            <a:ext cx="7115967" cy="3881437"/>
           </a:xfrm>
         </p:spPr>
       </p:pic>
@@ -4695,10 +7172,151 @@
 </p:sld>
 </file>
 
+<file path=ppt/slides/slide7.xml><?xml version="1.0" encoding="utf-8"?>
+<p:sld xmlns:a="http://schemas.openxmlformats.org/drawingml/2006/main" xmlns:r="http://schemas.openxmlformats.org/officeDocument/2006/relationships" xmlns:p="http://schemas.openxmlformats.org/presentationml/2006/main">
+  <p:cSld>
+    <p:spTree>
+      <p:nvGrpSpPr>
+        <p:cNvPr id="1" name=""/>
+        <p:cNvGrpSpPr/>
+        <p:nvPr/>
+      </p:nvGrpSpPr>
+      <p:grpSpPr>
+        <a:xfrm>
+          <a:off x="0" y="0"/>
+          <a:ext cx="0" cy="0"/>
+          <a:chOff x="0" y="0"/>
+          <a:chExt cx="0" cy="0"/>
+        </a:xfrm>
+      </p:grpSpPr>
+      <p:sp>
+        <p:nvSpPr>
+          <p:cNvPr id="2" name="Title 1">
+            <a:extLst>
+              <a:ext uri="{FF2B5EF4-FFF2-40B4-BE49-F238E27FC236}">
+                <a16:creationId xmlns:a16="http://schemas.microsoft.com/office/drawing/2014/main" id="{CABB7E63-23DC-F7FB-B17F-A1CE0D513A49}"/>
+              </a:ext>
+            </a:extLst>
+          </p:cNvPr>
+          <p:cNvSpPr>
+            <a:spLocks noGrp="1"/>
+          </p:cNvSpPr>
+          <p:nvPr>
+            <p:ph type="title"/>
+          </p:nvPr>
+        </p:nvSpPr>
+        <p:spPr>
+          <a:xfrm>
+            <a:off x="1097280" y="624840"/>
+            <a:ext cx="8596668" cy="1320800"/>
+          </a:xfrm>
+        </p:spPr>
+        <p:txBody>
+          <a:bodyPr/>
+          <a:lstStyle/>
+          <a:p>
+            <a:r>
+              <a:rPr lang="en-US" dirty="0"/>
+              <a:t>Summary of Data</a:t>
+            </a:r>
+            <a:br>
+              <a:rPr lang="en-US" dirty="0"/>
+            </a:br>
+            <a:endParaRPr lang="en-AU" dirty="0"/>
+          </a:p>
+        </p:txBody>
+      </p:sp>
+      <p:sp>
+        <p:nvSpPr>
+          <p:cNvPr id="3" name="Content Placeholder 2">
+            <a:extLst>
+              <a:ext uri="{FF2B5EF4-FFF2-40B4-BE49-F238E27FC236}">
+                <a16:creationId xmlns:a16="http://schemas.microsoft.com/office/drawing/2014/main" id="{B864C4A7-39BA-DFDA-60AC-0CCBD080D348}"/>
+              </a:ext>
+            </a:extLst>
+          </p:cNvPr>
+          <p:cNvSpPr>
+            <a:spLocks noGrp="1"/>
+          </p:cNvSpPr>
+          <p:nvPr>
+            <p:ph idx="1"/>
+          </p:nvPr>
+        </p:nvSpPr>
+        <p:spPr>
+          <a:xfrm>
+            <a:off x="1097280" y="1737360"/>
+            <a:ext cx="9509760" cy="5079683"/>
+          </a:xfrm>
+        </p:spPr>
+        <p:txBody>
+          <a:bodyPr>
+            <a:normAutofit/>
+          </a:bodyPr>
+          <a:lstStyle/>
+          <a:p>
+            <a:pPr marL="0" indent="0">
+              <a:buNone/>
+            </a:pPr>
+            <a:endParaRPr lang="en-US" dirty="0"/>
+          </a:p>
+          <a:p>
+            <a:r>
+              <a:rPr lang="en-US" dirty="0"/>
+              <a:t>In this data set, the average number of people on commercial planes was  36 and the average number of fatalities was 25.</a:t>
+            </a:r>
+          </a:p>
+          <a:p>
+            <a:r>
+              <a:rPr lang="en-US" dirty="0"/>
+              <a:t>The chance of survival on plane crashes with 1 or more fatalities is 31.6 percent.</a:t>
+            </a:r>
+          </a:p>
+          <a:p>
+            <a:r>
+              <a:rPr lang="en-US" dirty="0"/>
+              <a:t>The number of commercial plane crashes with one fatality or more is 1078 out of 1101.</a:t>
+            </a:r>
+          </a:p>
+          <a:p>
+            <a:r>
+              <a:rPr lang="en-US" dirty="0"/>
+              <a:t>The most common areas for aircraft failure are:</a:t>
+            </a:r>
+          </a:p>
+          <a:p>
+            <a:r>
+              <a:rPr lang="en-US" dirty="0"/>
+              <a:t>Hawaii with 6 incidents, Alaska with 5 incidents and Arizona with 2 incidents.</a:t>
+            </a:r>
+          </a:p>
+          <a:p>
+            <a:r>
+              <a:rPr lang="en-US" dirty="0"/>
+              <a:t>Aviation safety has improved!</a:t>
+            </a:r>
+          </a:p>
+          <a:p>
+            <a:endParaRPr lang="en-AU" dirty="0"/>
+          </a:p>
+        </p:txBody>
+      </p:sp>
+    </p:spTree>
+    <p:extLst>
+      <p:ext uri="{BB962C8B-B14F-4D97-AF65-F5344CB8AC3E}">
+        <p14:creationId xmlns:p14="http://schemas.microsoft.com/office/powerpoint/2010/main" val="2435629105"/>
+      </p:ext>
+    </p:extLst>
+  </p:cSld>
+  <p:clrMapOvr>
+    <a:masterClrMapping/>
+  </p:clrMapOvr>
+</p:sld>
+</file>
+
 <file path=ppt/theme/theme1.xml><?xml version="1.0" encoding="utf-8"?>
-<a:theme xmlns:a="http://schemas.openxmlformats.org/drawingml/2006/main" name="Office Theme">
+<a:theme xmlns:a="http://schemas.openxmlformats.org/drawingml/2006/main" name="Facet">
   <a:themeElements>
-    <a:clrScheme name="Office">
+    <a:clrScheme name="Facet">
       <a:dk1>
         <a:sysClr val="windowText" lastClr="000000"/>
       </a:dk1>
@@ -4706,52 +7324,52 @@
         <a:sysClr val="window" lastClr="FFFFFF"/>
       </a:lt1>
       <a:dk2>
-        <a:srgbClr val="44546A"/>
+        <a:srgbClr val="2C3C43"/>
       </a:dk2>
       <a:lt2>
-        <a:srgbClr val="E7E6E6"/>
+        <a:srgbClr val="EBEBEB"/>
       </a:lt2>
       <a:accent1>
-        <a:srgbClr val="4472C4"/>
+        <a:srgbClr val="90C226"/>
       </a:accent1>
       <a:accent2>
-        <a:srgbClr val="ED7D31"/>
+        <a:srgbClr val="54A021"/>
       </a:accent2>
       <a:accent3>
-        <a:srgbClr val="A5A5A5"/>
+        <a:srgbClr val="E6B91E"/>
       </a:accent3>
       <a:accent4>
-        <a:srgbClr val="FFC000"/>
+        <a:srgbClr val="E76618"/>
       </a:accent4>
       <a:accent5>
-        <a:srgbClr val="5B9BD5"/>
+        <a:srgbClr val="C42F1A"/>
       </a:accent5>
       <a:accent6>
-        <a:srgbClr val="70AD47"/>
+        <a:srgbClr val="918655"/>
       </a:accent6>
       <a:hlink>
-        <a:srgbClr val="0563C1"/>
+        <a:srgbClr val="99CA3C"/>
       </a:hlink>
       <a:folHlink>
-        <a:srgbClr val="954F72"/>
+        <a:srgbClr val="B9D181"/>
       </a:folHlink>
     </a:clrScheme>
-    <a:fontScheme name="Office">
+    <a:fontScheme name="Facet">
       <a:majorFont>
-        <a:latin typeface="Calibri Light" panose="020F0302020204030204"/>
+        <a:latin typeface="Trebuchet MS" panose="020B0603020202020204"/>
         <a:ea typeface=""/>
         <a:cs typeface=""/>
-        <a:font script="Jpan" typeface="游ゴシック Light"/>
+        <a:font script="Jpan" typeface="メイリオ"/>
         <a:font script="Hang" typeface="맑은 고딕"/>
-        <a:font script="Hans" typeface="等线 Light"/>
-        <a:font script="Hant" typeface="新細明體"/>
-        <a:font script="Arab" typeface="Times New Roman"/>
-        <a:font script="Hebr" typeface="Times New Roman"/>
-        <a:font script="Thai" typeface="Angsana New"/>
+        <a:font script="Hans" typeface="方正姚体"/>
+        <a:font script="Hant" typeface="微軟正黑體"/>
+        <a:font script="Arab" typeface="Tahoma"/>
+        <a:font script="Hebr" typeface="Arial"/>
+        <a:font script="Thai" typeface="Cordia New"/>
         <a:font script="Ethi" typeface="Nyala"/>
         <a:font script="Beng" typeface="Vrinda"/>
         <a:font script="Gujr" typeface="Shruti"/>
-        <a:font script="Khmr" typeface="MoolBoran"/>
+        <a:font script="Khmr" typeface="DaunPenh"/>
         <a:font script="Knda" typeface="Tunga"/>
         <a:font script="Guru" typeface="Raavi"/>
         <a:font script="Cans" typeface="Euphemia"/>
@@ -4768,38 +7386,21 @@
         <a:font script="Laoo" typeface="DokChampa"/>
         <a:font script="Sinh" typeface="Iskoola Pota"/>
         <a:font script="Mong" typeface="Mongolian Baiti"/>
-        <a:font script="Viet" typeface="Times New Roman"/>
+        <a:font script="Viet" typeface="Tahoma"/>
         <a:font script="Uigh" typeface="Microsoft Uighur"/>
         <a:font script="Geor" typeface="Sylfaen"/>
-        <a:font script="Armn" typeface="Arial"/>
-        <a:font script="Bugi" typeface="Leelawadee UI"/>
-        <a:font script="Bopo" typeface="Microsoft JhengHei"/>
-        <a:font script="Java" typeface="Javanese Text"/>
-        <a:font script="Lisu" typeface="Segoe UI"/>
-        <a:font script="Mymr" typeface="Myanmar Text"/>
-        <a:font script="Nkoo" typeface="Ebrima"/>
-        <a:font script="Olck" typeface="Nirmala UI"/>
-        <a:font script="Osma" typeface="Ebrima"/>
-        <a:font script="Phag" typeface="Phagspa"/>
-        <a:font script="Syrn" typeface="Estrangelo Edessa"/>
-        <a:font script="Syrj" typeface="Estrangelo Edessa"/>
-        <a:font script="Syre" typeface="Estrangelo Edessa"/>
-        <a:font script="Sora" typeface="Nirmala UI"/>
-        <a:font script="Tale" typeface="Microsoft Tai Le"/>
-        <a:font script="Talu" typeface="Microsoft New Tai Lue"/>
-        <a:font script="Tfng" typeface="Ebrima"/>
       </a:majorFont>
       <a:minorFont>
-        <a:latin typeface="Calibri" panose="020F0502020204030204"/>
+        <a:latin typeface="Trebuchet MS" panose="020B0603020202020204"/>
         <a:ea typeface=""/>
         <a:cs typeface=""/>
-        <a:font script="Jpan" typeface="游ゴシック"/>
-        <a:font script="Hang" typeface="맑은 고딕"/>
-        <a:font script="Hans" typeface="等线"/>
-        <a:font script="Hant" typeface="新細明體"/>
-        <a:font script="Arab" typeface="Arial"/>
-        <a:font script="Hebr" typeface="Arial"/>
-        <a:font script="Thai" typeface="Cordia New"/>
+        <a:font script="Jpan" typeface="メイリオ"/>
+        <a:font script="Hang" typeface="HY그래픽M"/>
+        <a:font script="Hans" typeface="华文新魏"/>
+        <a:font script="Hant" typeface="微軟正黑體"/>
+        <a:font script="Arab" typeface="Tahoma"/>
+        <a:font script="Hebr" typeface="Gisha"/>
+        <a:font script="Thai" typeface="IrisUPC"/>
         <a:font script="Ethi" typeface="Nyala"/>
         <a:font script="Beng" typeface="Vrinda"/>
         <a:font script="Gujr" typeface="Shruti"/>
@@ -4823,26 +7424,9 @@
         <a:font script="Viet" typeface="Arial"/>
         <a:font script="Uigh" typeface="Microsoft Uighur"/>
         <a:font script="Geor" typeface="Sylfaen"/>
-        <a:font script="Armn" typeface="Arial"/>
-        <a:font script="Bugi" typeface="Leelawadee UI"/>
-        <a:font script="Bopo" typeface="Microsoft JhengHei"/>
-        <a:font script="Java" typeface="Javanese Text"/>
-        <a:font script="Lisu" typeface="Segoe UI"/>
-        <a:font script="Mymr" typeface="Myanmar Text"/>
-        <a:font script="Nkoo" typeface="Ebrima"/>
-        <a:font script="Olck" typeface="Nirmala UI"/>
-        <a:font script="Osma" typeface="Ebrima"/>
-        <a:font script="Phag" typeface="Phagspa"/>
-        <a:font script="Syrn" typeface="Estrangelo Edessa"/>
-        <a:font script="Syrj" typeface="Estrangelo Edessa"/>
-        <a:font script="Syre" typeface="Estrangelo Edessa"/>
-        <a:font script="Sora" typeface="Nirmala UI"/>
-        <a:font script="Tale" typeface="Microsoft Tai Le"/>
-        <a:font script="Talu" typeface="Microsoft New Tai Lue"/>
-        <a:font script="Tfng" typeface="Ebrima"/>
       </a:minorFont>
     </a:fontScheme>
-    <a:fmtScheme name="Office">
+    <a:fmtScheme name="Facet">
       <a:fillStyleLst>
         <a:solidFill>
           <a:schemeClr val="phClr"/>
@@ -4851,23 +7435,13 @@
           <a:gsLst>
             <a:gs pos="0">
               <a:schemeClr val="phClr">
+                <a:tint val="65000"/>
                 <a:lumMod val="110000"/>
-                <a:satMod val="105000"/>
-                <a:tint val="67000"/>
               </a:schemeClr>
             </a:gs>
-            <a:gs pos="50000">
+            <a:gs pos="88000">
               <a:schemeClr val="phClr">
-                <a:lumMod val="105000"/>
-                <a:satMod val="103000"/>
-                <a:tint val="73000"/>
-              </a:schemeClr>
-            </a:gs>
-            <a:gs pos="100000">
-              <a:schemeClr val="phClr">
-                <a:lumMod val="105000"/>
-                <a:satMod val="109000"/>
-                <a:tint val="81000"/>
+                <a:tint val="90000"/>
               </a:schemeClr>
             </a:gs>
           </a:gsLst>
@@ -4877,23 +7451,14 @@
           <a:gsLst>
             <a:gs pos="0">
               <a:schemeClr val="phClr">
-                <a:satMod val="103000"/>
-                <a:lumMod val="102000"/>
-                <a:tint val="94000"/>
+                <a:tint val="96000"/>
+                <a:lumMod val="100000"/>
               </a:schemeClr>
             </a:gs>
-            <a:gs pos="50000">
+            <a:gs pos="78000">
               <a:schemeClr val="phClr">
-                <a:satMod val="110000"/>
-                <a:lumMod val="100000"/>
-                <a:shade val="100000"/>
-              </a:schemeClr>
-            </a:gs>
-            <a:gs pos="100000">
-              <a:schemeClr val="phClr">
-                <a:lumMod val="99000"/>
-                <a:satMod val="120000"/>
-                <a:shade val="78000"/>
+                <a:shade val="94000"/>
+                <a:lumMod val="94000"/>
               </a:schemeClr>
             </a:gs>
           </a:gsLst>
@@ -4901,26 +7466,23 @@
         </a:gradFill>
       </a:fillStyleLst>
       <a:lnStyleLst>
-        <a:ln w="6350" cap="flat" cmpd="sng" algn="ctr">
+        <a:ln w="12700" cap="rnd" cmpd="sng" algn="ctr">
           <a:solidFill>
             <a:schemeClr val="phClr"/>
           </a:solidFill>
           <a:prstDash val="solid"/>
-          <a:miter lim="800000"/>
         </a:ln>
-        <a:ln w="12700" cap="flat" cmpd="sng" algn="ctr">
+        <a:ln w="19050" cap="rnd" cmpd="sng" algn="ctr">
           <a:solidFill>
             <a:schemeClr val="phClr"/>
           </a:solidFill>
           <a:prstDash val="solid"/>
-          <a:miter lim="800000"/>
         </a:ln>
-        <a:ln w="19050" cap="flat" cmpd="sng" algn="ctr">
+        <a:ln w="25400" cap="rnd" cmpd="sng" algn="ctr">
           <a:solidFill>
             <a:schemeClr val="phClr"/>
           </a:solidFill>
           <a:prstDash val="solid"/>
-          <a:miter lim="800000"/>
         </a:ln>
       </a:lnStyleLst>
       <a:effectStyleLst>
@@ -4928,54 +7490,72 @@
           <a:effectLst/>
         </a:effectStyle>
         <a:effectStyle>
-          <a:effectLst/>
+          <a:effectLst>
+            <a:outerShdw blurRad="38100" dist="25400" dir="5400000" rotWithShape="0">
+              <a:srgbClr val="000000">
+                <a:alpha val="35000"/>
+              </a:srgbClr>
+            </a:outerShdw>
+          </a:effectLst>
         </a:effectStyle>
         <a:effectStyle>
           <a:effectLst>
-            <a:outerShdw blurRad="57150" dist="19050" dir="5400000" algn="ctr" rotWithShape="0">
+            <a:outerShdw blurRad="50800" dist="38100" dir="5400000" rotWithShape="0">
               <a:srgbClr val="000000">
-                <a:alpha val="63000"/>
+                <a:alpha val="35000"/>
               </a:srgbClr>
             </a:outerShdw>
           </a:effectLst>
+          <a:scene3d>
+            <a:camera prst="orthographicFront">
+              <a:rot lat="0" lon="0" rev="0"/>
+            </a:camera>
+            <a:lightRig rig="threePt" dir="tl"/>
+          </a:scene3d>
+          <a:sp3d prstMaterial="plastic">
+            <a:bevelT w="0" h="0"/>
+          </a:sp3d>
         </a:effectStyle>
       </a:effectStyleLst>
       <a:bgFillStyleLst>
         <a:solidFill>
           <a:schemeClr val="phClr"/>
         </a:solidFill>
-        <a:solidFill>
-          <a:schemeClr val="phClr">
-            <a:tint val="95000"/>
-            <a:satMod val="170000"/>
-          </a:schemeClr>
-        </a:solidFill>
         <a:gradFill rotWithShape="1">
           <a:gsLst>
             <a:gs pos="0">
               <a:schemeClr val="phClr">
-                <a:tint val="93000"/>
-                <a:satMod val="150000"/>
-                <a:shade val="98000"/>
-                <a:lumMod val="102000"/>
+                <a:tint val="90000"/>
+                <a:lumMod val="104000"/>
               </a:schemeClr>
             </a:gs>
-            <a:gs pos="50000">
+            <a:gs pos="94000">
               <a:schemeClr val="phClr">
-                <a:tint val="98000"/>
-                <a:satMod val="130000"/>
-                <a:shade val="90000"/>
-                <a:lumMod val="103000"/>
+                <a:shade val="96000"/>
+                <a:lumMod val="82000"/>
+              </a:schemeClr>
+            </a:gs>
+          </a:gsLst>
+          <a:lin ang="5400000" scaled="0"/>
+        </a:gradFill>
+        <a:gradFill rotWithShape="1">
+          <a:gsLst>
+            <a:gs pos="0">
+              <a:schemeClr val="phClr">
+                <a:tint val="90000"/>
+                <a:lumMod val="110000"/>
               </a:schemeClr>
             </a:gs>
             <a:gs pos="100000">
               <a:schemeClr val="phClr">
-                <a:shade val="63000"/>
-                <a:satMod val="120000"/>
+                <a:shade val="94000"/>
+                <a:lumMod val="96000"/>
               </a:schemeClr>
             </a:gs>
           </a:gsLst>
-          <a:lin ang="5400000" scaled="0"/>
+          <a:path path="circle">
+            <a:fillToRect l="50000" t="50000" r="100000" b="100000"/>
+          </a:path>
         </a:gradFill>
       </a:bgFillStyleLst>
     </a:fmtScheme>
@@ -4984,7 +7564,7 @@
   <a:extraClrSchemeLst/>
   <a:extLst>
     <a:ext uri="{05A4C25C-085E-4340-85A3-A5531E510DB2}">
-      <thm15:themeFamily xmlns:thm15="http://schemas.microsoft.com/office/thememl/2012/main" name="Office Theme" id="{62F939B6-93AF-4DB8-9C6B-D6C7DFDC589F}" vid="{4A3C46E8-61CC-4603-A589-7422A47A8E4A}"/>
+      <thm15:themeFamily xmlns:thm15="http://schemas.microsoft.com/office/thememl/2012/main" name="Facet" id="{C0C680CD-088A-49FC-A102-D699147F32B2}" vid="{CFBC31BA-B70F-4F30-BCAA-4F3011E16C4D}"/>
     </a:ext>
   </a:extLst>
 </a:theme>

--- a/plane_crash_presenation_Rob.pptx
+++ b/plane_crash_presenation_Rob.pptx
@@ -5,13 +5,16 @@
     <p:sldMasterId id="2147483713" r:id="rId1"/>
   </p:sldMasterIdLst>
   <p:sldIdLst>
-    <p:sldId id="256" r:id="rId2"/>
-    <p:sldId id="257" r:id="rId3"/>
-    <p:sldId id="259" r:id="rId4"/>
-    <p:sldId id="260" r:id="rId5"/>
-    <p:sldId id="262" r:id="rId6"/>
-    <p:sldId id="263" r:id="rId7"/>
-    <p:sldId id="264" r:id="rId8"/>
+    <p:sldId id="265" r:id="rId2"/>
+    <p:sldId id="266" r:id="rId3"/>
+    <p:sldId id="256" r:id="rId4"/>
+    <p:sldId id="257" r:id="rId5"/>
+    <p:sldId id="259" r:id="rId6"/>
+    <p:sldId id="260" r:id="rId7"/>
+    <p:sldId id="267" r:id="rId8"/>
+    <p:sldId id="262" r:id="rId9"/>
+    <p:sldId id="263" r:id="rId10"/>
+    <p:sldId id="264" r:id="rId11"/>
   </p:sldIdLst>
   <p:sldSz cx="12192000" cy="6858000"/>
   <p:notesSz cx="6858000" cy="9144000"/>
@@ -852,7 +855,7 @@
           <a:p>
             <a:fld id="{AD579C85-AEB8-458A-8F52-6C2E60381BFF}" type="datetimeFigureOut">
               <a:rPr lang="en-AU" smtClean="0"/>
-              <a:t>23/06/2022</a:t>
+              <a:t>26/06/2022</a:t>
             </a:fld>
             <a:endParaRPr lang="en-AU"/>
           </a:p>
@@ -1103,7 +1106,7 @@
           <a:p>
             <a:fld id="{AD579C85-AEB8-458A-8F52-6C2E60381BFF}" type="datetimeFigureOut">
               <a:rPr lang="en-AU" smtClean="0"/>
-              <a:t>23/06/2022</a:t>
+              <a:t>26/06/2022</a:t>
             </a:fld>
             <a:endParaRPr lang="en-AU"/>
           </a:p>
@@ -1417,7 +1420,7 @@
           <a:p>
             <a:fld id="{AD579C85-AEB8-458A-8F52-6C2E60381BFF}" type="datetimeFigureOut">
               <a:rPr lang="en-AU" smtClean="0"/>
-              <a:t>23/06/2022</a:t>
+              <a:t>26/06/2022</a:t>
             </a:fld>
             <a:endParaRPr lang="en-AU"/>
           </a:p>
@@ -1758,7 +1761,7 @@
           <a:p>
             <a:fld id="{AD579C85-AEB8-458A-8F52-6C2E60381BFF}" type="datetimeFigureOut">
               <a:rPr lang="en-AU" smtClean="0"/>
-              <a:t>23/06/2022</a:t>
+              <a:t>26/06/2022</a:t>
             </a:fld>
             <a:endParaRPr lang="en-AU"/>
           </a:p>
@@ -2072,7 +2075,7 @@
           <a:p>
             <a:fld id="{AD579C85-AEB8-458A-8F52-6C2E60381BFF}" type="datetimeFigureOut">
               <a:rPr lang="en-AU" smtClean="0"/>
-              <a:t>23/06/2022</a:t>
+              <a:t>26/06/2022</a:t>
             </a:fld>
             <a:endParaRPr lang="en-AU"/>
           </a:p>
@@ -2465,7 +2468,7 @@
           <a:p>
             <a:fld id="{AD579C85-AEB8-458A-8F52-6C2E60381BFF}" type="datetimeFigureOut">
               <a:rPr lang="en-AU" smtClean="0"/>
-              <a:t>23/06/2022</a:t>
+              <a:t>26/06/2022</a:t>
             </a:fld>
             <a:endParaRPr lang="en-AU"/>
           </a:p>
@@ -2635,7 +2638,7 @@
           <a:p>
             <a:fld id="{AD579C85-AEB8-458A-8F52-6C2E60381BFF}" type="datetimeFigureOut">
               <a:rPr lang="en-AU" smtClean="0"/>
-              <a:t>23/06/2022</a:t>
+              <a:t>26/06/2022</a:t>
             </a:fld>
             <a:endParaRPr lang="en-AU"/>
           </a:p>
@@ -2815,7 +2818,7 @@
           <a:p>
             <a:fld id="{AD579C85-AEB8-458A-8F52-6C2E60381BFF}" type="datetimeFigureOut">
               <a:rPr lang="en-AU" smtClean="0"/>
-              <a:t>23/06/2022</a:t>
+              <a:t>26/06/2022</a:t>
             </a:fld>
             <a:endParaRPr lang="en-AU"/>
           </a:p>
@@ -2991,7 +2994,7 @@
           <a:p>
             <a:fld id="{AD579C85-AEB8-458A-8F52-6C2E60381BFF}" type="datetimeFigureOut">
               <a:rPr lang="en-AU" smtClean="0"/>
-              <a:t>23/06/2022</a:t>
+              <a:t>26/06/2022</a:t>
             </a:fld>
             <a:endParaRPr lang="en-AU"/>
           </a:p>
@@ -3238,7 +3241,7 @@
           <a:p>
             <a:fld id="{AD579C85-AEB8-458A-8F52-6C2E60381BFF}" type="datetimeFigureOut">
               <a:rPr lang="en-AU" smtClean="0"/>
-              <a:t>23/06/2022</a:t>
+              <a:t>26/06/2022</a:t>
             </a:fld>
             <a:endParaRPr lang="en-AU"/>
           </a:p>
@@ -3470,7 +3473,7 @@
           <a:p>
             <a:fld id="{AD579C85-AEB8-458A-8F52-6C2E60381BFF}" type="datetimeFigureOut">
               <a:rPr lang="en-AU" smtClean="0"/>
-              <a:t>23/06/2022</a:t>
+              <a:t>26/06/2022</a:t>
             </a:fld>
             <a:endParaRPr lang="en-AU"/>
           </a:p>
@@ -3844,7 +3847,7 @@
           <a:p>
             <a:fld id="{AD579C85-AEB8-458A-8F52-6C2E60381BFF}" type="datetimeFigureOut">
               <a:rPr lang="en-AU" smtClean="0"/>
-              <a:t>23/06/2022</a:t>
+              <a:t>26/06/2022</a:t>
             </a:fld>
             <a:endParaRPr lang="en-AU"/>
           </a:p>
@@ -3967,7 +3970,7 @@
           <a:p>
             <a:fld id="{AD579C85-AEB8-458A-8F52-6C2E60381BFF}" type="datetimeFigureOut">
               <a:rPr lang="en-AU" smtClean="0"/>
-              <a:t>23/06/2022</a:t>
+              <a:t>26/06/2022</a:t>
             </a:fld>
             <a:endParaRPr lang="en-AU"/>
           </a:p>
@@ -4062,7 +4065,7 @@
           <a:p>
             <a:fld id="{AD579C85-AEB8-458A-8F52-6C2E60381BFF}" type="datetimeFigureOut">
               <a:rPr lang="en-AU" smtClean="0"/>
-              <a:t>23/06/2022</a:t>
+              <a:t>26/06/2022</a:t>
             </a:fld>
             <a:endParaRPr lang="en-AU"/>
           </a:p>
@@ -4317,7 +4320,7 @@
           <a:p>
             <a:fld id="{AD579C85-AEB8-458A-8F52-6C2E60381BFF}" type="datetimeFigureOut">
               <a:rPr lang="en-AU" smtClean="0"/>
-              <a:t>23/06/2022</a:t>
+              <a:t>26/06/2022</a:t>
             </a:fld>
             <a:endParaRPr lang="en-AU"/>
           </a:p>
@@ -4580,7 +4583,7 @@
           <a:p>
             <a:fld id="{AD579C85-AEB8-458A-8F52-6C2E60381BFF}" type="datetimeFigureOut">
               <a:rPr lang="en-AU" smtClean="0"/>
-              <a:t>23/06/2022</a:t>
+              <a:t>26/06/2022</a:t>
             </a:fld>
             <a:endParaRPr lang="en-AU"/>
           </a:p>
@@ -5323,7 +5326,7 @@
           <a:p>
             <a:fld id="{AD579C85-AEB8-458A-8F52-6C2E60381BFF}" type="datetimeFigureOut">
               <a:rPr lang="en-AU" smtClean="0"/>
-              <a:t>23/06/2022</a:t>
+              <a:t>26/06/2022</a:t>
             </a:fld>
             <a:endParaRPr lang="en-AU"/>
           </a:p>
@@ -5852,7 +5855,7 @@
           <p:cNvPr id="2" name="Title 1">
             <a:extLst>
               <a:ext uri="{FF2B5EF4-FFF2-40B4-BE49-F238E27FC236}">
-                <a16:creationId xmlns:a16="http://schemas.microsoft.com/office/drawing/2014/main" id="{931598F9-2CBD-3F51-6D6E-4BE3546F559B}"/>
+                <a16:creationId xmlns:a16="http://schemas.microsoft.com/office/drawing/2014/main" id="{C84C956E-6B31-44C0-6D0B-586A6DA9B52E}"/>
               </a:ext>
             </a:extLst>
           </p:cNvPr>
@@ -5860,38 +5863,41 @@
             <a:spLocks noGrp="1"/>
           </p:cNvSpPr>
           <p:nvPr>
-            <p:ph type="ctrTitle"/>
+            <p:ph type="title"/>
           </p:nvPr>
         </p:nvSpPr>
         <p:spPr>
           <a:xfrm>
-            <a:off x="3101047" y="848043"/>
-            <a:ext cx="5504154" cy="1177777"/>
+            <a:off x="1082687" y="1354318"/>
+            <a:ext cx="8596668" cy="1320800"/>
           </a:xfrm>
         </p:spPr>
         <p:txBody>
           <a:bodyPr>
-            <a:normAutofit/>
+            <a:noAutofit/>
           </a:bodyPr>
           <a:lstStyle/>
           <a:p>
             <a:r>
-              <a:rPr lang="en-AU" sz="3400" dirty="0"/>
-              <a:t>Plane Crash Data Analysis</a:t>
+              <a:rPr lang="en-AU" sz="5500" dirty="0"/>
+              <a:t>Fatalities in Transport</a:t>
             </a:r>
             <a:br>
-              <a:rPr lang="en-AU" sz="3400" dirty="0"/>
+              <a:rPr lang="en-AU" sz="5500" dirty="0"/>
             </a:br>
-            <a:endParaRPr lang="en-AU" sz="3400" dirty="0"/>
-          </a:p>
-        </p:txBody>
-      </p:sp>
-      <p:sp>
-        <p:nvSpPr>
-          <p:cNvPr id="3" name="Subtitle 2">
+            <a:r>
+              <a:rPr lang="en-AU" sz="5500" dirty="0"/>
+              <a:t>		</a:t>
+            </a:r>
+          </a:p>
+        </p:txBody>
+      </p:sp>
+      <p:sp>
+        <p:nvSpPr>
+          <p:cNvPr id="3" name="Content Placeholder 2">
             <a:extLst>
               <a:ext uri="{FF2B5EF4-FFF2-40B4-BE49-F238E27FC236}">
-                <a16:creationId xmlns:a16="http://schemas.microsoft.com/office/drawing/2014/main" id="{8C63538B-E841-0D3A-9BE3-C04C5A7BABC7}"/>
+                <a16:creationId xmlns:a16="http://schemas.microsoft.com/office/drawing/2014/main" id="{F1312D30-A0E8-A9E3-E22B-38746677E73C}"/>
               </a:ext>
             </a:extLst>
           </p:cNvPr>
@@ -5899,52 +5905,224 @@
             <a:spLocks noGrp="1"/>
           </p:cNvSpPr>
           <p:nvPr>
-            <p:ph type="subTitle" idx="1"/>
-          </p:nvPr>
-        </p:nvSpPr>
-        <p:spPr/>
+            <p:ph idx="1"/>
+          </p:nvPr>
+        </p:nvSpPr>
+        <p:spPr>
+          <a:xfrm>
+            <a:off x="546755" y="3428999"/>
+            <a:ext cx="8727247" cy="2612363"/>
+          </a:xfrm>
+        </p:spPr>
         <p:txBody>
           <a:bodyPr/>
           <a:lstStyle/>
           <a:p>
+            <a:endParaRPr lang="en-AU" sz="2800" dirty="0"/>
+          </a:p>
+          <a:p>
+            <a:r>
+              <a:rPr lang="en-AU" sz="2800" dirty="0"/>
+              <a:t>Group members: Robert, Maozhu, Dat, Brendan.</a:t>
+            </a:r>
+          </a:p>
+          <a:p>
             <a:endParaRPr lang="en-AU" dirty="0"/>
           </a:p>
-        </p:txBody>
-      </p:sp>
-      <p:pic>
-        <p:nvPicPr>
-          <p:cNvPr id="4" name="Picture 3">
+          <a:p>
+            <a:endParaRPr lang="en-AU" dirty="0"/>
+          </a:p>
+        </p:txBody>
+      </p:sp>
+    </p:spTree>
+    <p:extLst>
+      <p:ext uri="{BB962C8B-B14F-4D97-AF65-F5344CB8AC3E}">
+        <p14:creationId xmlns:p14="http://schemas.microsoft.com/office/powerpoint/2010/main" val="3327439870"/>
+      </p:ext>
+    </p:extLst>
+  </p:cSld>
+  <p:clrMapOvr>
+    <a:masterClrMapping/>
+  </p:clrMapOvr>
+</p:sld>
+</file>
+
+<file path=ppt/slides/slide10.xml><?xml version="1.0" encoding="utf-8"?>
+<p:sld xmlns:a="http://schemas.openxmlformats.org/drawingml/2006/main" xmlns:r="http://schemas.openxmlformats.org/officeDocument/2006/relationships" xmlns:p="http://schemas.openxmlformats.org/presentationml/2006/main">
+  <p:cSld>
+    <p:spTree>
+      <p:nvGrpSpPr>
+        <p:cNvPr id="1" name=""/>
+        <p:cNvGrpSpPr/>
+        <p:nvPr/>
+      </p:nvGrpSpPr>
+      <p:grpSpPr>
+        <a:xfrm>
+          <a:off x="0" y="0"/>
+          <a:ext cx="0" cy="0"/>
+          <a:chOff x="0" y="0"/>
+          <a:chExt cx="0" cy="0"/>
+        </a:xfrm>
+      </p:grpSpPr>
+      <p:sp>
+        <p:nvSpPr>
+          <p:cNvPr id="2" name="Title 1">
             <a:extLst>
               <a:ext uri="{FF2B5EF4-FFF2-40B4-BE49-F238E27FC236}">
-                <a16:creationId xmlns:a16="http://schemas.microsoft.com/office/drawing/2014/main" id="{717CE075-1C12-BCF8-BDCF-AD296B6A380F}"/>
+                <a16:creationId xmlns:a16="http://schemas.microsoft.com/office/drawing/2014/main" id="{CABB7E63-23DC-F7FB-B17F-A1CE0D513A49}"/>
               </a:ext>
             </a:extLst>
           </p:cNvPr>
-          <p:cNvPicPr>
-            <a:picLocks noChangeAspect="1"/>
-          </p:cNvPicPr>
-          <p:nvPr/>
-        </p:nvPicPr>
-        <p:blipFill>
-          <a:blip r:embed="rId2"/>
-          <a:stretch>
-            <a:fillRect/>
-          </a:stretch>
-        </p:blipFill>
+          <p:cNvSpPr>
+            <a:spLocks noGrp="1"/>
+          </p:cNvSpPr>
+          <p:nvPr>
+            <p:ph type="title"/>
+          </p:nvPr>
+        </p:nvSpPr>
         <p:spPr>
           <a:xfrm>
-            <a:off x="3710656" y="2193000"/>
-            <a:ext cx="4770688" cy="3011081"/>
-          </a:xfrm>
-          <a:prstGeom prst="rect">
-            <a:avLst/>
-          </a:prstGeom>
-        </p:spPr>
-      </p:pic>
+            <a:off x="1097280" y="624840"/>
+            <a:ext cx="8596668" cy="1320800"/>
+          </a:xfrm>
+        </p:spPr>
+        <p:txBody>
+          <a:bodyPr/>
+          <a:lstStyle/>
+          <a:p>
+            <a:r>
+              <a:rPr lang="en-US" dirty="0"/>
+              <a:t>Summary of Data</a:t>
+            </a:r>
+            <a:br>
+              <a:rPr lang="en-US" dirty="0"/>
+            </a:br>
+            <a:endParaRPr lang="en-AU" dirty="0"/>
+          </a:p>
+        </p:txBody>
+      </p:sp>
+      <p:sp>
+        <p:nvSpPr>
+          <p:cNvPr id="3" name="Content Placeholder 2">
+            <a:extLst>
+              <a:ext uri="{FF2B5EF4-FFF2-40B4-BE49-F238E27FC236}">
+                <a16:creationId xmlns:a16="http://schemas.microsoft.com/office/drawing/2014/main" id="{B864C4A7-39BA-DFDA-60AC-0CCBD080D348}"/>
+              </a:ext>
+            </a:extLst>
+          </p:cNvPr>
+          <p:cNvSpPr>
+            <a:spLocks noGrp="1"/>
+          </p:cNvSpPr>
+          <p:nvPr>
+            <p:ph idx="1"/>
+          </p:nvPr>
+        </p:nvSpPr>
+        <p:spPr>
+          <a:xfrm>
+            <a:off x="640734" y="1285240"/>
+            <a:ext cx="9509760" cy="5079683"/>
+          </a:xfrm>
+        </p:spPr>
+        <p:txBody>
+          <a:bodyPr>
+            <a:normAutofit fontScale="92500"/>
+          </a:bodyPr>
+          <a:lstStyle/>
+          <a:p>
+            <a:pPr marL="0" indent="0">
+              <a:buNone/>
+            </a:pPr>
+            <a:endParaRPr lang="en-US" dirty="0"/>
+          </a:p>
+          <a:p>
+            <a:r>
+              <a:rPr lang="en-US" sz="1600" dirty="0"/>
+              <a:t>In this data set, the average number of people on commercial planes was  36 and the average number of fatalities was 25.</a:t>
+            </a:r>
+          </a:p>
+          <a:p>
+            <a:r>
+              <a:rPr lang="en-US" sz="1600" dirty="0"/>
+              <a:t>The number of commercial plane crashes with one fatality or more is 1078 out of 1101.</a:t>
+            </a:r>
+          </a:p>
+          <a:p>
+            <a:r>
+              <a:rPr lang="en-US" sz="1600" dirty="0"/>
+              <a:t>The most common areas for aircraft failure are:</a:t>
+            </a:r>
+          </a:p>
+          <a:p>
+            <a:r>
+              <a:rPr lang="en-US" sz="1600" dirty="0"/>
+              <a:t>Hawaii with 6 incidents, Alaska with 5 incidents and Arizona with 2 incidents.</a:t>
+            </a:r>
+          </a:p>
+          <a:p>
+            <a:r>
+              <a:rPr lang="en-AU" sz="1600" dirty="0"/>
+              <a:t>The number of plane crashes has reduced dramatically over the past 30 years. </a:t>
+            </a:r>
+          </a:p>
+          <a:p>
+            <a:r>
+              <a:rPr lang="en-AU" sz="1600" dirty="0"/>
+              <a:t>The </a:t>
+            </a:r>
+            <a:r>
+              <a:rPr lang="en-US" sz="1600" dirty="0"/>
+              <a:t>De Havilland Canada DHC-6 was statistically the most dangerous plane to fly between 1991-2020. </a:t>
+            </a:r>
+          </a:p>
+          <a:p>
+            <a:r>
+              <a:rPr lang="en-AU" sz="1600" dirty="0"/>
+              <a:t>Wings were the largest mechanical issue. Weather in general was a major contributor to crashes but ice was mentioned the most. Pilot choices were by far the most important part of human error. </a:t>
+            </a:r>
+            <a:endParaRPr lang="en-US" sz="1600" dirty="0"/>
+          </a:p>
+          <a:p>
+            <a:r>
+              <a:rPr lang="en-AU" sz="1600" dirty="0"/>
+              <a:t>In conclusion, the environmental and pilot errors are the major contributing factors in plane crashes. </a:t>
+            </a:r>
+          </a:p>
+          <a:p>
+            <a:r>
+              <a:rPr lang="en-US" sz="1600" dirty="0"/>
+              <a:t>The chance of survival on plane crashes with 1 or more fatalities is 31.6 percent.</a:t>
+            </a:r>
+          </a:p>
+          <a:p>
+            <a:pPr marL="0" indent="0">
+              <a:buNone/>
+            </a:pPr>
+            <a:endParaRPr lang="en-AU" sz="1600" dirty="0"/>
+          </a:p>
+          <a:p>
+            <a:pPr marL="0" indent="0">
+              <a:buNone/>
+            </a:pPr>
+            <a:r>
+              <a:rPr lang="en-AU" sz="1600" dirty="0"/>
+              <a:t>Data Limitations:</a:t>
+            </a:r>
+          </a:p>
+          <a:p>
+            <a:pPr marL="0" indent="0">
+              <a:buNone/>
+            </a:pPr>
+            <a:r>
+              <a:rPr lang="en-AU" sz="1600" dirty="0"/>
+              <a:t>If I am in a crash, in which mode of transport am I most likely to survive?</a:t>
+            </a:r>
+          </a:p>
+        </p:txBody>
+      </p:sp>
     </p:spTree>
     <p:extLst>
       <p:ext uri="{BB962C8B-B14F-4D97-AF65-F5344CB8AC3E}">
-        <p14:creationId xmlns:p14="http://schemas.microsoft.com/office/powerpoint/2010/main" val="1351333660"/>
+        <p14:creationId xmlns:p14="http://schemas.microsoft.com/office/powerpoint/2010/main" val="2435629105"/>
       </p:ext>
     </p:extLst>
   </p:cSld>
@@ -5976,6 +6154,291 @@
           <p:cNvPr id="2" name="Title 1">
             <a:extLst>
               <a:ext uri="{FF2B5EF4-FFF2-40B4-BE49-F238E27FC236}">
+                <a16:creationId xmlns:a16="http://schemas.microsoft.com/office/drawing/2014/main" id="{5DCABF32-4BA5-3114-F9A1-983C2773AA1D}"/>
+              </a:ext>
+            </a:extLst>
+          </p:cNvPr>
+          <p:cNvSpPr>
+            <a:spLocks noGrp="1"/>
+          </p:cNvSpPr>
+          <p:nvPr>
+            <p:ph type="title"/>
+          </p:nvPr>
+        </p:nvSpPr>
+        <p:spPr>
+          <a:xfrm>
+            <a:off x="677334" y="609600"/>
+            <a:ext cx="8596668" cy="691299"/>
+          </a:xfrm>
+        </p:spPr>
+        <p:txBody>
+          <a:bodyPr/>
+          <a:lstStyle/>
+          <a:p>
+            <a:r>
+              <a:rPr lang="en-AU" dirty="0"/>
+              <a:t>Aim and Questions	</a:t>
+            </a:r>
+          </a:p>
+        </p:txBody>
+      </p:sp>
+      <p:sp>
+        <p:nvSpPr>
+          <p:cNvPr id="3" name="Content Placeholder 2">
+            <a:extLst>
+              <a:ext uri="{FF2B5EF4-FFF2-40B4-BE49-F238E27FC236}">
+                <a16:creationId xmlns:a16="http://schemas.microsoft.com/office/drawing/2014/main" id="{AB2F3311-A59D-4EE2-0FC5-CDCB2B3B79E9}"/>
+              </a:ext>
+            </a:extLst>
+          </p:cNvPr>
+          <p:cNvSpPr>
+            <a:spLocks noGrp="1"/>
+          </p:cNvSpPr>
+          <p:nvPr>
+            <p:ph idx="1"/>
+          </p:nvPr>
+        </p:nvSpPr>
+        <p:spPr>
+          <a:xfrm>
+            <a:off x="677334" y="2132309"/>
+            <a:ext cx="7637107" cy="3938553"/>
+          </a:xfrm>
+        </p:spPr>
+        <p:txBody>
+          <a:bodyPr>
+            <a:normAutofit fontScale="92500"/>
+          </a:bodyPr>
+          <a:lstStyle/>
+          <a:p>
+            <a:r>
+              <a:rPr lang="en-AU" dirty="0"/>
+              <a:t>Aim: To understand some of the reasons behind transport crashes of all types of non-military transport in the United States.</a:t>
+            </a:r>
+          </a:p>
+          <a:p>
+            <a:r>
+              <a:rPr lang="en-AU" dirty="0"/>
+              <a:t>Have vehicles become safer over time?</a:t>
+            </a:r>
+          </a:p>
+          <a:p>
+            <a:r>
+              <a:rPr lang="en-AU" dirty="0"/>
+              <a:t>What is the safest mode of transport per mile?</a:t>
+            </a:r>
+          </a:p>
+          <a:p>
+            <a:r>
+              <a:rPr lang="en-AU" dirty="0"/>
+              <a:t>What are some of the factors that can cause fatalities?</a:t>
+            </a:r>
+          </a:p>
+          <a:p>
+            <a:r>
+              <a:rPr lang="en-AU" dirty="0"/>
+              <a:t>Which are the safest states in the United States for transport?</a:t>
+            </a:r>
+          </a:p>
+          <a:p>
+            <a:r>
+              <a:rPr lang="en-AU" dirty="0"/>
+              <a:t>Which are the most dangerous states in the United States for transport?</a:t>
+            </a:r>
+          </a:p>
+          <a:p>
+            <a:pPr marL="0" indent="0">
+              <a:buNone/>
+            </a:pPr>
+            <a:r>
+              <a:rPr lang="en-AU" dirty="0"/>
+              <a:t>		</a:t>
+            </a:r>
+          </a:p>
+          <a:p>
+            <a:pPr marL="0" indent="0">
+              <a:buNone/>
+            </a:pPr>
+            <a:r>
+              <a:rPr lang="en-AU" dirty="0"/>
+              <a:t>We have decided to answer these questions to better understand what modes of transport are safest, and some of the factors that can affect safety.</a:t>
+            </a:r>
+          </a:p>
+          <a:p>
+            <a:endParaRPr lang="en-AU" dirty="0"/>
+          </a:p>
+          <a:p>
+            <a:pPr marL="0" indent="0">
+              <a:buNone/>
+            </a:pPr>
+            <a:endParaRPr lang="en-AU" dirty="0"/>
+          </a:p>
+          <a:p>
+            <a:endParaRPr lang="en-AU" dirty="0"/>
+          </a:p>
+          <a:p>
+            <a:endParaRPr lang="en-AU" dirty="0"/>
+          </a:p>
+        </p:txBody>
+      </p:sp>
+    </p:spTree>
+    <p:extLst>
+      <p:ext uri="{BB962C8B-B14F-4D97-AF65-F5344CB8AC3E}">
+        <p14:creationId xmlns:p14="http://schemas.microsoft.com/office/powerpoint/2010/main" val="807358635"/>
+      </p:ext>
+    </p:extLst>
+  </p:cSld>
+  <p:clrMapOvr>
+    <a:masterClrMapping/>
+  </p:clrMapOvr>
+</p:sld>
+</file>
+
+<file path=ppt/slides/slide3.xml><?xml version="1.0" encoding="utf-8"?>
+<p:sld xmlns:a="http://schemas.openxmlformats.org/drawingml/2006/main" xmlns:r="http://schemas.openxmlformats.org/officeDocument/2006/relationships" xmlns:p="http://schemas.openxmlformats.org/presentationml/2006/main">
+  <p:cSld>
+    <p:spTree>
+      <p:nvGrpSpPr>
+        <p:cNvPr id="1" name=""/>
+        <p:cNvGrpSpPr/>
+        <p:nvPr/>
+      </p:nvGrpSpPr>
+      <p:grpSpPr>
+        <a:xfrm>
+          <a:off x="0" y="0"/>
+          <a:ext cx="0" cy="0"/>
+          <a:chOff x="0" y="0"/>
+          <a:chExt cx="0" cy="0"/>
+        </a:xfrm>
+      </p:grpSpPr>
+      <p:sp>
+        <p:nvSpPr>
+          <p:cNvPr id="2" name="Title 1">
+            <a:extLst>
+              <a:ext uri="{FF2B5EF4-FFF2-40B4-BE49-F238E27FC236}">
+                <a16:creationId xmlns:a16="http://schemas.microsoft.com/office/drawing/2014/main" id="{931598F9-2CBD-3F51-6D6E-4BE3546F559B}"/>
+              </a:ext>
+            </a:extLst>
+          </p:cNvPr>
+          <p:cNvSpPr>
+            <a:spLocks noGrp="1"/>
+          </p:cNvSpPr>
+          <p:nvPr>
+            <p:ph type="ctrTitle"/>
+          </p:nvPr>
+        </p:nvSpPr>
+        <p:spPr>
+          <a:xfrm>
+            <a:off x="2893657" y="857470"/>
+            <a:ext cx="5504154" cy="1177777"/>
+          </a:xfrm>
+        </p:spPr>
+        <p:txBody>
+          <a:bodyPr>
+            <a:normAutofit/>
+          </a:bodyPr>
+          <a:lstStyle/>
+          <a:p>
+            <a:r>
+              <a:rPr lang="en-AU" sz="3400" dirty="0"/>
+              <a:t>Plane Crash Data Analysis</a:t>
+            </a:r>
+            <a:br>
+              <a:rPr lang="en-AU" sz="3400" dirty="0"/>
+            </a:br>
+            <a:endParaRPr lang="en-AU" sz="3400" dirty="0"/>
+          </a:p>
+        </p:txBody>
+      </p:sp>
+      <p:sp>
+        <p:nvSpPr>
+          <p:cNvPr id="3" name="Subtitle 2">
+            <a:extLst>
+              <a:ext uri="{FF2B5EF4-FFF2-40B4-BE49-F238E27FC236}">
+                <a16:creationId xmlns:a16="http://schemas.microsoft.com/office/drawing/2014/main" id="{8C63538B-E841-0D3A-9BE3-C04C5A7BABC7}"/>
+              </a:ext>
+            </a:extLst>
+          </p:cNvPr>
+          <p:cNvSpPr>
+            <a:spLocks noGrp="1"/>
+          </p:cNvSpPr>
+          <p:nvPr>
+            <p:ph type="subTitle" idx="1"/>
+          </p:nvPr>
+        </p:nvSpPr>
+        <p:spPr/>
+        <p:txBody>
+          <a:bodyPr/>
+          <a:lstStyle/>
+          <a:p>
+            <a:endParaRPr lang="en-AU" dirty="0"/>
+          </a:p>
+        </p:txBody>
+      </p:sp>
+      <p:pic>
+        <p:nvPicPr>
+          <p:cNvPr id="4" name="Picture 3">
+            <a:extLst>
+              <a:ext uri="{FF2B5EF4-FFF2-40B4-BE49-F238E27FC236}">
+                <a16:creationId xmlns:a16="http://schemas.microsoft.com/office/drawing/2014/main" id="{717CE075-1C12-BCF8-BDCF-AD296B6A380F}"/>
+              </a:ext>
+            </a:extLst>
+          </p:cNvPr>
+          <p:cNvPicPr>
+            <a:picLocks noChangeAspect="1"/>
+          </p:cNvPicPr>
+          <p:nvPr/>
+        </p:nvPicPr>
+        <p:blipFill>
+          <a:blip r:embed="rId2"/>
+          <a:stretch>
+            <a:fillRect/>
+          </a:stretch>
+        </p:blipFill>
+        <p:spPr>
+          <a:xfrm>
+            <a:off x="3361864" y="2136651"/>
+            <a:ext cx="4770688" cy="3011081"/>
+          </a:xfrm>
+          <a:prstGeom prst="rect">
+            <a:avLst/>
+          </a:prstGeom>
+        </p:spPr>
+      </p:pic>
+    </p:spTree>
+    <p:extLst>
+      <p:ext uri="{BB962C8B-B14F-4D97-AF65-F5344CB8AC3E}">
+        <p14:creationId xmlns:p14="http://schemas.microsoft.com/office/powerpoint/2010/main" val="1351333660"/>
+      </p:ext>
+    </p:extLst>
+  </p:cSld>
+  <p:clrMapOvr>
+    <a:masterClrMapping/>
+  </p:clrMapOvr>
+</p:sld>
+</file>
+
+<file path=ppt/slides/slide4.xml><?xml version="1.0" encoding="utf-8"?>
+<p:sld xmlns:a="http://schemas.openxmlformats.org/drawingml/2006/main" xmlns:r="http://schemas.openxmlformats.org/officeDocument/2006/relationships" xmlns:p="http://schemas.openxmlformats.org/presentationml/2006/main">
+  <p:cSld>
+    <p:spTree>
+      <p:nvGrpSpPr>
+        <p:cNvPr id="1" name=""/>
+        <p:cNvGrpSpPr/>
+        <p:nvPr/>
+      </p:nvGrpSpPr>
+      <p:grpSpPr>
+        <a:xfrm>
+          <a:off x="0" y="0"/>
+          <a:ext cx="0" cy="0"/>
+          <a:chOff x="0" y="0"/>
+          <a:chExt cx="0" cy="0"/>
+        </a:xfrm>
+      </p:grpSpPr>
+      <p:sp>
+        <p:nvSpPr>
+          <p:cNvPr id="2" name="Title 1">
+            <a:extLst>
+              <a:ext uri="{FF2B5EF4-FFF2-40B4-BE49-F238E27FC236}">
                 <a16:creationId xmlns:a16="http://schemas.microsoft.com/office/drawing/2014/main" id="{3B4FFD86-4AC5-5C71-86C2-D83B39E97865}"/>
               </a:ext>
             </a:extLst>
@@ -6037,10 +6500,45 @@
         <p:spPr>
           <a:xfrm>
             <a:off x="838200" y="1089881"/>
-            <a:ext cx="8576768" cy="4678238"/>
+            <a:ext cx="6156489" cy="4678238"/>
           </a:xfrm>
         </p:spPr>
       </p:pic>
+      <p:sp>
+        <p:nvSpPr>
+          <p:cNvPr id="3" name="TextBox 2">
+            <a:extLst>
+              <a:ext uri="{FF2B5EF4-FFF2-40B4-BE49-F238E27FC236}">
+                <a16:creationId xmlns:a16="http://schemas.microsoft.com/office/drawing/2014/main" id="{3F29EDD1-0F8A-1650-2CA9-60483FD07BD1}"/>
+              </a:ext>
+            </a:extLst>
+          </p:cNvPr>
+          <p:cNvSpPr txBox="1"/>
+          <p:nvPr/>
+        </p:nvSpPr>
+        <p:spPr>
+          <a:xfrm>
+            <a:off x="7107810" y="1706250"/>
+            <a:ext cx="2281287" cy="1384995"/>
+          </a:xfrm>
+          <a:prstGeom prst="rect">
+            <a:avLst/>
+          </a:prstGeom>
+          <a:noFill/>
+        </p:spPr>
+        <p:txBody>
+          <a:bodyPr wrap="square" rtlCol="0">
+            <a:spAutoFit/>
+          </a:bodyPr>
+          <a:lstStyle/>
+          <a:p>
+            <a:r>
+              <a:rPr lang="en-AU" sz="1400" dirty="0"/>
+              <a:t>This bar chart shows the most dangerous plane due to the number of crashes. The De Havilland Canada DHC-6 between 1991-2020 was the worst. </a:t>
+            </a:r>
+          </a:p>
+        </p:txBody>
+      </p:sp>
     </p:spTree>
     <p:extLst>
       <p:ext uri="{BB962C8B-B14F-4D97-AF65-F5344CB8AC3E}">
@@ -6054,7 +6552,7 @@
 </p:sld>
 </file>
 
-<file path=ppt/slides/slide3.xml><?xml version="1.0" encoding="utf-8"?>
+<file path=ppt/slides/slide5.xml><?xml version="1.0" encoding="utf-8"?>
 <p:sld xmlns:a="http://schemas.openxmlformats.org/drawingml/2006/main" xmlns:r="http://schemas.openxmlformats.org/officeDocument/2006/relationships" xmlns:p="http://schemas.openxmlformats.org/presentationml/2006/main">
   <p:cSld>
     <p:spTree>
@@ -6796,7 +7294,7 @@
 </p:sld>
 </file>
 
-<file path=ppt/slides/slide4.xml><?xml version="1.0" encoding="utf-8"?>
+<file path=ppt/slides/slide6.xml><?xml version="1.0" encoding="utf-8"?>
 <p:sld xmlns:a="http://schemas.openxmlformats.org/drawingml/2006/main" xmlns:r="http://schemas.openxmlformats.org/officeDocument/2006/relationships" xmlns:p="http://schemas.openxmlformats.org/presentationml/2006/main">
   <p:cSld>
     <p:spTree>
@@ -6860,33 +7358,45 @@
         </p:nvSpPr>
         <p:spPr>
           <a:xfrm>
-            <a:off x="838200" y="1825625"/>
-            <a:ext cx="9448800" cy="1325563"/>
+            <a:off x="838199" y="1825624"/>
+            <a:ext cx="10144028" cy="1603376"/>
           </a:xfrm>
         </p:spPr>
         <p:txBody>
           <a:bodyPr>
-            <a:normAutofit/>
+            <a:normAutofit fontScale="85000" lnSpcReduction="20000"/>
           </a:bodyPr>
           <a:lstStyle/>
           <a:p>
             <a:r>
-              <a:rPr lang="en-US" sz="2200" dirty="0"/>
+              <a:rPr lang="en-US" sz="1600" dirty="0"/>
               <a:t>There were 1101 plane crashes between 1991-2020</a:t>
             </a:r>
           </a:p>
           <a:p>
             <a:r>
-              <a:rPr lang="en-US" sz="2200" dirty="0"/>
-              <a:t>Used </a:t>
-            </a:r>
-            <a:r>
-              <a:rPr lang="en-US" sz="2200" dirty="0" err="1"/>
+              <a:rPr lang="en-US" sz="1600" dirty="0"/>
+              <a:t>The group considered factors that could contribute to plane crashes and put them into categories of environmental, human error and mechanical failures.</a:t>
+            </a:r>
+          </a:p>
+          <a:p>
+            <a:r>
+              <a:rPr lang="en-US" sz="1600" dirty="0"/>
+              <a:t>We researched these categories by using the </a:t>
+            </a:r>
+            <a:r>
+              <a:rPr lang="en-US" sz="1600" dirty="0" err="1"/>
               <a:t>str.contains</a:t>
             </a:r>
             <a:r>
-              <a:rPr lang="en-US" sz="2200" dirty="0"/>
-              <a:t>() method in summary to find the reasons for crashes. </a:t>
+              <a:rPr lang="en-US" sz="1600" dirty="0"/>
+              <a:t>() method in the Summary of Events data content to find common vocabulary after reading through a few examples.  </a:t>
+            </a:r>
+          </a:p>
+          <a:p>
+            <a:r>
+              <a:rPr lang="en-US" sz="1600" dirty="0"/>
+              <a:t> </a:t>
             </a:r>
           </a:p>
           <a:p>
@@ -6896,10 +7406,10 @@
       </p:sp>
       <p:pic>
         <p:nvPicPr>
-          <p:cNvPr id="7" name="Picture 6">
+          <p:cNvPr id="6" name="Picture 5">
             <a:extLst>
               <a:ext uri="{FF2B5EF4-FFF2-40B4-BE49-F238E27FC236}">
-                <a16:creationId xmlns:a16="http://schemas.microsoft.com/office/drawing/2014/main" id="{A457D33A-BA82-4544-F819-EACC1EBF3EDB}"/>
+                <a16:creationId xmlns:a16="http://schemas.microsoft.com/office/drawing/2014/main" id="{35AD73E3-62E6-B396-E912-5C9B66FA29EF}"/>
               </a:ext>
             </a:extLst>
           </p:cNvPr>
@@ -6922,247 +7432,71 @@
         </p:blipFill>
         <p:spPr>
           <a:xfrm>
-            <a:off x="5822683" y="2972179"/>
-            <a:ext cx="5025715" cy="3605409"/>
+            <a:off x="838199" y="3212019"/>
+            <a:ext cx="4438699" cy="3431163"/>
           </a:xfrm>
           <a:prstGeom prst="rect">
             <a:avLst/>
           </a:prstGeom>
         </p:spPr>
       </p:pic>
-      <p:pic>
-        <p:nvPicPr>
-          <p:cNvPr id="6" name="Picture 5">
+      <p:sp>
+        <p:nvSpPr>
+          <p:cNvPr id="5" name="TextBox 4">
             <a:extLst>
               <a:ext uri="{FF2B5EF4-FFF2-40B4-BE49-F238E27FC236}">
-                <a16:creationId xmlns:a16="http://schemas.microsoft.com/office/drawing/2014/main" id="{35AD73E3-62E6-B396-E912-5C9B66FA29EF}"/>
+                <a16:creationId xmlns:a16="http://schemas.microsoft.com/office/drawing/2014/main" id="{D6162296-55C9-97BF-B16C-4B435B318FD9}"/>
               </a:ext>
             </a:extLst>
           </p:cNvPr>
-          <p:cNvPicPr>
-            <a:picLocks noChangeAspect="1"/>
-          </p:cNvPicPr>
+          <p:cNvSpPr txBox="1"/>
           <p:nvPr/>
-        </p:nvPicPr>
-        <p:blipFill>
-          <a:blip r:embed="rId3">
-            <a:extLst>
-              <a:ext uri="{28A0092B-C50C-407E-A947-70E740481C1C}">
-                <a14:useLocalDpi xmlns:a14="http://schemas.microsoft.com/office/drawing/2010/main" val="0"/>
-              </a:ext>
-            </a:extLst>
-          </a:blip>
-          <a:stretch>
-            <a:fillRect/>
-          </a:stretch>
-        </p:blipFill>
+        </p:nvSpPr>
         <p:spPr>
           <a:xfrm>
-            <a:off x="838200" y="2972179"/>
-            <a:ext cx="4664111" cy="3605409"/>
+            <a:off x="5401166" y="3881159"/>
+            <a:ext cx="4609707" cy="2092881"/>
           </a:xfrm>
           <a:prstGeom prst="rect">
             <a:avLst/>
           </a:prstGeom>
-        </p:spPr>
-      </p:pic>
+          <a:noFill/>
+        </p:spPr>
+        <p:txBody>
+          <a:bodyPr wrap="square" rtlCol="0">
+            <a:spAutoFit/>
+          </a:bodyPr>
+          <a:lstStyle/>
+          <a:p>
+            <a:r>
+              <a:rPr lang="en-AU" sz="1400" dirty="0"/>
+              <a:t>This bar chart shows the number of accidents in which “poor weather”, “weather”, “fog", "ice” and “wind were mentioned in the reasons for the crash.</a:t>
+            </a:r>
+          </a:p>
+          <a:p>
+            <a:endParaRPr lang="en-AU" sz="1400" dirty="0"/>
+          </a:p>
+          <a:p>
+            <a:r>
+              <a:rPr lang="en-AU" sz="1400" dirty="0"/>
+              <a:t>Weather was mentioned 141 times for 1101 flights that crashed. This was split into fog (74), ice (98) and wind (65) as well as “poor weather” (58).</a:t>
+            </a:r>
+          </a:p>
+          <a:p>
+            <a:r>
+              <a:rPr lang="en-AU" sz="1400" dirty="0"/>
+              <a:t> </a:t>
+            </a:r>
+          </a:p>
+          <a:p>
+            <a:endParaRPr lang="en-AU" dirty="0"/>
+          </a:p>
+        </p:txBody>
+      </p:sp>
     </p:spTree>
     <p:extLst>
       <p:ext uri="{BB962C8B-B14F-4D97-AF65-F5344CB8AC3E}">
         <p14:creationId xmlns:p14="http://schemas.microsoft.com/office/powerpoint/2010/main" val="3304702982"/>
-      </p:ext>
-    </p:extLst>
-  </p:cSld>
-  <p:clrMapOvr>
-    <a:masterClrMapping/>
-  </p:clrMapOvr>
-</p:sld>
-</file>
-
-<file path=ppt/slides/slide5.xml><?xml version="1.0" encoding="utf-8"?>
-<p:sld xmlns:a="http://schemas.openxmlformats.org/drawingml/2006/main" xmlns:r="http://schemas.openxmlformats.org/officeDocument/2006/relationships" xmlns:p="http://schemas.openxmlformats.org/presentationml/2006/main">
-  <p:cSld>
-    <p:spTree>
-      <p:nvGrpSpPr>
-        <p:cNvPr id="1" name=""/>
-        <p:cNvGrpSpPr/>
-        <p:nvPr/>
-      </p:nvGrpSpPr>
-      <p:grpSpPr>
-        <a:xfrm>
-          <a:off x="0" y="0"/>
-          <a:ext cx="0" cy="0"/>
-          <a:chOff x="0" y="0"/>
-          <a:chExt cx="0" cy="0"/>
-        </a:xfrm>
-      </p:grpSpPr>
-      <p:sp>
-        <p:nvSpPr>
-          <p:cNvPr id="2" name="Title 1">
-            <a:extLst>
-              <a:ext uri="{FF2B5EF4-FFF2-40B4-BE49-F238E27FC236}">
-                <a16:creationId xmlns:a16="http://schemas.microsoft.com/office/drawing/2014/main" id="{AF563713-C653-0A5B-12E5-CEAC57C3E9C8}"/>
-              </a:ext>
-            </a:extLst>
-          </p:cNvPr>
-          <p:cNvSpPr>
-            <a:spLocks noGrp="1"/>
-          </p:cNvSpPr>
-          <p:nvPr>
-            <p:ph type="title"/>
-          </p:nvPr>
-        </p:nvSpPr>
-        <p:spPr>
-          <a:xfrm>
-            <a:off x="1066800" y="410846"/>
-            <a:ext cx="3300663" cy="982412"/>
-          </a:xfrm>
-        </p:spPr>
-        <p:txBody>
-          <a:bodyPr/>
-          <a:lstStyle/>
-          <a:p>
-            <a:r>
-              <a:rPr lang="en-AU" dirty="0"/>
-              <a:t>Human Error</a:t>
-            </a:r>
-          </a:p>
-        </p:txBody>
-      </p:sp>
-      <p:pic>
-        <p:nvPicPr>
-          <p:cNvPr id="8" name="Content Placeholder 7">
-            <a:extLst>
-              <a:ext uri="{FF2B5EF4-FFF2-40B4-BE49-F238E27FC236}">
-                <a16:creationId xmlns:a16="http://schemas.microsoft.com/office/drawing/2014/main" id="{4857302C-7A2D-E98B-A4AF-7D06D298245F}"/>
-              </a:ext>
-            </a:extLst>
-          </p:cNvPr>
-          <p:cNvPicPr>
-            <a:picLocks noGrp="1" noChangeAspect="1"/>
-          </p:cNvPicPr>
-          <p:nvPr>
-            <p:ph idx="1"/>
-          </p:nvPr>
-        </p:nvPicPr>
-        <p:blipFill>
-          <a:blip r:embed="rId2">
-            <a:extLst>
-              <a:ext uri="{28A0092B-C50C-407E-A947-70E740481C1C}">
-                <a14:useLocalDpi xmlns:a14="http://schemas.microsoft.com/office/drawing/2010/main" val="0"/>
-              </a:ext>
-            </a:extLst>
-          </a:blip>
-          <a:stretch>
-            <a:fillRect/>
-          </a:stretch>
-        </p:blipFill>
-        <p:spPr>
-          <a:xfrm>
-            <a:off x="1418035" y="2160588"/>
-            <a:ext cx="7115967" cy="3881437"/>
-          </a:xfrm>
-        </p:spPr>
-      </p:pic>
-    </p:spTree>
-    <p:extLst>
-      <p:ext uri="{BB962C8B-B14F-4D97-AF65-F5344CB8AC3E}">
-        <p14:creationId xmlns:p14="http://schemas.microsoft.com/office/powerpoint/2010/main" val="154307542"/>
-      </p:ext>
-    </p:extLst>
-  </p:cSld>
-  <p:clrMapOvr>
-    <a:masterClrMapping/>
-  </p:clrMapOvr>
-</p:sld>
-</file>
-
-<file path=ppt/slides/slide6.xml><?xml version="1.0" encoding="utf-8"?>
-<p:sld xmlns:a="http://schemas.openxmlformats.org/drawingml/2006/main" xmlns:r="http://schemas.openxmlformats.org/officeDocument/2006/relationships" xmlns:p="http://schemas.openxmlformats.org/presentationml/2006/main">
-  <p:cSld>
-    <p:spTree>
-      <p:nvGrpSpPr>
-        <p:cNvPr id="1" name=""/>
-        <p:cNvGrpSpPr/>
-        <p:nvPr/>
-      </p:nvGrpSpPr>
-      <p:grpSpPr>
-        <a:xfrm>
-          <a:off x="0" y="0"/>
-          <a:ext cx="0" cy="0"/>
-          <a:chOff x="0" y="0"/>
-          <a:chExt cx="0" cy="0"/>
-        </a:xfrm>
-      </p:grpSpPr>
-      <p:sp>
-        <p:nvSpPr>
-          <p:cNvPr id="2" name="Title 1">
-            <a:extLst>
-              <a:ext uri="{FF2B5EF4-FFF2-40B4-BE49-F238E27FC236}">
-                <a16:creationId xmlns:a16="http://schemas.microsoft.com/office/drawing/2014/main" id="{D364FA41-52FF-F005-5810-DB1A3C65B0D4}"/>
-              </a:ext>
-            </a:extLst>
-          </p:cNvPr>
-          <p:cNvSpPr>
-            <a:spLocks noGrp="1"/>
-          </p:cNvSpPr>
-          <p:nvPr>
-            <p:ph type="title"/>
-          </p:nvPr>
-        </p:nvSpPr>
-        <p:spPr/>
-        <p:txBody>
-          <a:bodyPr>
-            <a:normAutofit/>
-          </a:bodyPr>
-          <a:lstStyle/>
-          <a:p>
-            <a:r>
-              <a:rPr lang="en-AU" sz="3300" dirty="0"/>
-              <a:t>Has Aviation Become Safer?</a:t>
-            </a:r>
-          </a:p>
-        </p:txBody>
-      </p:sp>
-      <p:pic>
-        <p:nvPicPr>
-          <p:cNvPr id="6" name="Content Placeholder 5">
-            <a:extLst>
-              <a:ext uri="{FF2B5EF4-FFF2-40B4-BE49-F238E27FC236}">
-                <a16:creationId xmlns:a16="http://schemas.microsoft.com/office/drawing/2014/main" id="{18631E03-2F87-CF15-CDCF-9A00C7CADC10}"/>
-              </a:ext>
-            </a:extLst>
-          </p:cNvPr>
-          <p:cNvPicPr>
-            <a:picLocks noGrp="1" noChangeAspect="1"/>
-          </p:cNvPicPr>
-          <p:nvPr>
-            <p:ph idx="1"/>
-          </p:nvPr>
-        </p:nvPicPr>
-        <p:blipFill>
-          <a:blip r:embed="rId2">
-            <a:extLst>
-              <a:ext uri="{28A0092B-C50C-407E-A947-70E740481C1C}">
-                <a14:useLocalDpi xmlns:a14="http://schemas.microsoft.com/office/drawing/2010/main" val="0"/>
-              </a:ext>
-            </a:extLst>
-          </a:blip>
-          <a:stretch>
-            <a:fillRect/>
-          </a:stretch>
-        </p:blipFill>
-        <p:spPr>
-          <a:xfrm>
-            <a:off x="1417684" y="1779588"/>
-            <a:ext cx="7115967" cy="3881437"/>
-          </a:xfrm>
-        </p:spPr>
-      </p:pic>
-    </p:spTree>
-    <p:extLst>
-      <p:ext uri="{BB962C8B-B14F-4D97-AF65-F5344CB8AC3E}">
-        <p14:creationId xmlns:p14="http://schemas.microsoft.com/office/powerpoint/2010/main" val="3132460337"/>
       </p:ext>
     </p:extLst>
   </p:cSld>
@@ -7194,7 +7528,7 @@
           <p:cNvPr id="2" name="Title 1">
             <a:extLst>
               <a:ext uri="{FF2B5EF4-FFF2-40B4-BE49-F238E27FC236}">
-                <a16:creationId xmlns:a16="http://schemas.microsoft.com/office/drawing/2014/main" id="{CABB7E63-23DC-F7FB-B17F-A1CE0D513A49}"/>
+                <a16:creationId xmlns:a16="http://schemas.microsoft.com/office/drawing/2014/main" id="{88F7C7F3-68D9-2180-5527-8B2072D9AE30}"/>
               </a:ext>
             </a:extLst>
           </p:cNvPr>
@@ -7207,103 +7541,387 @@
         </p:nvSpPr>
         <p:spPr>
           <a:xfrm>
-            <a:off x="1097280" y="624840"/>
-            <a:ext cx="8596668" cy="1320800"/>
-          </a:xfrm>
-        </p:spPr>
-        <p:txBody>
-          <a:bodyPr/>
-          <a:lstStyle/>
-          <a:p>
-            <a:r>
-              <a:rPr lang="en-US" dirty="0"/>
-              <a:t>Summary of Data</a:t>
-            </a:r>
-            <a:br>
-              <a:rPr lang="en-US" dirty="0"/>
-            </a:br>
-            <a:endParaRPr lang="en-AU" dirty="0"/>
-          </a:p>
-        </p:txBody>
-      </p:sp>
-      <p:sp>
-        <p:nvSpPr>
-          <p:cNvPr id="3" name="Content Placeholder 2">
+            <a:off x="677334" y="609600"/>
+            <a:ext cx="6854682" cy="842128"/>
+          </a:xfrm>
+        </p:spPr>
+        <p:txBody>
+          <a:bodyPr>
+            <a:normAutofit fontScale="90000"/>
+          </a:bodyPr>
+          <a:lstStyle/>
+          <a:p>
+            <a:r>
+              <a:rPr lang="en-AU" dirty="0"/>
+              <a:t>Mechanical Issues that Contributed to Failure</a:t>
+            </a:r>
+          </a:p>
+        </p:txBody>
+      </p:sp>
+      <p:pic>
+        <p:nvPicPr>
+          <p:cNvPr id="4" name="Content Placeholder 3">
             <a:extLst>
               <a:ext uri="{FF2B5EF4-FFF2-40B4-BE49-F238E27FC236}">
-                <a16:creationId xmlns:a16="http://schemas.microsoft.com/office/drawing/2014/main" id="{B864C4A7-39BA-DFDA-60AC-0CCBD080D348}"/>
+                <a16:creationId xmlns:a16="http://schemas.microsoft.com/office/drawing/2014/main" id="{DA40A3FB-9535-6157-35D6-4A17EE833D55}"/>
               </a:ext>
             </a:extLst>
           </p:cNvPr>
-          <p:cNvSpPr>
-            <a:spLocks noGrp="1"/>
-          </p:cNvSpPr>
+          <p:cNvPicPr>
+            <a:picLocks noGrp="1" noChangeAspect="1"/>
+          </p:cNvPicPr>
           <p:nvPr>
             <p:ph idx="1"/>
           </p:nvPr>
-        </p:nvSpPr>
+        </p:nvPicPr>
+        <p:blipFill>
+          <a:blip r:embed="rId2">
+            <a:extLst>
+              <a:ext uri="{28A0092B-C50C-407E-A947-70E740481C1C}">
+                <a14:useLocalDpi xmlns:a14="http://schemas.microsoft.com/office/drawing/2010/main" val="0"/>
+              </a:ext>
+            </a:extLst>
+          </a:blip>
+          <a:stretch>
+            <a:fillRect/>
+          </a:stretch>
+        </p:blipFill>
         <p:spPr>
           <a:xfrm>
-            <a:off x="1097280" y="1737360"/>
-            <a:ext cx="9509760" cy="5079683"/>
-          </a:xfrm>
-        </p:spPr>
+            <a:off x="503636" y="2396258"/>
+            <a:ext cx="6080038" cy="3504921"/>
+          </a:xfrm>
+          <a:prstGeom prst="rect">
+            <a:avLst/>
+          </a:prstGeom>
+        </p:spPr>
+      </p:pic>
+      <p:sp>
+        <p:nvSpPr>
+          <p:cNvPr id="7" name="TextBox 6">
+            <a:extLst>
+              <a:ext uri="{FF2B5EF4-FFF2-40B4-BE49-F238E27FC236}">
+                <a16:creationId xmlns:a16="http://schemas.microsoft.com/office/drawing/2014/main" id="{3F3CADFB-E341-71C1-FC82-C1CCC7647163}"/>
+              </a:ext>
+            </a:extLst>
+          </p:cNvPr>
+          <p:cNvSpPr txBox="1"/>
+          <p:nvPr/>
+        </p:nvSpPr>
+        <p:spPr>
+          <a:xfrm>
+            <a:off x="6504494" y="2978869"/>
+            <a:ext cx="4363737" cy="2677656"/>
+          </a:xfrm>
+          <a:prstGeom prst="rect">
+            <a:avLst/>
+          </a:prstGeom>
+          <a:noFill/>
+        </p:spPr>
+        <p:txBody>
+          <a:bodyPr wrap="square" rtlCol="0">
+            <a:spAutoFit/>
+          </a:bodyPr>
+          <a:lstStyle/>
+          <a:p>
+            <a:r>
+              <a:rPr lang="en-AU" sz="1400" dirty="0"/>
+              <a:t>This bar chart shows the number of accidents in which “wing”, “stalled”, “rudder”  and “aircraft” were mentioned in the reasons for the crash. </a:t>
+            </a:r>
+          </a:p>
+          <a:p>
+            <a:endParaRPr lang="en-AU" sz="1400" dirty="0"/>
+          </a:p>
+          <a:p>
+            <a:r>
+              <a:rPr lang="en-AU" sz="1400" dirty="0"/>
+              <a:t>Wings were the largest issue with 97 mentions out of 1101 crashes which was twice as often as “stalled” in the event summary data.</a:t>
+            </a:r>
+          </a:p>
+          <a:p>
+            <a:endParaRPr lang="en-AU" sz="1400" dirty="0"/>
+          </a:p>
+          <a:p>
+            <a:r>
+              <a:rPr lang="en-AU" sz="1400" dirty="0"/>
+              <a:t>Thankfully very few flights had sudden issues or rudder failure. </a:t>
+            </a:r>
+          </a:p>
+          <a:p>
+            <a:endParaRPr lang="en-AU" sz="1400" dirty="0"/>
+          </a:p>
+          <a:p>
+            <a:endParaRPr lang="en-AU" sz="1400" dirty="0"/>
+          </a:p>
+        </p:txBody>
+      </p:sp>
+    </p:spTree>
+    <p:extLst>
+      <p:ext uri="{BB962C8B-B14F-4D97-AF65-F5344CB8AC3E}">
+        <p14:creationId xmlns:p14="http://schemas.microsoft.com/office/powerpoint/2010/main" val="2774555873"/>
+      </p:ext>
+    </p:extLst>
+  </p:cSld>
+  <p:clrMapOvr>
+    <a:masterClrMapping/>
+  </p:clrMapOvr>
+</p:sld>
+</file>
+
+<file path=ppt/slides/slide8.xml><?xml version="1.0" encoding="utf-8"?>
+<p:sld xmlns:a="http://schemas.openxmlformats.org/drawingml/2006/main" xmlns:r="http://schemas.openxmlformats.org/officeDocument/2006/relationships" xmlns:p="http://schemas.openxmlformats.org/presentationml/2006/main">
+  <p:cSld>
+    <p:spTree>
+      <p:nvGrpSpPr>
+        <p:cNvPr id="1" name=""/>
+        <p:cNvGrpSpPr/>
+        <p:nvPr/>
+      </p:nvGrpSpPr>
+      <p:grpSpPr>
+        <a:xfrm>
+          <a:off x="0" y="0"/>
+          <a:ext cx="0" cy="0"/>
+          <a:chOff x="0" y="0"/>
+          <a:chExt cx="0" cy="0"/>
+        </a:xfrm>
+      </p:grpSpPr>
+      <p:sp>
+        <p:nvSpPr>
+          <p:cNvPr id="2" name="Title 1">
+            <a:extLst>
+              <a:ext uri="{FF2B5EF4-FFF2-40B4-BE49-F238E27FC236}">
+                <a16:creationId xmlns:a16="http://schemas.microsoft.com/office/drawing/2014/main" id="{AF563713-C653-0A5B-12E5-CEAC57C3E9C8}"/>
+              </a:ext>
+            </a:extLst>
+          </p:cNvPr>
+          <p:cNvSpPr>
+            <a:spLocks noGrp="1"/>
+          </p:cNvSpPr>
+          <p:nvPr>
+            <p:ph type="title"/>
+          </p:nvPr>
+        </p:nvSpPr>
+        <p:spPr>
+          <a:xfrm>
+            <a:off x="1066800" y="410846"/>
+            <a:ext cx="7766115" cy="982412"/>
+          </a:xfrm>
+        </p:spPr>
+        <p:txBody>
+          <a:bodyPr>
+            <a:normAutofit fontScale="90000"/>
+          </a:bodyPr>
+          <a:lstStyle/>
+          <a:p>
+            <a:r>
+              <a:rPr lang="en-AU" dirty="0"/>
+              <a:t>Human Error Involved in Plane Crashes</a:t>
+            </a:r>
+          </a:p>
+        </p:txBody>
+      </p:sp>
+      <p:pic>
+        <p:nvPicPr>
+          <p:cNvPr id="8" name="Content Placeholder 7">
+            <a:extLst>
+              <a:ext uri="{FF2B5EF4-FFF2-40B4-BE49-F238E27FC236}">
+                <a16:creationId xmlns:a16="http://schemas.microsoft.com/office/drawing/2014/main" id="{4857302C-7A2D-E98B-A4AF-7D06D298245F}"/>
+              </a:ext>
+            </a:extLst>
+          </p:cNvPr>
+          <p:cNvPicPr>
+            <a:picLocks noGrp="1" noChangeAspect="1"/>
+          </p:cNvPicPr>
+          <p:nvPr>
+            <p:ph idx="1"/>
+          </p:nvPr>
+        </p:nvPicPr>
+        <p:blipFill>
+          <a:blip r:embed="rId2">
+            <a:extLst>
+              <a:ext uri="{28A0092B-C50C-407E-A947-70E740481C1C}">
+                <a14:useLocalDpi xmlns:a14="http://schemas.microsoft.com/office/drawing/2010/main" val="0"/>
+              </a:ext>
+            </a:extLst>
+          </a:blip>
+          <a:stretch>
+            <a:fillRect/>
+          </a:stretch>
+        </p:blipFill>
+        <p:spPr>
+          <a:xfrm>
+            <a:off x="456006" y="2659117"/>
+            <a:ext cx="5475152" cy="3250795"/>
+          </a:xfrm>
+        </p:spPr>
+      </p:pic>
+      <p:sp>
+        <p:nvSpPr>
+          <p:cNvPr id="3" name="TextBox 2">
+            <a:extLst>
+              <a:ext uri="{FF2B5EF4-FFF2-40B4-BE49-F238E27FC236}">
+                <a16:creationId xmlns:a16="http://schemas.microsoft.com/office/drawing/2014/main" id="{1EC18646-85D3-CD32-6D3F-C6749D8A6E13}"/>
+              </a:ext>
+            </a:extLst>
+          </p:cNvPr>
+          <p:cNvSpPr txBox="1"/>
+          <p:nvPr/>
+        </p:nvSpPr>
+        <p:spPr>
+          <a:xfrm>
+            <a:off x="6009372" y="2880708"/>
+            <a:ext cx="4406375" cy="3554819"/>
+          </a:xfrm>
+          <a:prstGeom prst="rect">
+            <a:avLst/>
+          </a:prstGeom>
+          <a:noFill/>
+        </p:spPr>
+        <p:txBody>
+          <a:bodyPr wrap="square" rtlCol="0">
+            <a:spAutoFit/>
+          </a:bodyPr>
+          <a:lstStyle/>
+          <a:p>
+            <a:r>
+              <a:rPr lang="en-AU" sz="1500" dirty="0"/>
+              <a:t>Human Error in planes crashes was counted by using variations of “pilot” or “air traffic control”.</a:t>
+            </a:r>
+          </a:p>
+          <a:p>
+            <a:endParaRPr lang="en-AU" sz="1500" dirty="0"/>
+          </a:p>
+          <a:p>
+            <a:r>
+              <a:rPr lang="en-AU" sz="1500" dirty="0"/>
+              <a:t>Included in the bar chart are the total environmental factors and the total mechanical issues for a comparison. </a:t>
+            </a:r>
+          </a:p>
+          <a:p>
+            <a:endParaRPr lang="en-AU" sz="1500" dirty="0"/>
+          </a:p>
+          <a:p>
+            <a:r>
+              <a:rPr lang="en-AU" sz="1500" dirty="0"/>
+              <a:t>In conclusion, the environmental and pilot errors are the major contributing factors in plane crashes.  </a:t>
+            </a:r>
+          </a:p>
+          <a:p>
+            <a:endParaRPr lang="en-AU" sz="1500" dirty="0"/>
+          </a:p>
+          <a:p>
+            <a:r>
+              <a:rPr lang="en-AU" sz="1500" dirty="0"/>
+              <a:t> </a:t>
+            </a:r>
+          </a:p>
+          <a:p>
+            <a:endParaRPr lang="en-AU" sz="1500" dirty="0"/>
+          </a:p>
+          <a:p>
+            <a:endParaRPr lang="en-AU" sz="1500" dirty="0"/>
+          </a:p>
+        </p:txBody>
+      </p:sp>
+    </p:spTree>
+    <p:extLst>
+      <p:ext uri="{BB962C8B-B14F-4D97-AF65-F5344CB8AC3E}">
+        <p14:creationId xmlns:p14="http://schemas.microsoft.com/office/powerpoint/2010/main" val="154307542"/>
+      </p:ext>
+    </p:extLst>
+  </p:cSld>
+  <p:clrMapOvr>
+    <a:masterClrMapping/>
+  </p:clrMapOvr>
+</p:sld>
+</file>
+
+<file path=ppt/slides/slide9.xml><?xml version="1.0" encoding="utf-8"?>
+<p:sld xmlns:a="http://schemas.openxmlformats.org/drawingml/2006/main" xmlns:r="http://schemas.openxmlformats.org/officeDocument/2006/relationships" xmlns:p="http://schemas.openxmlformats.org/presentationml/2006/main">
+  <p:cSld>
+    <p:spTree>
+      <p:nvGrpSpPr>
+        <p:cNvPr id="1" name=""/>
+        <p:cNvGrpSpPr/>
+        <p:nvPr/>
+      </p:nvGrpSpPr>
+      <p:grpSpPr>
+        <a:xfrm>
+          <a:off x="0" y="0"/>
+          <a:ext cx="0" cy="0"/>
+          <a:chOff x="0" y="0"/>
+          <a:chExt cx="0" cy="0"/>
+        </a:xfrm>
+      </p:grpSpPr>
+      <p:sp>
+        <p:nvSpPr>
+          <p:cNvPr id="2" name="Title 1">
+            <a:extLst>
+              <a:ext uri="{FF2B5EF4-FFF2-40B4-BE49-F238E27FC236}">
+                <a16:creationId xmlns:a16="http://schemas.microsoft.com/office/drawing/2014/main" id="{D364FA41-52FF-F005-5810-DB1A3C65B0D4}"/>
+              </a:ext>
+            </a:extLst>
+          </p:cNvPr>
+          <p:cNvSpPr>
+            <a:spLocks noGrp="1"/>
+          </p:cNvSpPr>
+          <p:nvPr>
+            <p:ph type="title"/>
+          </p:nvPr>
+        </p:nvSpPr>
+        <p:spPr/>
         <p:txBody>
           <a:bodyPr>
             <a:normAutofit/>
           </a:bodyPr>
           <a:lstStyle/>
           <a:p>
-            <a:pPr marL="0" indent="0">
-              <a:buNone/>
-            </a:pPr>
-            <a:endParaRPr lang="en-US" dirty="0"/>
-          </a:p>
-          <a:p>
-            <a:r>
-              <a:rPr lang="en-US" dirty="0"/>
-              <a:t>In this data set, the average number of people on commercial planes was  36 and the average number of fatalities was 25.</a:t>
-            </a:r>
-          </a:p>
-          <a:p>
-            <a:r>
-              <a:rPr lang="en-US" dirty="0"/>
-              <a:t>The chance of survival on plane crashes with 1 or more fatalities is 31.6 percent.</a:t>
-            </a:r>
-          </a:p>
-          <a:p>
-            <a:r>
-              <a:rPr lang="en-US" dirty="0"/>
-              <a:t>The number of commercial plane crashes with one fatality or more is 1078 out of 1101.</a:t>
-            </a:r>
-          </a:p>
-          <a:p>
-            <a:r>
-              <a:rPr lang="en-US" dirty="0"/>
-              <a:t>The most common areas for aircraft failure are:</a:t>
-            </a:r>
-          </a:p>
-          <a:p>
-            <a:r>
-              <a:rPr lang="en-US" dirty="0"/>
-              <a:t>Hawaii with 6 incidents, Alaska with 5 incidents and Arizona with 2 incidents.</a:t>
-            </a:r>
-          </a:p>
-          <a:p>
-            <a:r>
-              <a:rPr lang="en-US" dirty="0"/>
-              <a:t>Aviation safety has improved!</a:t>
-            </a:r>
-          </a:p>
-          <a:p>
-            <a:endParaRPr lang="en-AU" dirty="0"/>
-          </a:p>
-        </p:txBody>
-      </p:sp>
+            <a:r>
+              <a:rPr lang="en-AU" sz="3300" dirty="0"/>
+              <a:t>Has Aviation Become Safer?</a:t>
+            </a:r>
+          </a:p>
+        </p:txBody>
+      </p:sp>
+      <p:pic>
+        <p:nvPicPr>
+          <p:cNvPr id="6" name="Content Placeholder 5">
+            <a:extLst>
+              <a:ext uri="{FF2B5EF4-FFF2-40B4-BE49-F238E27FC236}">
+                <a16:creationId xmlns:a16="http://schemas.microsoft.com/office/drawing/2014/main" id="{18631E03-2F87-CF15-CDCF-9A00C7CADC10}"/>
+              </a:ext>
+            </a:extLst>
+          </p:cNvPr>
+          <p:cNvPicPr>
+            <a:picLocks noGrp="1" noChangeAspect="1"/>
+          </p:cNvPicPr>
+          <p:nvPr>
+            <p:ph idx="1"/>
+          </p:nvPr>
+        </p:nvPicPr>
+        <p:blipFill>
+          <a:blip r:embed="rId2">
+            <a:extLst>
+              <a:ext uri="{28A0092B-C50C-407E-A947-70E740481C1C}">
+                <a14:useLocalDpi xmlns:a14="http://schemas.microsoft.com/office/drawing/2010/main" val="0"/>
+              </a:ext>
+            </a:extLst>
+          </a:blip>
+          <a:stretch>
+            <a:fillRect/>
+          </a:stretch>
+        </p:blipFill>
+        <p:spPr>
+          <a:xfrm>
+            <a:off x="1417684" y="1779588"/>
+            <a:ext cx="7115967" cy="3881437"/>
+          </a:xfrm>
+        </p:spPr>
+      </p:pic>
     </p:spTree>
     <p:extLst>
       <p:ext uri="{BB962C8B-B14F-4D97-AF65-F5344CB8AC3E}">
-        <p14:creationId xmlns:p14="http://schemas.microsoft.com/office/powerpoint/2010/main" val="2435629105"/>
+        <p14:creationId xmlns:p14="http://schemas.microsoft.com/office/powerpoint/2010/main" val="3132460337"/>
       </p:ext>
     </p:extLst>
   </p:cSld>
